--- a/docs/Rapid.pptx
+++ b/docs/Rapid.pptx
@@ -5,19 +5,22 @@
     <p:sldMasterId id="2147483648" r:id="rId1"/>
   </p:sldMasterIdLst>
   <p:notesMasterIdLst>
-    <p:notesMasterId r:id="rId12"/>
+    <p:notesMasterId r:id="rId15"/>
   </p:notesMasterIdLst>
   <p:sldIdLst>
     <p:sldId id="269" r:id="rId2"/>
     <p:sldId id="467" r:id="rId3"/>
-    <p:sldId id="488" r:id="rId4"/>
-    <p:sldId id="493" r:id="rId5"/>
-    <p:sldId id="495" r:id="rId6"/>
-    <p:sldId id="494" r:id="rId7"/>
-    <p:sldId id="485" r:id="rId8"/>
-    <p:sldId id="497" r:id="rId9"/>
-    <p:sldId id="496" r:id="rId10"/>
-    <p:sldId id="466" r:id="rId11"/>
+    <p:sldId id="498" r:id="rId4"/>
+    <p:sldId id="500" r:id="rId5"/>
+    <p:sldId id="499" r:id="rId6"/>
+    <p:sldId id="495" r:id="rId7"/>
+    <p:sldId id="494" r:id="rId8"/>
+    <p:sldId id="501" r:id="rId9"/>
+    <p:sldId id="485" r:id="rId10"/>
+    <p:sldId id="502" r:id="rId11"/>
+    <p:sldId id="497" r:id="rId12"/>
+    <p:sldId id="496" r:id="rId13"/>
+    <p:sldId id="466" r:id="rId14"/>
   </p:sldIdLst>
   <p:sldSz cx="12192000" cy="6858000"/>
   <p:notesSz cx="6858000" cy="9144000"/>
@@ -218,7 +221,7 @@
             <a:fld id="{10D9A069-C8CE-470D-8C3F-50F4F7270C2E}" type="datetimeFigureOut">
               <a:rPr lang="en-IN" smtClean="0"/>
               <a:pPr/>
-              <a:t>05-07-2024</a:t>
+              <a:t>13-07-2024</a:t>
             </a:fld>
             <a:endParaRPr lang="en-IN"/>
           </a:p>
@@ -671,7 +674,7 @@
                 </a:solidFill>
               </a:rPr>
               <a:pPr/>
-              <a:t>05-07-2024</a:t>
+              <a:t>13-07-2024</a:t>
             </a:fld>
             <a:endParaRPr lang="en-IN">
               <a:solidFill>
@@ -949,7 +952,7 @@
                 </a:solidFill>
               </a:rPr>
               <a:pPr/>
-              <a:t>05-07-2024</a:t>
+              <a:t>13-07-2024</a:t>
             </a:fld>
             <a:endParaRPr lang="en-IN">
               <a:solidFill>
@@ -1155,7 +1158,7 @@
                 </a:solidFill>
               </a:rPr>
               <a:pPr/>
-              <a:t>05-07-2024</a:t>
+              <a:t>13-07-2024</a:t>
             </a:fld>
             <a:endParaRPr lang="en-IN">
               <a:solidFill>
@@ -1300,7 +1303,7 @@
                 </a:solidFill>
               </a:rPr>
               <a:pPr/>
-              <a:t>05-07-2024</a:t>
+              <a:t>13-07-2024</a:t>
             </a:fld>
             <a:endParaRPr lang="en-IN">
               <a:solidFill>
@@ -1444,7 +1447,7 @@
                 </a:solidFill>
               </a:rPr>
               <a:pPr/>
-              <a:t>05-07-2024</a:t>
+              <a:t>13-07-2024</a:t>
             </a:fld>
             <a:endParaRPr lang="en-IN">
               <a:solidFill>
@@ -1639,7 +1642,7 @@
                 </a:solidFill>
               </a:rPr>
               <a:pPr/>
-              <a:t>05-07-2024</a:t>
+              <a:t>13-07-2024</a:t>
             </a:fld>
             <a:endParaRPr lang="en-IN">
               <a:solidFill>
@@ -1858,7 +1861,7 @@
                 </a:solidFill>
               </a:rPr>
               <a:pPr/>
-              <a:t>05-07-2024</a:t>
+              <a:t>13-07-2024</a:t>
             </a:fld>
             <a:endParaRPr lang="en-IN">
               <a:solidFill>
@@ -2115,7 +2118,7 @@
                 </a:solidFill>
               </a:rPr>
               <a:pPr/>
-              <a:t>05-07-2024</a:t>
+              <a:t>13-07-2024</a:t>
             </a:fld>
             <a:endParaRPr lang="en-IN">
               <a:solidFill>
@@ -2507,7 +2510,7 @@
                 </a:solidFill>
               </a:rPr>
               <a:pPr/>
-              <a:t>05-07-2024</a:t>
+              <a:t>13-07-2024</a:t>
             </a:fld>
             <a:endParaRPr lang="en-IN">
               <a:solidFill>
@@ -2652,7 +2655,7 @@
                 </a:solidFill>
               </a:rPr>
               <a:pPr/>
-              <a:t>05-07-2024</a:t>
+              <a:t>13-07-2024</a:t>
             </a:fld>
             <a:endParaRPr lang="en-IN">
               <a:solidFill>
@@ -2775,7 +2778,7 @@
                 </a:solidFill>
               </a:rPr>
               <a:pPr/>
-              <a:t>05-07-2024</a:t>
+              <a:t>13-07-2024</a:t>
             </a:fld>
             <a:endParaRPr lang="en-IN">
               <a:solidFill>
@@ -3078,7 +3081,7 @@
                 </a:solidFill>
               </a:rPr>
               <a:pPr/>
-              <a:t>05-07-2024</a:t>
+              <a:t>13-07-2024</a:t>
             </a:fld>
             <a:endParaRPr lang="en-IN">
               <a:solidFill>
@@ -3387,7 +3390,7 @@
                 </a:solidFill>
               </a:rPr>
               <a:pPr/>
-              <a:t>05-07-2024</a:t>
+              <a:t>13-07-2024</a:t>
             </a:fld>
             <a:endParaRPr lang="en-IN">
               <a:solidFill>
@@ -3689,7 +3692,7 @@
                 </a:solidFill>
               </a:rPr>
               <a:pPr/>
-              <a:t>05-07-2024</a:t>
+              <a:t>13-07-2024</a:t>
             </a:fld>
             <a:endParaRPr lang="en-IN">
               <a:solidFill>
@@ -4297,8 +4300,8 @@
         </p:nvSpPr>
         <p:spPr>
           <a:xfrm>
-            <a:off x="1071245" y="0"/>
-            <a:ext cx="11120755" cy="1114425"/>
+            <a:off x="0" y="290978"/>
+            <a:ext cx="12192000" cy="1114425"/>
           </a:xfrm>
         </p:spPr>
         <p:txBody>
@@ -4345,8 +4348,8 @@
         </p:nvSpPr>
         <p:spPr>
           <a:xfrm>
-            <a:off x="6309360" y="3905250"/>
-            <a:ext cx="5695315" cy="1630045"/>
+            <a:off x="6287177" y="3280954"/>
+            <a:ext cx="5991908" cy="1631216"/>
           </a:xfrm>
           <a:prstGeom prst="rect">
             <a:avLst/>
@@ -4380,7 +4383,7 @@
                 <a:latin typeface="Poppins" pitchFamily="2" charset="77"/>
                 <a:cs typeface="Poppins" pitchFamily="2" charset="77"/>
               </a:rPr>
-              <a:t>Name:</a:t>
+              <a:t>Name: Sujay S C, Suhas V, Suraj R</a:t>
             </a:r>
           </a:p>
           <a:p>
@@ -4419,7 +4422,7 @@
                 <a:latin typeface="Poppins" pitchFamily="2" charset="77"/>
                 <a:cs typeface="Poppins" pitchFamily="2" charset="77"/>
               </a:rPr>
-              <a:t>Department:</a:t>
+              <a:t>Department: Computer Science</a:t>
             </a:r>
           </a:p>
           <a:p>
@@ -4458,7 +4461,7 @@
                 <a:latin typeface="Poppins" pitchFamily="2" charset="77"/>
                 <a:cs typeface="Poppins" pitchFamily="2" charset="77"/>
               </a:rPr>
-              <a:t>Campus:</a:t>
+              <a:t>Campus: RR Campus</a:t>
             </a:r>
           </a:p>
         </p:txBody>
@@ -4473,7 +4476,7 @@
         </p:nvSpPr>
         <p:spPr>
           <a:xfrm>
-            <a:off x="1183005" y="1744980"/>
+            <a:off x="664464" y="1544683"/>
             <a:ext cx="11120755" cy="1114425"/>
           </a:xfrm>
           <a:prstGeom prst="rect">
@@ -4633,36 +4636,17 @@
           <a:p>
             <a:pPr algn="ctr"/>
             <a:r>
-              <a:rPr lang="en-US" sz="2400" b="0" i="0" dirty="0">
+              <a:rPr lang="en-US" sz="2400" dirty="0">
                 <a:solidFill>
                   <a:srgbClr val="161723"/>
                 </a:solidFill>
-                <a:effectLst/>
                 <a:highlight>
                   <a:srgbClr val="FFFFFF"/>
                 </a:highlight>
                 <a:latin typeface="DM Serif Display" panose="020F0502020204030204" pitchFamily="2" charset="0"/>
               </a:rPr>
-              <a:t>Cryptocurrency Price Prediction Using Machine Learning and Sentiment Analysis</a:t>
-            </a:r>
-            <a:endParaRPr lang="en-US" sz="4400" dirty="0">
-              <a:solidFill>
-                <a:schemeClr val="tx1">
-                  <a:lumMod val="95000"/>
-                  <a:lumOff val="5000"/>
-                </a:schemeClr>
-              </a:solidFill>
-              <a:effectLst>
-                <a:outerShdw blurRad="38100" dist="19050" dir="2700000" algn="tl" rotWithShape="0">
-                  <a:schemeClr val="dk1">
-                    <a:alpha val="40000"/>
-                    <a:alpha val="40000"/>
-                  </a:schemeClr>
-                </a:outerShdw>
-              </a:effectLst>
-              <a:latin typeface="Poppins" pitchFamily="2" charset="77"/>
-              <a:cs typeface="Poppins" pitchFamily="2" charset="77"/>
-            </a:endParaRPr>
+              <a:t>Cryptocurrency Price Prediction Using Various Machine Learning models including Ensemble Method and Sentiment Analysis </a:t>
+            </a:r>
           </a:p>
         </p:txBody>
       </p:sp>
@@ -4680,7 +4664,7 @@
         </p:blipFill>
         <p:spPr>
           <a:xfrm>
-            <a:off x="0" y="170688"/>
+            <a:off x="243840" y="240356"/>
             <a:ext cx="841248" cy="976923"/>
           </a:xfrm>
           <a:prstGeom prst="rect">
@@ -4704,7 +4688,7 @@
         </p:blipFill>
         <p:spPr bwMode="auto">
           <a:xfrm>
-            <a:off x="11312768" y="0"/>
+            <a:off x="11068928" y="240356"/>
             <a:ext cx="879232" cy="1025768"/>
           </a:xfrm>
           <a:prstGeom prst="rect">
@@ -4746,6 +4730,648 @@
       </p:grpSpPr>
       <p:sp>
         <p:nvSpPr>
+          <p:cNvPr id="52" name="Title 6"/>
+          <p:cNvSpPr txBox="1"/>
+          <p:nvPr/>
+        </p:nvSpPr>
+        <p:spPr>
+          <a:xfrm>
+            <a:off x="772929" y="-10747"/>
+            <a:ext cx="12192000" cy="1143000"/>
+          </a:xfrm>
+          <a:prstGeom prst="rect">
+            <a:avLst/>
+          </a:prstGeom>
+        </p:spPr>
+        <p:txBody>
+          <a:bodyPr vert="horz" lIns="121920" tIns="60960" rIns="121920" bIns="60960" rtlCol="0" anchor="ctr">
+            <a:noAutofit/>
+          </a:bodyPr>
+          <a:lstStyle/>
+          <a:p>
+            <a:pPr algn="ctr">
+              <a:spcBef>
+                <a:spcPct val="0"/>
+              </a:spcBef>
+            </a:pPr>
+            <a:r>
+              <a:rPr lang="en-IN" sz="3200" b="1" dirty="0">
+                <a:solidFill>
+                  <a:srgbClr val="C00000"/>
+                </a:solidFill>
+                <a:latin typeface="Segoe UI" panose="020B0502040204020203" pitchFamily="34" charset="0"/>
+                <a:cs typeface="Segoe UI" panose="020B0502040204020203" pitchFamily="34" charset="0"/>
+              </a:rPr>
+              <a:t> </a:t>
+            </a:r>
+            <a:endParaRPr lang="en-IN" sz="3200" b="1" dirty="0">
+              <a:solidFill>
+                <a:srgbClr val="C00000"/>
+              </a:solidFill>
+              <a:latin typeface="Segoe UI" panose="020B0502040204020203" pitchFamily="34" charset="0"/>
+              <a:ea typeface="+mj-ea"/>
+              <a:cs typeface="Segoe UI" panose="020B0502040204020203" pitchFamily="34" charset="0"/>
+            </a:endParaRPr>
+          </a:p>
+        </p:txBody>
+      </p:sp>
+      <p:pic>
+        <p:nvPicPr>
+          <p:cNvPr id="13" name="image1.png"/>
+          <p:cNvPicPr preferRelativeResize="0"/>
+          <p:nvPr/>
+        </p:nvPicPr>
+        <p:blipFill>
+          <a:blip r:embed="rId2" cstate="print"/>
+          <a:stretch>
+            <a:fillRect/>
+          </a:stretch>
+        </p:blipFill>
+        <p:spPr>
+          <a:xfrm>
+            <a:off x="0" y="170688"/>
+            <a:ext cx="841248" cy="976923"/>
+          </a:xfrm>
+          <a:prstGeom prst="rect">
+            <a:avLst/>
+          </a:prstGeom>
+          <a:noFill/>
+        </p:spPr>
+      </p:pic>
+      <p:pic>
+        <p:nvPicPr>
+          <p:cNvPr id="14" name="Picture 13"/>
+          <p:cNvPicPr/>
+          <p:nvPr/>
+        </p:nvPicPr>
+        <p:blipFill>
+          <a:blip r:embed="rId3"/>
+          <a:srcRect/>
+          <a:stretch>
+            <a:fillRect/>
+          </a:stretch>
+        </p:blipFill>
+        <p:spPr bwMode="auto">
+          <a:xfrm>
+            <a:off x="11312768" y="0"/>
+            <a:ext cx="879232" cy="1025768"/>
+          </a:xfrm>
+          <a:prstGeom prst="rect">
+            <a:avLst/>
+          </a:prstGeom>
+          <a:noFill/>
+          <a:ln w="9525">
+            <a:noFill/>
+            <a:miter lim="800000"/>
+            <a:headEnd/>
+            <a:tailEnd/>
+          </a:ln>
+        </p:spPr>
+      </p:pic>
+      <p:sp>
+        <p:nvSpPr>
+          <p:cNvPr id="3" name="TextBox 2">
+            <a:extLst>
+              <a:ext uri="{FF2B5EF4-FFF2-40B4-BE49-F238E27FC236}">
+                <a16:creationId xmlns:a16="http://schemas.microsoft.com/office/drawing/2014/main" id="{AC51CC9D-455A-9899-CC5F-78B71DFCAC01}"/>
+              </a:ext>
+            </a:extLst>
+          </p:cNvPr>
+          <p:cNvSpPr txBox="1"/>
+          <p:nvPr/>
+        </p:nvSpPr>
+        <p:spPr>
+          <a:xfrm>
+            <a:off x="3740330" y="453002"/>
+            <a:ext cx="4711337" cy="523220"/>
+          </a:xfrm>
+          <a:prstGeom prst="rect">
+            <a:avLst/>
+          </a:prstGeom>
+          <a:noFill/>
+        </p:spPr>
+        <p:txBody>
+          <a:bodyPr wrap="square" rtlCol="0">
+            <a:spAutoFit/>
+          </a:bodyPr>
+          <a:lstStyle/>
+          <a:p>
+            <a:pPr algn="ctr"/>
+            <a:r>
+              <a:rPr lang="en-US" sz="2800" dirty="0">
+                <a:solidFill>
+                  <a:srgbClr val="161723"/>
+                </a:solidFill>
+                <a:highlight>
+                  <a:srgbClr val="FFFFFF"/>
+                </a:highlight>
+                <a:latin typeface="DM Serif Display" pitchFamily="2" charset="0"/>
+              </a:rPr>
+              <a:t>Experimental Results</a:t>
+            </a:r>
+          </a:p>
+        </p:txBody>
+      </p:sp>
+      <p:pic>
+        <p:nvPicPr>
+          <p:cNvPr id="4" name="Picture 3">
+            <a:extLst>
+              <a:ext uri="{FF2B5EF4-FFF2-40B4-BE49-F238E27FC236}">
+                <a16:creationId xmlns:a16="http://schemas.microsoft.com/office/drawing/2014/main" id="{404AE9C1-B77E-0375-494E-2D24AF615579}"/>
+              </a:ext>
+            </a:extLst>
+          </p:cNvPr>
+          <p:cNvPicPr>
+            <a:picLocks noChangeAspect="1"/>
+          </p:cNvPicPr>
+          <p:nvPr/>
+        </p:nvPicPr>
+        <p:blipFill>
+          <a:blip r:embed="rId4"/>
+          <a:stretch>
+            <a:fillRect/>
+          </a:stretch>
+        </p:blipFill>
+        <p:spPr>
+          <a:xfrm>
+            <a:off x="1105988" y="1158358"/>
+            <a:ext cx="4571397" cy="5246640"/>
+          </a:xfrm>
+          <a:prstGeom prst="rect">
+            <a:avLst/>
+          </a:prstGeom>
+        </p:spPr>
+      </p:pic>
+      <p:pic>
+        <p:nvPicPr>
+          <p:cNvPr id="7" name="Picture 6">
+            <a:extLst>
+              <a:ext uri="{FF2B5EF4-FFF2-40B4-BE49-F238E27FC236}">
+                <a16:creationId xmlns:a16="http://schemas.microsoft.com/office/drawing/2014/main" id="{BDF2C398-CABB-FE99-AC29-5F836FD2AC24}"/>
+              </a:ext>
+            </a:extLst>
+          </p:cNvPr>
+          <p:cNvPicPr>
+            <a:picLocks noChangeAspect="1"/>
+          </p:cNvPicPr>
+          <p:nvPr/>
+        </p:nvPicPr>
+        <p:blipFill>
+          <a:blip r:embed="rId5"/>
+          <a:stretch>
+            <a:fillRect/>
+          </a:stretch>
+        </p:blipFill>
+        <p:spPr>
+          <a:xfrm>
+            <a:off x="6419124" y="1149341"/>
+            <a:ext cx="4370796" cy="5264673"/>
+          </a:xfrm>
+          <a:prstGeom prst="rect">
+            <a:avLst/>
+          </a:prstGeom>
+        </p:spPr>
+      </p:pic>
+    </p:spTree>
+    <p:extLst>
+      <p:ext uri="{BB962C8B-B14F-4D97-AF65-F5344CB8AC3E}">
+        <p14:creationId xmlns:p14="http://schemas.microsoft.com/office/powerpoint/2010/main" val="1369322916"/>
+      </p:ext>
+    </p:extLst>
+  </p:cSld>
+  <p:clrMapOvr>
+    <a:masterClrMapping/>
+  </p:clrMapOvr>
+</p:sld>
+</file>
+
+<file path=ppt/slides/slide11.xml><?xml version="1.0" encoding="utf-8"?>
+<p:sld xmlns:a="http://schemas.openxmlformats.org/drawingml/2006/main" xmlns:r="http://schemas.openxmlformats.org/officeDocument/2006/relationships" xmlns:p="http://schemas.openxmlformats.org/presentationml/2006/main">
+  <p:cSld>
+    <p:spTree>
+      <p:nvGrpSpPr>
+        <p:cNvPr id="1" name=""/>
+        <p:cNvGrpSpPr/>
+        <p:nvPr/>
+      </p:nvGrpSpPr>
+      <p:grpSpPr>
+        <a:xfrm>
+          <a:off x="0" y="0"/>
+          <a:ext cx="0" cy="0"/>
+          <a:chOff x="0" y="0"/>
+          <a:chExt cx="0" cy="0"/>
+        </a:xfrm>
+      </p:grpSpPr>
+      <p:sp>
+        <p:nvSpPr>
+          <p:cNvPr id="52" name="Title 6"/>
+          <p:cNvSpPr txBox="1"/>
+          <p:nvPr/>
+        </p:nvSpPr>
+        <p:spPr>
+          <a:xfrm>
+            <a:off x="772929" y="-10747"/>
+            <a:ext cx="12192000" cy="1143000"/>
+          </a:xfrm>
+          <a:prstGeom prst="rect">
+            <a:avLst/>
+          </a:prstGeom>
+        </p:spPr>
+        <p:txBody>
+          <a:bodyPr vert="horz" lIns="121920" tIns="60960" rIns="121920" bIns="60960" rtlCol="0" anchor="ctr">
+            <a:noAutofit/>
+          </a:bodyPr>
+          <a:lstStyle/>
+          <a:p>
+            <a:pPr algn="ctr">
+              <a:spcBef>
+                <a:spcPct val="0"/>
+              </a:spcBef>
+            </a:pPr>
+            <a:r>
+              <a:rPr lang="en-IN" sz="3200" b="1" dirty="0">
+                <a:solidFill>
+                  <a:srgbClr val="C00000"/>
+                </a:solidFill>
+                <a:latin typeface="Segoe UI" panose="020B0502040204020203" pitchFamily="34" charset="0"/>
+                <a:cs typeface="Segoe UI" panose="020B0502040204020203" pitchFamily="34" charset="0"/>
+              </a:rPr>
+              <a:t> </a:t>
+            </a:r>
+            <a:endParaRPr lang="en-IN" sz="3200" b="1" dirty="0">
+              <a:solidFill>
+                <a:srgbClr val="C00000"/>
+              </a:solidFill>
+              <a:latin typeface="Segoe UI" panose="020B0502040204020203" pitchFamily="34" charset="0"/>
+              <a:ea typeface="+mj-ea"/>
+              <a:cs typeface="Segoe UI" panose="020B0502040204020203" pitchFamily="34" charset="0"/>
+            </a:endParaRPr>
+          </a:p>
+        </p:txBody>
+      </p:sp>
+      <p:pic>
+        <p:nvPicPr>
+          <p:cNvPr id="13" name="image1.png"/>
+          <p:cNvPicPr preferRelativeResize="0"/>
+          <p:nvPr/>
+        </p:nvPicPr>
+        <p:blipFill>
+          <a:blip r:embed="rId2" cstate="print"/>
+          <a:stretch>
+            <a:fillRect/>
+          </a:stretch>
+        </p:blipFill>
+        <p:spPr>
+          <a:xfrm>
+            <a:off x="352305" y="267729"/>
+            <a:ext cx="841248" cy="976923"/>
+          </a:xfrm>
+          <a:prstGeom prst="rect">
+            <a:avLst/>
+          </a:prstGeom>
+          <a:noFill/>
+        </p:spPr>
+      </p:pic>
+      <p:pic>
+        <p:nvPicPr>
+          <p:cNvPr id="14" name="Picture 13"/>
+          <p:cNvPicPr/>
+          <p:nvPr/>
+        </p:nvPicPr>
+        <p:blipFill>
+          <a:blip r:embed="rId3"/>
+          <a:srcRect/>
+          <a:stretch>
+            <a:fillRect/>
+          </a:stretch>
+        </p:blipFill>
+        <p:spPr bwMode="auto">
+          <a:xfrm>
+            <a:off x="10871493" y="324950"/>
+            <a:ext cx="879232" cy="1025768"/>
+          </a:xfrm>
+          <a:prstGeom prst="rect">
+            <a:avLst/>
+          </a:prstGeom>
+          <a:noFill/>
+          <a:ln w="9525">
+            <a:noFill/>
+            <a:miter lim="800000"/>
+            <a:headEnd/>
+            <a:tailEnd/>
+          </a:ln>
+        </p:spPr>
+      </p:pic>
+      <p:sp>
+        <p:nvSpPr>
+          <p:cNvPr id="2" name="TextBox 1">
+            <a:extLst>
+              <a:ext uri="{FF2B5EF4-FFF2-40B4-BE49-F238E27FC236}">
+                <a16:creationId xmlns:a16="http://schemas.microsoft.com/office/drawing/2014/main" id="{F1033FDF-FF26-FA2C-1F38-5DEEA6433723}"/>
+              </a:ext>
+            </a:extLst>
+          </p:cNvPr>
+          <p:cNvSpPr txBox="1"/>
+          <p:nvPr/>
+        </p:nvSpPr>
+        <p:spPr>
+          <a:xfrm>
+            <a:off x="3676854" y="494580"/>
+            <a:ext cx="4711337" cy="523220"/>
+          </a:xfrm>
+          <a:prstGeom prst="rect">
+            <a:avLst/>
+          </a:prstGeom>
+          <a:noFill/>
+        </p:spPr>
+        <p:txBody>
+          <a:bodyPr wrap="square" rtlCol="0">
+            <a:spAutoFit/>
+          </a:bodyPr>
+          <a:lstStyle/>
+          <a:p>
+            <a:pPr algn="ctr"/>
+            <a:r>
+              <a:rPr lang="en-US" sz="2800" dirty="0">
+                <a:solidFill>
+                  <a:srgbClr val="161723"/>
+                </a:solidFill>
+                <a:highlight>
+                  <a:srgbClr val="FFFFFF"/>
+                </a:highlight>
+                <a:latin typeface="DM Serif Display" pitchFamily="2" charset="0"/>
+              </a:rPr>
+              <a:t>Draft Paper Publications</a:t>
+            </a:r>
+          </a:p>
+        </p:txBody>
+      </p:sp>
+      <p:pic>
+        <p:nvPicPr>
+          <p:cNvPr id="5" name="Picture 4">
+            <a:extLst>
+              <a:ext uri="{FF2B5EF4-FFF2-40B4-BE49-F238E27FC236}">
+                <a16:creationId xmlns:a16="http://schemas.microsoft.com/office/drawing/2014/main" id="{8796834C-197B-4C63-242B-D4B1A0D612F3}"/>
+              </a:ext>
+            </a:extLst>
+          </p:cNvPr>
+          <p:cNvPicPr>
+            <a:picLocks noChangeAspect="1"/>
+          </p:cNvPicPr>
+          <p:nvPr/>
+        </p:nvPicPr>
+        <p:blipFill>
+          <a:blip r:embed="rId4"/>
+          <a:stretch>
+            <a:fillRect/>
+          </a:stretch>
+        </p:blipFill>
+        <p:spPr>
+          <a:xfrm>
+            <a:off x="1193553" y="1410729"/>
+            <a:ext cx="9344297" cy="4859307"/>
+          </a:xfrm>
+          <a:prstGeom prst="rect">
+            <a:avLst/>
+          </a:prstGeom>
+        </p:spPr>
+      </p:pic>
+    </p:spTree>
+    <p:extLst>
+      <p:ext uri="{BB962C8B-B14F-4D97-AF65-F5344CB8AC3E}">
+        <p14:creationId xmlns:p14="http://schemas.microsoft.com/office/powerpoint/2010/main" val="961387453"/>
+      </p:ext>
+    </p:extLst>
+  </p:cSld>
+  <p:clrMapOvr>
+    <a:masterClrMapping/>
+  </p:clrMapOvr>
+</p:sld>
+</file>
+
+<file path=ppt/slides/slide12.xml><?xml version="1.0" encoding="utf-8"?>
+<p:sld xmlns:a="http://schemas.openxmlformats.org/drawingml/2006/main" xmlns:r="http://schemas.openxmlformats.org/officeDocument/2006/relationships" xmlns:p="http://schemas.openxmlformats.org/presentationml/2006/main">
+  <p:cSld>
+    <p:spTree>
+      <p:nvGrpSpPr>
+        <p:cNvPr id="1" name=""/>
+        <p:cNvGrpSpPr/>
+        <p:nvPr/>
+      </p:nvGrpSpPr>
+      <p:grpSpPr>
+        <a:xfrm>
+          <a:off x="0" y="0"/>
+          <a:ext cx="0" cy="0"/>
+          <a:chOff x="0" y="0"/>
+          <a:chExt cx="0" cy="0"/>
+        </a:xfrm>
+      </p:grpSpPr>
+      <p:sp>
+        <p:nvSpPr>
+          <p:cNvPr id="52" name="Title 6"/>
+          <p:cNvSpPr txBox="1"/>
+          <p:nvPr/>
+        </p:nvSpPr>
+        <p:spPr>
+          <a:xfrm>
+            <a:off x="772929" y="-10747"/>
+            <a:ext cx="12192000" cy="1143000"/>
+          </a:xfrm>
+          <a:prstGeom prst="rect">
+            <a:avLst/>
+          </a:prstGeom>
+        </p:spPr>
+        <p:txBody>
+          <a:bodyPr vert="horz" lIns="121920" tIns="60960" rIns="121920" bIns="60960" rtlCol="0" anchor="ctr">
+            <a:noAutofit/>
+          </a:bodyPr>
+          <a:lstStyle/>
+          <a:p>
+            <a:pPr algn="ctr">
+              <a:spcBef>
+                <a:spcPct val="0"/>
+              </a:spcBef>
+            </a:pPr>
+            <a:r>
+              <a:rPr lang="en-IN" sz="3200" b="1" dirty="0">
+                <a:solidFill>
+                  <a:srgbClr val="C00000"/>
+                </a:solidFill>
+                <a:latin typeface="Segoe UI" panose="020B0502040204020203" pitchFamily="34" charset="0"/>
+                <a:cs typeface="Segoe UI" panose="020B0502040204020203" pitchFamily="34" charset="0"/>
+              </a:rPr>
+              <a:t> </a:t>
+            </a:r>
+            <a:endParaRPr lang="en-IN" sz="3200" b="1" dirty="0">
+              <a:solidFill>
+                <a:srgbClr val="C00000"/>
+              </a:solidFill>
+              <a:latin typeface="Segoe UI" panose="020B0502040204020203" pitchFamily="34" charset="0"/>
+              <a:ea typeface="+mj-ea"/>
+              <a:cs typeface="Segoe UI" panose="020B0502040204020203" pitchFamily="34" charset="0"/>
+            </a:endParaRPr>
+          </a:p>
+        </p:txBody>
+      </p:sp>
+      <p:pic>
+        <p:nvPicPr>
+          <p:cNvPr id="13" name="image1.png"/>
+          <p:cNvPicPr preferRelativeResize="0"/>
+          <p:nvPr/>
+        </p:nvPicPr>
+        <p:blipFill>
+          <a:blip r:embed="rId2" cstate="print"/>
+          <a:stretch>
+            <a:fillRect/>
+          </a:stretch>
+        </p:blipFill>
+        <p:spPr>
+          <a:xfrm>
+            <a:off x="269965" y="242047"/>
+            <a:ext cx="841248" cy="976923"/>
+          </a:xfrm>
+          <a:prstGeom prst="rect">
+            <a:avLst/>
+          </a:prstGeom>
+          <a:noFill/>
+        </p:spPr>
+      </p:pic>
+      <p:pic>
+        <p:nvPicPr>
+          <p:cNvPr id="14" name="Picture 13"/>
+          <p:cNvPicPr/>
+          <p:nvPr/>
+        </p:nvPicPr>
+        <p:blipFill>
+          <a:blip r:embed="rId3"/>
+          <a:srcRect/>
+          <a:stretch>
+            <a:fillRect/>
+          </a:stretch>
+        </p:blipFill>
+        <p:spPr bwMode="auto">
+          <a:xfrm>
+            <a:off x="11042803" y="242047"/>
+            <a:ext cx="879232" cy="1025768"/>
+          </a:xfrm>
+          <a:prstGeom prst="rect">
+            <a:avLst/>
+          </a:prstGeom>
+          <a:noFill/>
+          <a:ln w="9525">
+            <a:noFill/>
+            <a:miter lim="800000"/>
+            <a:headEnd/>
+            <a:tailEnd/>
+          </a:ln>
+        </p:spPr>
+      </p:pic>
+      <p:pic>
+        <p:nvPicPr>
+          <p:cNvPr id="3" name="Picture 2">
+            <a:extLst>
+              <a:ext uri="{FF2B5EF4-FFF2-40B4-BE49-F238E27FC236}">
+                <a16:creationId xmlns:a16="http://schemas.microsoft.com/office/drawing/2014/main" id="{E6A84E55-7D8F-C8FD-6F1F-23F8EB583BD6}"/>
+              </a:ext>
+            </a:extLst>
+          </p:cNvPr>
+          <p:cNvPicPr>
+            <a:picLocks noChangeAspect="1"/>
+          </p:cNvPicPr>
+          <p:nvPr/>
+        </p:nvPicPr>
+        <p:blipFill>
+          <a:blip r:embed="rId4"/>
+          <a:stretch>
+            <a:fillRect/>
+          </a:stretch>
+        </p:blipFill>
+        <p:spPr>
+          <a:xfrm>
+            <a:off x="2909443" y="1305688"/>
+            <a:ext cx="6373114" cy="5039428"/>
+          </a:xfrm>
+          <a:prstGeom prst="rect">
+            <a:avLst/>
+          </a:prstGeom>
+        </p:spPr>
+      </p:pic>
+      <p:sp>
+        <p:nvSpPr>
+          <p:cNvPr id="5" name="TextBox 4">
+            <a:extLst>
+              <a:ext uri="{FF2B5EF4-FFF2-40B4-BE49-F238E27FC236}">
+                <a16:creationId xmlns:a16="http://schemas.microsoft.com/office/drawing/2014/main" id="{D854E7DE-A0E7-728B-B58B-9167645174FB}"/>
+              </a:ext>
+            </a:extLst>
+          </p:cNvPr>
+          <p:cNvSpPr txBox="1"/>
+          <p:nvPr/>
+        </p:nvSpPr>
+        <p:spPr>
+          <a:xfrm>
+            <a:off x="5092336" y="450820"/>
+            <a:ext cx="2007327" cy="523220"/>
+          </a:xfrm>
+          <a:prstGeom prst="rect">
+            <a:avLst/>
+          </a:prstGeom>
+          <a:noFill/>
+        </p:spPr>
+        <p:txBody>
+          <a:bodyPr wrap="square" rtlCol="0">
+            <a:spAutoFit/>
+          </a:bodyPr>
+          <a:lstStyle/>
+          <a:p>
+            <a:pPr algn="ctr"/>
+            <a:r>
+              <a:rPr lang="en-US" sz="2800" dirty="0">
+                <a:solidFill>
+                  <a:srgbClr val="161723"/>
+                </a:solidFill>
+                <a:highlight>
+                  <a:srgbClr val="FFFFFF"/>
+                </a:highlight>
+                <a:latin typeface="DM Serif Display" pitchFamily="2" charset="0"/>
+              </a:rPr>
+              <a:t>References</a:t>
+            </a:r>
+          </a:p>
+        </p:txBody>
+      </p:sp>
+    </p:spTree>
+    <p:extLst>
+      <p:ext uri="{BB962C8B-B14F-4D97-AF65-F5344CB8AC3E}">
+        <p14:creationId xmlns:p14="http://schemas.microsoft.com/office/powerpoint/2010/main" val="961387453"/>
+      </p:ext>
+    </p:extLst>
+  </p:cSld>
+  <p:clrMapOvr>
+    <a:masterClrMapping/>
+  </p:clrMapOvr>
+</p:sld>
+</file>
+
+<file path=ppt/slides/slide13.xml><?xml version="1.0" encoding="utf-8"?>
+<p:sld xmlns:a="http://schemas.openxmlformats.org/drawingml/2006/main" xmlns:r="http://schemas.openxmlformats.org/officeDocument/2006/relationships" xmlns:p="http://schemas.openxmlformats.org/presentationml/2006/main">
+  <p:cSld>
+    <p:spTree>
+      <p:nvGrpSpPr>
+        <p:cNvPr id="1" name=""/>
+        <p:cNvGrpSpPr/>
+        <p:nvPr/>
+      </p:nvGrpSpPr>
+      <p:grpSpPr>
+        <a:xfrm>
+          <a:off x="0" y="0"/>
+          <a:ext cx="0" cy="0"/>
+          <a:chOff x="0" y="0"/>
+          <a:chExt cx="0" cy="0"/>
+        </a:xfrm>
+      </p:grpSpPr>
+      <p:sp>
+        <p:nvSpPr>
           <p:cNvPr id="8" name="TextBox 7"/>
           <p:cNvSpPr txBox="1"/>
           <p:nvPr/>
@@ -4800,7 +5426,7 @@
         </p:blipFill>
         <p:spPr>
           <a:xfrm>
-            <a:off x="158496" y="219456"/>
+            <a:off x="341376" y="332667"/>
             <a:ext cx="841248" cy="976923"/>
           </a:xfrm>
           <a:prstGeom prst="rect">
@@ -4824,7 +5450,7 @@
         </p:blipFill>
         <p:spPr bwMode="auto">
           <a:xfrm>
-            <a:off x="11312768" y="0"/>
+            <a:off x="10971392" y="308244"/>
             <a:ext cx="879232" cy="1025768"/>
           </a:xfrm>
           <a:prstGeom prst="rect">
@@ -4967,7 +5593,7 @@
         </p:blipFill>
         <p:spPr>
           <a:xfrm>
-            <a:off x="0" y="170688"/>
+            <a:off x="206948" y="195110"/>
             <a:ext cx="841248" cy="976923"/>
           </a:xfrm>
           <a:prstGeom prst="rect">
@@ -4991,7 +5617,7 @@
         </p:blipFill>
         <p:spPr bwMode="auto">
           <a:xfrm>
-            <a:off x="11166464" y="0"/>
+            <a:off x="11105820" y="195110"/>
             <a:ext cx="879232" cy="1025768"/>
           </a:xfrm>
           <a:prstGeom prst="rect">
@@ -5020,8 +5646,8 @@
         </p:nvSpPr>
         <p:spPr>
           <a:xfrm>
-            <a:off x="1483743" y="405739"/>
-            <a:ext cx="8742871" cy="4893647"/>
+            <a:off x="1239904" y="107078"/>
+            <a:ext cx="8742871" cy="3877985"/>
           </a:xfrm>
           <a:prstGeom prst="rect">
             <a:avLst/>
@@ -5036,92 +5662,105 @@
           <a:p>
             <a:pPr algn="ctr"/>
             <a:r>
-              <a:rPr lang="en-US" sz="2400" b="1" dirty="0"/>
-              <a:t>Cryptocurrency Market Overview</a:t>
-            </a:r>
-          </a:p>
-          <a:p>
-            <a:pPr algn="ctr"/>
-            <a:endParaRPr lang="en-US" sz="2400" b="1" dirty="0"/>
-          </a:p>
-          <a:p>
-            <a:pPr algn="ctr"/>
-            <a:endParaRPr lang="en-US" sz="2400" b="1" dirty="0"/>
-          </a:p>
-          <a:p>
-            <a:pPr algn="ctr"/>
-            <a:endParaRPr lang="en-US" sz="2400" b="1" dirty="0"/>
-          </a:p>
-          <a:p>
-            <a:pPr algn="ctr"/>
-            <a:endParaRPr lang="en-US" sz="2400" b="1" dirty="0"/>
-          </a:p>
-          <a:p>
-            <a:pPr algn="ctr"/>
-            <a:endParaRPr lang="en-US" sz="2400" b="1" dirty="0"/>
-          </a:p>
-          <a:p>
-            <a:pPr algn="ctr"/>
-            <a:endParaRPr lang="en-US" sz="2400" b="1" dirty="0"/>
-          </a:p>
-          <a:p>
+              <a:rPr lang="en-US" sz="2400" dirty="0"/>
+              <a:t>   </a:t>
+            </a:r>
+            <a:r>
+              <a:rPr lang="en-US" sz="2400" dirty="0">
+                <a:solidFill>
+                  <a:srgbClr val="161723"/>
+                </a:solidFill>
+                <a:highlight>
+                  <a:srgbClr val="FFFFFF"/>
+                </a:highlight>
+                <a:latin typeface="DM Serif Display" panose="020F0502020204030204" pitchFamily="2" charset="0"/>
+                <a:ea typeface="+mj-ea"/>
+                <a:cs typeface="+mj-cs"/>
+              </a:rPr>
+              <a:t>The Dynamic World of Cryptocurrencies</a:t>
+            </a:r>
+          </a:p>
+          <a:p>
+            <a:endParaRPr lang="en-US" sz="2400" dirty="0">
+              <a:solidFill>
+                <a:srgbClr val="161723"/>
+              </a:solidFill>
+              <a:highlight>
+                <a:srgbClr val="FFFFFF"/>
+              </a:highlight>
+              <a:latin typeface="DM Serif Display" panose="020F0502020204030204" pitchFamily="2" charset="0"/>
+              <a:ea typeface="+mj-ea"/>
+              <a:cs typeface="+mj-cs"/>
+            </a:endParaRPr>
+          </a:p>
+          <a:p>
+            <a:r>
+              <a:rPr lang="en-US" b="1" dirty="0"/>
+              <a:t>Introduction to Cryptocurrencies</a:t>
+            </a:r>
             <a:r>
               <a:rPr lang="en-US" dirty="0"/>
-              <a:t> The Dynamic World of Cryptocurrencies</a:t>
+              <a:t>: Cryptocurrencies are digital or virtual currencies that use cryptography for security. Bitcoin, Ethereum, and other cryptocurrencies have gained significant attention and value in the financial markets.</a:t>
             </a:r>
           </a:p>
           <a:p>
             <a:endParaRPr lang="en-US" dirty="0"/>
           </a:p>
           <a:p>
+            <a:r>
+              <a:rPr lang="en-US" b="1" dirty="0"/>
+              <a:t>Market Significance</a:t>
+            </a:r>
+            <a:r>
+              <a:rPr lang="en-US" dirty="0"/>
+              <a:t>: The cryptocurrency market has grown exponentially, attracting investors, traders, and financial analysts worldwide. The market is known for its high volatility, which presents both opportunities and risks.</a:t>
+            </a:r>
+          </a:p>
+          <a:p>
             <a:endParaRPr lang="en-US" dirty="0"/>
           </a:p>
           <a:p>
-            <a:pPr>
-              <a:buFont typeface="Arial" panose="020B0604020202020204" pitchFamily="34" charset="0"/>
-              <a:buChar char="•"/>
-            </a:pPr>
             <a:r>
               <a:rPr lang="en-US" b="1" dirty="0"/>
-              <a:t>Content</a:t>
+              <a:t>Key Characteristics</a:t>
             </a:r>
             <a:r>
               <a:rPr lang="en-US" dirty="0"/>
-              <a:t>:</a:t>
-            </a:r>
-          </a:p>
-          <a:p>
-            <a:pPr marL="742950" lvl="1" indent="-285750">
-              <a:buFont typeface="Arial" panose="020B0604020202020204" pitchFamily="34" charset="0"/>
-              <a:buChar char="•"/>
-            </a:pPr>
-            <a:r>
-              <a:rPr lang="en-US" dirty="0"/>
-              <a:t>Introduction to cryptocurrencies and their market significance.</a:t>
-            </a:r>
-          </a:p>
-          <a:p>
-            <a:pPr marL="742950" lvl="1" indent="-285750">
-              <a:buFont typeface="Arial" panose="020B0604020202020204" pitchFamily="34" charset="0"/>
-              <a:buChar char="•"/>
-            </a:pPr>
-            <a:r>
-              <a:rPr lang="en-US" dirty="0"/>
-              <a:t>Key characteristics: high volatility, decentralized nature, and global trading.</a:t>
-            </a:r>
-          </a:p>
-          <a:p>
-            <a:pPr marL="742950" lvl="1" indent="-285750">
-              <a:buFont typeface="Arial" panose="020B0604020202020204" pitchFamily="34" charset="0"/>
-              <a:buChar char="•"/>
-            </a:pPr>
-            <a:r>
-              <a:rPr lang="en-US" dirty="0"/>
-              <a:t>Importance of accurate price prediction for traders, investors, and financial analysts.</a:t>
-            </a:r>
-          </a:p>
-        </p:txBody>
-      </p:sp>
+              <a:t>: Cryptocurrencies are decentralized, operate on blockchain technology, and offer global trading opportunities. Their prices are influenced by various factors, including market demand, regulatory news, and social media trends.</a:t>
+            </a:r>
+          </a:p>
+        </p:txBody>
+      </p:sp>
+      <p:pic>
+        <p:nvPicPr>
+          <p:cNvPr id="5" name="Picture 4">
+            <a:extLst>
+              <a:ext uri="{FF2B5EF4-FFF2-40B4-BE49-F238E27FC236}">
+                <a16:creationId xmlns:a16="http://schemas.microsoft.com/office/drawing/2014/main" id="{654AAFFB-02D1-98CC-8A1C-384886DC155B}"/>
+              </a:ext>
+            </a:extLst>
+          </p:cNvPr>
+          <p:cNvPicPr>
+            <a:picLocks noChangeAspect="1"/>
+          </p:cNvPicPr>
+          <p:nvPr/>
+        </p:nvPicPr>
+        <p:blipFill>
+          <a:blip r:embed="rId4"/>
+          <a:stretch>
+            <a:fillRect/>
+          </a:stretch>
+        </p:blipFill>
+        <p:spPr>
+          <a:xfrm>
+            <a:off x="15240" y="4145280"/>
+            <a:ext cx="12161520" cy="2705306"/>
+          </a:xfrm>
+          <a:prstGeom prst="rect">
+            <a:avLst/>
+          </a:prstGeom>
+        </p:spPr>
+      </p:pic>
     </p:spTree>
   </p:cSld>
   <p:clrMapOvr>
@@ -5147,6 +5786,36 @@
           <a:chExt cx="0" cy="0"/>
         </a:xfrm>
       </p:grpSpPr>
+      <p:pic>
+        <p:nvPicPr>
+          <p:cNvPr id="11" name="Picture 10">
+            <a:extLst>
+              <a:ext uri="{FF2B5EF4-FFF2-40B4-BE49-F238E27FC236}">
+                <a16:creationId xmlns:a16="http://schemas.microsoft.com/office/drawing/2014/main" id="{FC544574-EF57-08DC-582F-E0D6B0A8CD30}"/>
+              </a:ext>
+            </a:extLst>
+          </p:cNvPr>
+          <p:cNvPicPr>
+            <a:picLocks noChangeAspect="1"/>
+          </p:cNvPicPr>
+          <p:nvPr/>
+        </p:nvPicPr>
+        <p:blipFill>
+          <a:blip r:embed="rId2"/>
+          <a:stretch>
+            <a:fillRect/>
+          </a:stretch>
+        </p:blipFill>
+        <p:spPr>
+          <a:xfrm>
+            <a:off x="0" y="0"/>
+            <a:ext cx="3825218" cy="6858000"/>
+          </a:xfrm>
+          <a:prstGeom prst="rect">
+            <a:avLst/>
+          </a:prstGeom>
+        </p:spPr>
+      </p:pic>
       <p:sp>
         <p:nvSpPr>
           <p:cNvPr id="52" name="Title 6"/>
@@ -5194,45 +5863,6 @@
           </a:p>
         </p:txBody>
       </p:sp>
-      <p:sp>
-        <p:nvSpPr>
-          <p:cNvPr id="4" name="TextBox 3"/>
-          <p:cNvSpPr txBox="1"/>
-          <p:nvPr/>
-        </p:nvSpPr>
-        <p:spPr>
-          <a:xfrm>
-            <a:off x="481256" y="1475712"/>
-            <a:ext cx="10913431" cy="461665"/>
-          </a:xfrm>
-          <a:prstGeom prst="rect">
-            <a:avLst/>
-          </a:prstGeom>
-          <a:noFill/>
-        </p:spPr>
-        <p:txBody>
-          <a:bodyPr wrap="square" rtlCol="0">
-            <a:spAutoFit/>
-          </a:bodyPr>
-          <a:lstStyle/>
-          <a:p>
-            <a:pPr algn="just"/>
-            <a:r>
-              <a:rPr lang="en-US" sz="2400" b="1" dirty="0">
-                <a:solidFill>
-                  <a:schemeClr val="tx1">
-                    <a:lumMod val="95000"/>
-                    <a:lumOff val="5000"/>
-                  </a:schemeClr>
-                </a:solidFill>
-                <a:latin typeface="Poppins" pitchFamily="2" charset="77"/>
-                <a:cs typeface="Poppins" pitchFamily="2" charset="77"/>
-              </a:rPr>
-              <a:t>Problem Statement and Objective of research</a:t>
-            </a:r>
-          </a:p>
-        </p:txBody>
-      </p:sp>
       <p:pic>
         <p:nvPicPr>
           <p:cNvPr id="13" name="image1.png"/>
@@ -5240,14 +5870,14 @@
           <p:nvPr/>
         </p:nvPicPr>
         <p:blipFill>
-          <a:blip r:embed="rId2" cstate="print"/>
+          <a:blip r:embed="rId3" cstate="print"/>
           <a:stretch>
             <a:fillRect/>
           </a:stretch>
         </p:blipFill>
         <p:spPr>
           <a:xfrm>
-            <a:off x="0" y="170688"/>
+            <a:off x="256032" y="284127"/>
             <a:ext cx="841248" cy="976923"/>
           </a:xfrm>
           <a:prstGeom prst="rect">
@@ -5263,7 +5893,7 @@
           <p:nvPr/>
         </p:nvPicPr>
         <p:blipFill>
-          <a:blip r:embed="rId3"/>
+          <a:blip r:embed="rId4"/>
           <a:srcRect/>
           <a:stretch>
             <a:fillRect/>
@@ -5271,7 +5901,7 @@
         </p:blipFill>
         <p:spPr bwMode="auto">
           <a:xfrm>
-            <a:off x="11117696" y="0"/>
+            <a:off x="11056736" y="364079"/>
             <a:ext cx="879232" cy="1025768"/>
           </a:xfrm>
           <a:prstGeom prst="rect">
@@ -5286,7 +5916,111 @@
           </a:ln>
         </p:spPr>
       </p:pic>
+      <p:sp>
+        <p:nvSpPr>
+          <p:cNvPr id="5" name="TextBox 4">
+            <a:extLst>
+              <a:ext uri="{FF2B5EF4-FFF2-40B4-BE49-F238E27FC236}">
+                <a16:creationId xmlns:a16="http://schemas.microsoft.com/office/drawing/2014/main" id="{BCFB082C-B6B0-EF12-85B5-C2F2AFAF93B8}"/>
+              </a:ext>
+            </a:extLst>
+          </p:cNvPr>
+          <p:cNvSpPr txBox="1"/>
+          <p:nvPr/>
+        </p:nvSpPr>
+        <p:spPr>
+          <a:xfrm>
+            <a:off x="4021522" y="678758"/>
+            <a:ext cx="6776766" cy="5786199"/>
+          </a:xfrm>
+          <a:prstGeom prst="rect">
+            <a:avLst/>
+          </a:prstGeom>
+          <a:noFill/>
+        </p:spPr>
+        <p:txBody>
+          <a:bodyPr wrap="square">
+            <a:spAutoFit/>
+          </a:bodyPr>
+          <a:lstStyle/>
+          <a:p>
+            <a:pPr algn="ctr"/>
+            <a:r>
+              <a:rPr lang="en-US" sz="2400" dirty="0">
+                <a:solidFill>
+                  <a:srgbClr val="161723"/>
+                </a:solidFill>
+                <a:highlight>
+                  <a:srgbClr val="FFFFFF"/>
+                </a:highlight>
+                <a:latin typeface="DM Serif Display" pitchFamily="2" charset="0"/>
+              </a:rPr>
+              <a:t>Existing Methods and Research Gap</a:t>
+            </a:r>
+          </a:p>
+          <a:p>
+            <a:endParaRPr lang="en-US" sz="3200" dirty="0">
+              <a:solidFill>
+                <a:srgbClr val="161723"/>
+              </a:solidFill>
+              <a:highlight>
+                <a:srgbClr val="FFFFFF"/>
+              </a:highlight>
+              <a:latin typeface="DM Serif Display" pitchFamily="2" charset="0"/>
+            </a:endParaRPr>
+          </a:p>
+          <a:p>
+            <a:endParaRPr lang="en-US" b="1" dirty="0"/>
+          </a:p>
+          <a:p>
+            <a:pPr algn="just"/>
+            <a:r>
+              <a:rPr lang="en-US" b="1" dirty="0"/>
+              <a:t>Traditional Financial Models</a:t>
+            </a:r>
+            <a:r>
+              <a:rPr lang="en-US" dirty="0"/>
+              <a:t>: Traditional models, such as ARIMA, often struggle to accurately predict cryptocurrency prices due to their inability to capture non-linear patterns and high volatility.</a:t>
+            </a:r>
+          </a:p>
+          <a:p>
+            <a:pPr algn="just"/>
+            <a:endParaRPr lang="en-US" dirty="0"/>
+          </a:p>
+          <a:p>
+            <a:pPr algn="just"/>
+            <a:r>
+              <a:rPr lang="en-US" b="1" dirty="0"/>
+              <a:t>Machine Learning Models</a:t>
+            </a:r>
+            <a:r>
+              <a:rPr lang="en-US" dirty="0"/>
+              <a:t>: Recent advancements in machine learning (ML) have shown promise in predicting financial markets. However, many ML models still fail to incorporate market sentiment, which is a significant driver of cryptocurrency prices.</a:t>
+            </a:r>
+          </a:p>
+          <a:p>
+            <a:pPr algn="just"/>
+            <a:endParaRPr lang="en-US" dirty="0"/>
+          </a:p>
+          <a:p>
+            <a:pPr algn="just"/>
+            <a:r>
+              <a:rPr lang="en-US" b="1" dirty="0"/>
+              <a:t>Research Gap</a:t>
+            </a:r>
+            <a:r>
+              <a:rPr lang="en-US" dirty="0"/>
+              <a:t>: There is a need for an integrated approach that combines advanced ML models with sentiment analysis to improve prediction accuracy. This project aims to address this gap by developing and evaluating a comprehensive and accurate prediction model.</a:t>
+            </a:r>
+          </a:p>
+        </p:txBody>
+      </p:sp>
     </p:spTree>
+    <p:extLst>
+      <p:ext uri="{BB962C8B-B14F-4D97-AF65-F5344CB8AC3E}">
+        <p14:creationId xmlns:p14="http://schemas.microsoft.com/office/powerpoint/2010/main" val="1637821272"/>
+      </p:ext>
+    </p:extLst>
   </p:cSld>
   <p:clrMapOvr>
     <a:masterClrMapping/>
@@ -5358,45 +6092,6 @@
           </a:p>
         </p:txBody>
       </p:sp>
-      <p:sp>
-        <p:nvSpPr>
-          <p:cNvPr id="4" name="TextBox 3"/>
-          <p:cNvSpPr txBox="1"/>
-          <p:nvPr/>
-        </p:nvSpPr>
-        <p:spPr>
-          <a:xfrm>
-            <a:off x="444680" y="1536055"/>
-            <a:ext cx="10913431" cy="460375"/>
-          </a:xfrm>
-          <a:prstGeom prst="rect">
-            <a:avLst/>
-          </a:prstGeom>
-          <a:noFill/>
-        </p:spPr>
-        <p:txBody>
-          <a:bodyPr wrap="square" rtlCol="0">
-            <a:spAutoFit/>
-          </a:bodyPr>
-          <a:lstStyle/>
-          <a:p>
-            <a:pPr algn="just"/>
-            <a:r>
-              <a:rPr lang="en-US" sz="2400" b="1" dirty="0">
-                <a:solidFill>
-                  <a:schemeClr val="tx1">
-                    <a:lumMod val="95000"/>
-                    <a:lumOff val="5000"/>
-                  </a:schemeClr>
-                </a:solidFill>
-                <a:latin typeface="Poppins" pitchFamily="2" charset="77"/>
-                <a:cs typeface="Poppins" pitchFamily="2" charset="77"/>
-              </a:rPr>
-              <a:t>Experimental methodology/ Algorithm used (Max 2 slides)</a:t>
-            </a:r>
-          </a:p>
-        </p:txBody>
-      </p:sp>
       <p:pic>
         <p:nvPicPr>
           <p:cNvPr id="13" name="image1.png"/>
@@ -5411,7 +6106,7 @@
         </p:blipFill>
         <p:spPr>
           <a:xfrm>
-            <a:off x="0" y="219456"/>
+            <a:off x="323480" y="233628"/>
             <a:ext cx="841248" cy="976923"/>
           </a:xfrm>
           <a:prstGeom prst="rect">
@@ -5435,7 +6130,7 @@
         </p:blipFill>
         <p:spPr bwMode="auto">
           <a:xfrm>
-            <a:off x="11312768" y="0"/>
+            <a:off x="11037042" y="233628"/>
             <a:ext cx="879232" cy="1025768"/>
           </a:xfrm>
           <a:prstGeom prst="rect">
@@ -5450,7 +6145,179 @@
           </a:ln>
         </p:spPr>
       </p:pic>
+      <p:sp>
+        <p:nvSpPr>
+          <p:cNvPr id="5" name="TextBox 4">
+            <a:extLst>
+              <a:ext uri="{FF2B5EF4-FFF2-40B4-BE49-F238E27FC236}">
+                <a16:creationId xmlns:a16="http://schemas.microsoft.com/office/drawing/2014/main" id="{8C82051E-58F4-643C-32A4-6F0425856C37}"/>
+              </a:ext>
+            </a:extLst>
+          </p:cNvPr>
+          <p:cNvSpPr txBox="1"/>
+          <p:nvPr/>
+        </p:nvSpPr>
+        <p:spPr>
+          <a:xfrm>
+            <a:off x="2248589" y="997786"/>
+            <a:ext cx="8316686" cy="523220"/>
+          </a:xfrm>
+          <a:prstGeom prst="rect">
+            <a:avLst/>
+          </a:prstGeom>
+          <a:noFill/>
+        </p:spPr>
+        <p:txBody>
+          <a:bodyPr wrap="square">
+            <a:spAutoFit/>
+          </a:bodyPr>
+          <a:lstStyle/>
+          <a:p>
+            <a:r>
+              <a:rPr lang="en-US" sz="2800" dirty="0">
+                <a:solidFill>
+                  <a:srgbClr val="161723"/>
+                </a:solidFill>
+                <a:highlight>
+                  <a:srgbClr val="FFFFFF"/>
+                </a:highlight>
+                <a:latin typeface="DM Serif Display" pitchFamily="2" charset="0"/>
+              </a:rPr>
+              <a:t>Problem Statement and Research Objective</a:t>
+            </a:r>
+            <a:endParaRPr lang="en-IN" sz="2800" dirty="0">
+              <a:solidFill>
+                <a:srgbClr val="161723"/>
+              </a:solidFill>
+              <a:highlight>
+                <a:srgbClr val="FFFFFF"/>
+              </a:highlight>
+              <a:latin typeface="DM Serif Display" pitchFamily="2" charset="0"/>
+            </a:endParaRPr>
+          </a:p>
+        </p:txBody>
+      </p:sp>
+      <p:sp>
+        <p:nvSpPr>
+          <p:cNvPr id="6" name="TextBox 5">
+            <a:extLst>
+              <a:ext uri="{FF2B5EF4-FFF2-40B4-BE49-F238E27FC236}">
+                <a16:creationId xmlns:a16="http://schemas.microsoft.com/office/drawing/2014/main" id="{1FD80CF6-72BB-B1D3-B688-C40DBA69103B}"/>
+              </a:ext>
+            </a:extLst>
+          </p:cNvPr>
+          <p:cNvSpPr txBox="1"/>
+          <p:nvPr/>
+        </p:nvSpPr>
+        <p:spPr>
+          <a:xfrm>
+            <a:off x="1105589" y="1778138"/>
+            <a:ext cx="10182541" cy="400110"/>
+          </a:xfrm>
+          <a:prstGeom prst="rect">
+            <a:avLst/>
+          </a:prstGeom>
+          <a:noFill/>
+        </p:spPr>
+        <p:txBody>
+          <a:bodyPr wrap="square">
+            <a:spAutoFit/>
+          </a:bodyPr>
+          <a:lstStyle/>
+          <a:p>
+            <a:r>
+              <a:rPr lang="en-US" sz="2000" b="0" i="0" dirty="0">
+                <a:solidFill>
+                  <a:srgbClr val="6E6E74"/>
+                </a:solidFill>
+                <a:effectLst/>
+                <a:highlight>
+                  <a:srgbClr val="FFFFFF"/>
+                </a:highlight>
+                <a:latin typeface="Inter"/>
+              </a:rPr>
+              <a:t>Empowering Cryptocurrency Price Prediction through Advanced Models And Sentiment Analysis</a:t>
+            </a:r>
+          </a:p>
+        </p:txBody>
+      </p:sp>
+      <p:sp>
+        <p:nvSpPr>
+          <p:cNvPr id="10" name="TextBox 9">
+            <a:extLst>
+              <a:ext uri="{FF2B5EF4-FFF2-40B4-BE49-F238E27FC236}">
+                <a16:creationId xmlns:a16="http://schemas.microsoft.com/office/drawing/2014/main" id="{53B75195-FE3B-CF53-BE16-6612CA1BC545}"/>
+              </a:ext>
+            </a:extLst>
+          </p:cNvPr>
+          <p:cNvSpPr txBox="1"/>
+          <p:nvPr/>
+        </p:nvSpPr>
+        <p:spPr>
+          <a:xfrm>
+            <a:off x="814835" y="2592113"/>
+            <a:ext cx="10602685" cy="3416320"/>
+          </a:xfrm>
+          <a:prstGeom prst="rect">
+            <a:avLst/>
+          </a:prstGeom>
+          <a:noFill/>
+        </p:spPr>
+        <p:txBody>
+          <a:bodyPr wrap="square">
+            <a:spAutoFit/>
+          </a:bodyPr>
+          <a:lstStyle/>
+          <a:p>
+            <a:pPr algn="just"/>
+            <a:r>
+              <a:rPr lang="en-US" b="1" dirty="0"/>
+              <a:t>Problem Statement</a:t>
+            </a:r>
+            <a:r>
+              <a:rPr lang="en-US" dirty="0"/>
+              <a:t>: The volatile nature of cryptocurrency prices makes accurate prediction challenging. Traditional financial models and even some advanced ML models fail to capture the complexity and sentiment-driven nature of the market.</a:t>
+            </a:r>
+          </a:p>
+          <a:p>
+            <a:pPr algn="just"/>
+            <a:endParaRPr lang="en-US" dirty="0"/>
+          </a:p>
+          <a:p>
+            <a:pPr algn="just"/>
+            <a:r>
+              <a:rPr lang="en-US" b="1" dirty="0"/>
+              <a:t>Research Objectives</a:t>
+            </a:r>
+            <a:r>
+              <a:rPr lang="en-US" dirty="0"/>
+              <a:t>: Develop Integrated Models: To create an integrated prediction model that explores various ML algorithms (ANN, LSTM, GRU, GBM, Random Forest) and twitter sentiment analysis.</a:t>
+            </a:r>
+          </a:p>
+          <a:p>
+            <a:pPr algn="just"/>
+            <a:endParaRPr lang="en-US" dirty="0"/>
+          </a:p>
+          <a:p>
+            <a:pPr algn="just"/>
+            <a:r>
+              <a:rPr lang="en-US" b="1" dirty="0"/>
+              <a:t>Evaluate and Compare</a:t>
+            </a:r>
+            <a:r>
+              <a:rPr lang="en-US" dirty="0"/>
+              <a:t>: To evaluate the performance of individual models and compare them to the ensemble method. Improve Prediction Accuracy: To use an ensemble method to combine the results of different models and achieve better prediction accuracy. Explore the use of sentiment analysis to increase accuracy.</a:t>
+            </a:r>
+            <a:endParaRPr lang="en-IN" dirty="0"/>
+          </a:p>
+        </p:txBody>
+      </p:sp>
     </p:spTree>
+    <p:extLst>
+      <p:ext uri="{BB962C8B-B14F-4D97-AF65-F5344CB8AC3E}">
+        <p14:creationId xmlns:p14="http://schemas.microsoft.com/office/powerpoint/2010/main" val="3295859939"/>
+      </p:ext>
+    </p:extLst>
   </p:cSld>
   <p:clrMapOvr>
     <a:masterClrMapping/>
@@ -5522,45 +6389,6 @@
           </a:p>
         </p:txBody>
       </p:sp>
-      <p:sp>
-        <p:nvSpPr>
-          <p:cNvPr id="4" name="TextBox 3"/>
-          <p:cNvSpPr txBox="1"/>
-          <p:nvPr/>
-        </p:nvSpPr>
-        <p:spPr>
-          <a:xfrm>
-            <a:off x="505640" y="1340983"/>
-            <a:ext cx="10913431" cy="460375"/>
-          </a:xfrm>
-          <a:prstGeom prst="rect">
-            <a:avLst/>
-          </a:prstGeom>
-          <a:noFill/>
-        </p:spPr>
-        <p:txBody>
-          <a:bodyPr wrap="square" rtlCol="0">
-            <a:spAutoFit/>
-          </a:bodyPr>
-          <a:lstStyle/>
-          <a:p>
-            <a:pPr algn="just"/>
-            <a:r>
-              <a:rPr lang="en-US" sz="2400" b="1" dirty="0">
-                <a:solidFill>
-                  <a:schemeClr val="tx1">
-                    <a:lumMod val="95000"/>
-                    <a:lumOff val="5000"/>
-                  </a:schemeClr>
-                </a:solidFill>
-                <a:latin typeface="Poppins" pitchFamily="2" charset="77"/>
-                <a:cs typeface="Poppins" pitchFamily="2" charset="77"/>
-              </a:rPr>
-              <a:t>Experimental methodology/ Algorithm used (Max 2 slides)</a:t>
-            </a:r>
-          </a:p>
-        </p:txBody>
-      </p:sp>
       <p:pic>
         <p:nvPicPr>
           <p:cNvPr id="13" name="image1.png"/>
@@ -5575,7 +6403,7 @@
         </p:blipFill>
         <p:spPr>
           <a:xfrm>
-            <a:off x="0" y="170688"/>
+            <a:off x="247649" y="266482"/>
             <a:ext cx="841248" cy="976923"/>
           </a:xfrm>
           <a:prstGeom prst="rect">
@@ -5599,7 +6427,7 @@
         </p:blipFill>
         <p:spPr bwMode="auto">
           <a:xfrm>
-            <a:off x="11312768" y="0"/>
+            <a:off x="10979455" y="266482"/>
             <a:ext cx="879232" cy="1025768"/>
           </a:xfrm>
           <a:prstGeom prst="rect">
@@ -5614,10 +6442,92 @@
           </a:ln>
         </p:spPr>
       </p:pic>
+      <p:sp>
+        <p:nvSpPr>
+          <p:cNvPr id="3" name="TextBox 2">
+            <a:extLst>
+              <a:ext uri="{FF2B5EF4-FFF2-40B4-BE49-F238E27FC236}">
+                <a16:creationId xmlns:a16="http://schemas.microsoft.com/office/drawing/2014/main" id="{8EC72976-9A42-6747-0557-40D7A0E9C2A0}"/>
+              </a:ext>
+            </a:extLst>
+          </p:cNvPr>
+          <p:cNvSpPr txBox="1"/>
+          <p:nvPr/>
+        </p:nvSpPr>
+        <p:spPr>
+          <a:xfrm>
+            <a:off x="2446838" y="659149"/>
+            <a:ext cx="7298321" cy="523220"/>
+          </a:xfrm>
+          <a:prstGeom prst="rect">
+            <a:avLst/>
+          </a:prstGeom>
+          <a:noFill/>
+        </p:spPr>
+        <p:txBody>
+          <a:bodyPr wrap="square">
+            <a:spAutoFit/>
+          </a:bodyPr>
+          <a:lstStyle/>
+          <a:p>
+            <a:r>
+              <a:rPr lang="en-US" sz="2800" dirty="0">
+                <a:solidFill>
+                  <a:srgbClr val="161723"/>
+                </a:solidFill>
+                <a:highlight>
+                  <a:srgbClr val="FFFFFF"/>
+                </a:highlight>
+                <a:latin typeface="DM Serif Display" pitchFamily="2" charset="0"/>
+              </a:rPr>
+              <a:t>Problem Statement and Research Objective</a:t>
+            </a:r>
+            <a:endParaRPr lang="en-IN" sz="2800" dirty="0">
+              <a:solidFill>
+                <a:srgbClr val="161723"/>
+              </a:solidFill>
+              <a:highlight>
+                <a:srgbClr val="FFFFFF"/>
+              </a:highlight>
+              <a:latin typeface="DM Serif Display" pitchFamily="2" charset="0"/>
+            </a:endParaRPr>
+          </a:p>
+        </p:txBody>
+      </p:sp>
+      <p:pic>
+        <p:nvPicPr>
+          <p:cNvPr id="10" name="Picture 9">
+            <a:extLst>
+              <a:ext uri="{FF2B5EF4-FFF2-40B4-BE49-F238E27FC236}">
+                <a16:creationId xmlns:a16="http://schemas.microsoft.com/office/drawing/2014/main" id="{A747D625-3D3C-6D0A-C1D2-671E960DFF99}"/>
+              </a:ext>
+            </a:extLst>
+          </p:cNvPr>
+          <p:cNvPicPr>
+            <a:picLocks noChangeAspect="1"/>
+          </p:cNvPicPr>
+          <p:nvPr/>
+        </p:nvPicPr>
+        <p:blipFill>
+          <a:blip r:embed="rId4"/>
+          <a:stretch>
+            <a:fillRect/>
+          </a:stretch>
+        </p:blipFill>
+        <p:spPr>
+          <a:xfrm>
+            <a:off x="247649" y="1800673"/>
+            <a:ext cx="11696700" cy="4476750"/>
+          </a:xfrm>
+          <a:prstGeom prst="rect">
+            <a:avLst/>
+          </a:prstGeom>
+        </p:spPr>
+      </p:pic>
     </p:spTree>
     <p:extLst>
       <p:ext uri="{BB962C8B-B14F-4D97-AF65-F5344CB8AC3E}">
-        <p14:creationId xmlns:p14="http://schemas.microsoft.com/office/powerpoint/2010/main" val="2934607871"/>
+        <p14:creationId xmlns:p14="http://schemas.microsoft.com/office/powerpoint/2010/main" val="375677818"/>
       </p:ext>
     </p:extLst>
   </p:cSld>
@@ -5699,8 +6609,8 @@
         </p:nvSpPr>
         <p:spPr>
           <a:xfrm>
-            <a:off x="399853" y="1456784"/>
-            <a:ext cx="11350872" cy="4645025"/>
+            <a:off x="3413760" y="502548"/>
+            <a:ext cx="4711337" cy="523220"/>
           </a:xfrm>
           <a:prstGeom prst="rect">
             <a:avLst/>
@@ -5713,190 +6623,19 @@
           </a:bodyPr>
           <a:lstStyle/>
           <a:p>
-            <a:pPr algn="just">
-              <a:lnSpc>
-                <a:spcPct val="150000"/>
-              </a:lnSpc>
-            </a:pPr>
-            <a:r>
-              <a:rPr lang="en-US" sz="2400" b="1" dirty="0">
+            <a:pPr algn="just"/>
+            <a:r>
+              <a:rPr lang="en-US" sz="2800" dirty="0">
                 <a:solidFill>
-                  <a:schemeClr val="tx1">
-                    <a:lumMod val="95000"/>
-                    <a:lumOff val="5000"/>
-                  </a:schemeClr>
+                  <a:srgbClr val="161723"/>
                 </a:solidFill>
-                <a:latin typeface="Poppins" panose="00000500000000000000" pitchFamily="2" charset="0"/>
-                <a:cs typeface="Poppins" panose="00000500000000000000" pitchFamily="2" charset="0"/>
+                <a:highlight>
+                  <a:srgbClr val="FFFFFF"/>
+                </a:highlight>
+                <a:latin typeface="DM Serif Display" pitchFamily="2" charset="0"/>
               </a:rPr>
-              <a:t>Working prototype of the problem</a:t>
-            </a:r>
-          </a:p>
-          <a:p>
-            <a:pPr algn="just">
-              <a:lnSpc>
-                <a:spcPct val="150000"/>
-              </a:lnSpc>
-            </a:pPr>
-            <a:endParaRPr lang="en-US" sz="2000" b="1" dirty="0">
-              <a:solidFill>
-                <a:schemeClr val="tx1">
-                  <a:lumMod val="95000"/>
-                  <a:lumOff val="5000"/>
-                </a:schemeClr>
-              </a:solidFill>
-              <a:latin typeface="Poppins" panose="00000500000000000000" pitchFamily="2" charset="0"/>
-              <a:cs typeface="Poppins" panose="00000500000000000000" pitchFamily="2" charset="0"/>
-            </a:endParaRPr>
-          </a:p>
-          <a:p>
-            <a:pPr marL="342900" indent="-342900" algn="just">
-              <a:lnSpc>
-                <a:spcPct val="150000"/>
-              </a:lnSpc>
-              <a:buFont typeface="Wingdings" panose="05000000000000000000" pitchFamily="2" charset="2"/>
-              <a:buChar char="v"/>
-            </a:pPr>
-            <a:endParaRPr lang="en-US" sz="2000" b="1" dirty="0">
-              <a:solidFill>
-                <a:schemeClr val="tx1">
-                  <a:lumMod val="95000"/>
-                  <a:lumOff val="5000"/>
-                </a:schemeClr>
-              </a:solidFill>
-              <a:latin typeface="Poppins" panose="00000500000000000000" pitchFamily="2" charset="0"/>
-              <a:cs typeface="Poppins" panose="00000500000000000000" pitchFamily="2" charset="0"/>
-            </a:endParaRPr>
-          </a:p>
-          <a:p>
-            <a:pPr algn="just">
-              <a:lnSpc>
-                <a:spcPct val="150000"/>
-              </a:lnSpc>
-            </a:pPr>
-            <a:endParaRPr lang="en-US" sz="2000" b="1" dirty="0">
-              <a:solidFill>
-                <a:schemeClr val="tx1">
-                  <a:lumMod val="95000"/>
-                  <a:lumOff val="5000"/>
-                </a:schemeClr>
-              </a:solidFill>
-              <a:latin typeface="Poppins" panose="00000500000000000000" pitchFamily="2" charset="0"/>
-              <a:cs typeface="Poppins" panose="00000500000000000000" pitchFamily="2" charset="0"/>
-            </a:endParaRPr>
-          </a:p>
-          <a:p>
-            <a:pPr algn="just">
-              <a:lnSpc>
-                <a:spcPct val="150000"/>
-              </a:lnSpc>
-            </a:pPr>
-            <a:endParaRPr lang="en-US" sz="2000" b="1" dirty="0">
-              <a:solidFill>
-                <a:schemeClr val="tx1">
-                  <a:lumMod val="95000"/>
-                  <a:lumOff val="5000"/>
-                </a:schemeClr>
-              </a:solidFill>
-              <a:latin typeface="Poppins" panose="00000500000000000000" pitchFamily="2" charset="0"/>
-              <a:cs typeface="Poppins" panose="00000500000000000000" pitchFamily="2" charset="0"/>
-            </a:endParaRPr>
-          </a:p>
-          <a:p>
-            <a:pPr marL="342900" indent="-342900" algn="just">
-              <a:lnSpc>
-                <a:spcPct val="150000"/>
-              </a:lnSpc>
-              <a:buFont typeface="Wingdings" panose="05000000000000000000" pitchFamily="2" charset="2"/>
-              <a:buChar char="v"/>
-            </a:pPr>
-            <a:endParaRPr lang="en-US" sz="2000" b="1" kern="100" dirty="0">
-              <a:solidFill>
-                <a:schemeClr val="tx1">
-                  <a:lumMod val="95000"/>
-                  <a:lumOff val="5000"/>
-                </a:schemeClr>
-              </a:solidFill>
-              <a:effectLst/>
-              <a:latin typeface="Poppins" panose="00000500000000000000" pitchFamily="2" charset="0"/>
-              <a:ea typeface="Calibri" panose="020F0502020204030204" pitchFamily="34" charset="0"/>
-              <a:cs typeface="Poppins" panose="00000500000000000000" pitchFamily="2" charset="0"/>
-            </a:endParaRPr>
-          </a:p>
-          <a:p>
-            <a:pPr algn="just">
-              <a:lnSpc>
-                <a:spcPct val="150000"/>
-              </a:lnSpc>
-            </a:pPr>
-            <a:endParaRPr lang="en-IN" sz="2000" kern="100" dirty="0">
-              <a:solidFill>
-                <a:schemeClr val="tx1">
-                  <a:lumMod val="95000"/>
-                  <a:lumOff val="5000"/>
-                </a:schemeClr>
-              </a:solidFill>
-              <a:effectLst/>
-              <a:latin typeface="Poppins" panose="00000500000000000000" pitchFamily="2" charset="0"/>
-              <a:ea typeface="Calibri" panose="020F0502020204030204" pitchFamily="34" charset="0"/>
-              <a:cs typeface="Poppins" panose="00000500000000000000" pitchFamily="2" charset="0"/>
-            </a:endParaRPr>
-          </a:p>
-          <a:p>
-            <a:pPr lvl="0" algn="just">
-              <a:lnSpc>
-                <a:spcPct val="107000"/>
-              </a:lnSpc>
-              <a:spcAft>
-                <a:spcPts val="800"/>
-              </a:spcAft>
-            </a:pPr>
-            <a:endParaRPr lang="en-IN" sz="1800" kern="100" dirty="0">
-              <a:solidFill>
-                <a:schemeClr val="tx1">
-                  <a:lumMod val="95000"/>
-                  <a:lumOff val="5000"/>
-                </a:schemeClr>
-              </a:solidFill>
-              <a:effectLst/>
-              <a:latin typeface="Calibri" panose="020F0502020204030204" pitchFamily="34" charset="0"/>
-              <a:ea typeface="Calibri" panose="020F0502020204030204" pitchFamily="34" charset="0"/>
-              <a:cs typeface="Times New Roman" panose="02020603050405020304" pitchFamily="18" charset="0"/>
-            </a:endParaRPr>
-          </a:p>
-          <a:p>
-            <a:pPr algn="just">
-              <a:lnSpc>
-                <a:spcPct val="150000"/>
-              </a:lnSpc>
-            </a:pPr>
-            <a:endParaRPr lang="en-US" b="1" dirty="0">
-              <a:solidFill>
-                <a:schemeClr val="tx1">
-                  <a:lumMod val="95000"/>
-                  <a:lumOff val="5000"/>
-                </a:schemeClr>
-              </a:solidFill>
-              <a:latin typeface="Poppins" pitchFamily="2" charset="77"/>
-              <a:cs typeface="Poppins" pitchFamily="2" charset="77"/>
-            </a:endParaRPr>
-          </a:p>
-          <a:p>
-            <a:pPr algn="just">
-              <a:lnSpc>
-                <a:spcPct val="150000"/>
-              </a:lnSpc>
-            </a:pPr>
-            <a:endParaRPr lang="en-US" b="1" dirty="0">
-              <a:solidFill>
-                <a:schemeClr val="tx1">
-                  <a:lumMod val="95000"/>
-                  <a:lumOff val="5000"/>
-                </a:schemeClr>
-              </a:solidFill>
-              <a:latin typeface="Poppins" pitchFamily="2" charset="77"/>
-              <a:cs typeface="Poppins" pitchFamily="2" charset="77"/>
-            </a:endParaRPr>
+              <a:t>Experimental methodology</a:t>
+            </a:r>
           </a:p>
         </p:txBody>
       </p:sp>
@@ -5953,10 +6692,190 @@
           </a:ln>
         </p:spPr>
       </p:pic>
+      <p:pic>
+        <p:nvPicPr>
+          <p:cNvPr id="2050" name="Picture 2">
+            <a:extLst>
+              <a:ext uri="{FF2B5EF4-FFF2-40B4-BE49-F238E27FC236}">
+                <a16:creationId xmlns:a16="http://schemas.microsoft.com/office/drawing/2014/main" id="{0BE1B29F-8E18-B1E6-6439-7B1E032F6C1C}"/>
+              </a:ext>
+            </a:extLst>
+          </p:cNvPr>
+          <p:cNvPicPr>
+            <a:picLocks noChangeAspect="1" noChangeArrowheads="1"/>
+          </p:cNvPicPr>
+          <p:nvPr/>
+        </p:nvPicPr>
+        <p:blipFill>
+          <a:blip r:embed="rId4">
+            <a:extLst>
+              <a:ext uri="{28A0092B-C50C-407E-A947-70E740481C1C}">
+                <a14:useLocalDpi xmlns:a14="http://schemas.microsoft.com/office/drawing/2010/main" val="0"/>
+              </a:ext>
+            </a:extLst>
+          </a:blip>
+          <a:srcRect/>
+          <a:stretch>
+            <a:fillRect/>
+          </a:stretch>
+        </p:blipFill>
+        <p:spPr bwMode="auto">
+          <a:xfrm>
+            <a:off x="6418218" y="1539063"/>
+            <a:ext cx="5059679" cy="4610132"/>
+          </a:xfrm>
+          <a:prstGeom prst="rect">
+            <a:avLst/>
+          </a:prstGeom>
+          <a:noFill/>
+          <a:ln>
+            <a:noFill/>
+          </a:ln>
+          <a:extLst>
+            <a:ext uri="{909E8E84-426E-40DD-AFC4-6F175D3DCCD1}">
+              <a14:hiddenFill xmlns:a14="http://schemas.microsoft.com/office/drawing/2010/main">
+                <a:solidFill>
+                  <a:srgbClr val="FFFFFF"/>
+                </a:solidFill>
+              </a14:hiddenFill>
+            </a:ext>
+            <a:ext uri="{91240B29-F687-4F45-9708-019B960494DF}">
+              <a14:hiddenLine xmlns:a14="http://schemas.microsoft.com/office/drawing/2010/main" w="9525">
+                <a:solidFill>
+                  <a:srgbClr val="000000"/>
+                </a:solidFill>
+                <a:miter lim="800000"/>
+                <a:headEnd/>
+                <a:tailEnd/>
+              </a14:hiddenLine>
+            </a:ext>
+          </a:extLst>
+        </p:spPr>
+      </p:pic>
+      <p:sp>
+        <p:nvSpPr>
+          <p:cNvPr id="9" name="TextBox 8">
+            <a:extLst>
+              <a:ext uri="{FF2B5EF4-FFF2-40B4-BE49-F238E27FC236}">
+                <a16:creationId xmlns:a16="http://schemas.microsoft.com/office/drawing/2014/main" id="{241BD5B6-F525-87D1-2616-DD48CB34E098}"/>
+              </a:ext>
+            </a:extLst>
+          </p:cNvPr>
+          <p:cNvSpPr txBox="1"/>
+          <p:nvPr/>
+        </p:nvSpPr>
+        <p:spPr>
+          <a:xfrm>
+            <a:off x="506403" y="2290611"/>
+            <a:ext cx="5814713" cy="3416320"/>
+          </a:xfrm>
+          <a:prstGeom prst="rect">
+            <a:avLst/>
+          </a:prstGeom>
+          <a:noFill/>
+        </p:spPr>
+        <p:txBody>
+          <a:bodyPr wrap="square">
+            <a:spAutoFit/>
+          </a:bodyPr>
+          <a:lstStyle/>
+          <a:p>
+            <a:r>
+              <a:rPr lang="en-US" b="1" spc="-5" dirty="0">
+                <a:latin typeface="Times New Roman" panose="02020603050405020304" pitchFamily="18" charset="0"/>
+                <a:ea typeface="SimSun" panose="02010600030101010101" pitchFamily="2" charset="-122"/>
+              </a:rPr>
+              <a:t>Data Collection: </a:t>
+            </a:r>
+            <a:r>
+              <a:rPr lang="x-none" spc="-5" dirty="0">
+                <a:latin typeface="Times New Roman" panose="02020603050405020304" pitchFamily="18" charset="0"/>
+                <a:ea typeface="SimSun" panose="02010600030101010101" pitchFamily="2" charset="-122"/>
+              </a:rPr>
+              <a:t>The historical price data for Bitcoin was collected from Yahoo Finance.</a:t>
+            </a:r>
+            <a:endParaRPr lang="en-US" spc="-5" dirty="0">
+              <a:latin typeface="Times New Roman" panose="02020603050405020304" pitchFamily="18" charset="0"/>
+              <a:ea typeface="SimSun" panose="02010600030101010101" pitchFamily="2" charset="-122"/>
+            </a:endParaRPr>
+          </a:p>
+          <a:p>
+            <a:r>
+              <a:rPr lang="en-US" spc="-5" dirty="0">
+                <a:latin typeface="Times New Roman" panose="02020603050405020304" pitchFamily="18" charset="0"/>
+                <a:ea typeface="SimSun" panose="02010600030101010101" pitchFamily="2" charset="-122"/>
+              </a:rPr>
+              <a:t>Bitcoin Tweets dataset and Twitter API</a:t>
+            </a:r>
+          </a:p>
+          <a:p>
+            <a:endParaRPr lang="en-US" spc="-5" dirty="0">
+              <a:latin typeface="Times New Roman" panose="02020603050405020304" pitchFamily="18" charset="0"/>
+              <a:ea typeface="SimSun" panose="02010600030101010101" pitchFamily="2" charset="-122"/>
+            </a:endParaRPr>
+          </a:p>
+          <a:p>
+            <a:r>
+              <a:rPr lang="en-US" b="1" spc="-5" dirty="0">
+                <a:latin typeface="Times New Roman" panose="02020603050405020304" pitchFamily="18" charset="0"/>
+                <a:ea typeface="SimSun" panose="02010600030101010101" pitchFamily="2" charset="-122"/>
+              </a:rPr>
+              <a:t>Data Preprocessing: </a:t>
+            </a:r>
+            <a:r>
+              <a:rPr lang="en-US" spc="-5" dirty="0">
+                <a:latin typeface="Times New Roman" panose="02020603050405020304" pitchFamily="18" charset="0"/>
+                <a:ea typeface="SimSun" panose="02010600030101010101" pitchFamily="2" charset="-122"/>
+              </a:rPr>
+              <a:t>Sentiment scores of tweets calculated using VADER and BERT sentiment analysis tools. Normalization of input data using MinMaxScaler.</a:t>
+            </a:r>
+          </a:p>
+          <a:p>
+            <a:endParaRPr lang="en-US" spc="-5" dirty="0">
+              <a:latin typeface="Times New Roman" panose="02020603050405020304" pitchFamily="18" charset="0"/>
+              <a:ea typeface="SimSun" panose="02010600030101010101" pitchFamily="2" charset="-122"/>
+            </a:endParaRPr>
+          </a:p>
+          <a:p>
+            <a:r>
+              <a:rPr lang="en-US" sz="1800" b="1" dirty="0">
+                <a:effectLst/>
+                <a:latin typeface="Times New Roman" panose="02020603050405020304" pitchFamily="18" charset="0"/>
+                <a:ea typeface="SimSun" panose="02010600030101010101" pitchFamily="2" charset="-122"/>
+              </a:rPr>
+              <a:t>Combining Price and Sentiment Data: </a:t>
+            </a:r>
+            <a:r>
+              <a:rPr lang="en-US" sz="1800" dirty="0">
+                <a:effectLst/>
+                <a:latin typeface="Times New Roman" panose="02020603050405020304" pitchFamily="18" charset="0"/>
+                <a:ea typeface="SimSun" panose="02010600030101010101" pitchFamily="2" charset="-122"/>
+              </a:rPr>
+              <a:t>The price and sentiment data were merged to create a unified dataset</a:t>
+            </a:r>
+            <a:endParaRPr lang="en-US" spc="-5" dirty="0">
+              <a:latin typeface="Times New Roman" panose="02020603050405020304" pitchFamily="18" charset="0"/>
+              <a:ea typeface="SimSun" panose="02010600030101010101" pitchFamily="2" charset="-122"/>
+            </a:endParaRPr>
+          </a:p>
+          <a:p>
+            <a:endParaRPr lang="en-US" spc="-5" dirty="0">
+              <a:latin typeface="Times New Roman" panose="02020603050405020304" pitchFamily="18" charset="0"/>
+              <a:ea typeface="SimSun" panose="02010600030101010101" pitchFamily="2" charset="-122"/>
+            </a:endParaRPr>
+          </a:p>
+          <a:p>
+            <a:endParaRPr lang="en-IN" spc="-5" dirty="0">
+              <a:latin typeface="Times New Roman" panose="02020603050405020304" pitchFamily="18" charset="0"/>
+              <a:ea typeface="SimSun" panose="02010600030101010101" pitchFamily="2" charset="-122"/>
+            </a:endParaRPr>
+          </a:p>
+        </p:txBody>
+      </p:sp>
     </p:spTree>
     <p:extLst>
       <p:ext uri="{BB962C8B-B14F-4D97-AF65-F5344CB8AC3E}">
-        <p14:creationId xmlns:p14="http://schemas.microsoft.com/office/powerpoint/2010/main" val="961387453"/>
+        <p14:creationId xmlns:p14="http://schemas.microsoft.com/office/powerpoint/2010/main" val="2934607871"/>
       </p:ext>
     </p:extLst>
   </p:cSld>
@@ -6030,215 +6949,6 @@
           </a:p>
         </p:txBody>
       </p:sp>
-      <p:sp>
-        <p:nvSpPr>
-          <p:cNvPr id="4" name="TextBox 3"/>
-          <p:cNvSpPr txBox="1"/>
-          <p:nvPr/>
-        </p:nvSpPr>
-        <p:spPr>
-          <a:xfrm>
-            <a:off x="375469" y="1310480"/>
-            <a:ext cx="11350872" cy="4645025"/>
-          </a:xfrm>
-          <a:prstGeom prst="rect">
-            <a:avLst/>
-          </a:prstGeom>
-          <a:noFill/>
-        </p:spPr>
-        <p:txBody>
-          <a:bodyPr wrap="square" rtlCol="0">
-            <a:spAutoFit/>
-          </a:bodyPr>
-          <a:lstStyle/>
-          <a:p>
-            <a:pPr algn="just">
-              <a:lnSpc>
-                <a:spcPct val="150000"/>
-              </a:lnSpc>
-            </a:pPr>
-            <a:r>
-              <a:rPr lang="en-US" sz="2400" b="1" dirty="0">
-                <a:solidFill>
-                  <a:schemeClr val="tx1">
-                    <a:lumMod val="95000"/>
-                    <a:lumOff val="5000"/>
-                  </a:schemeClr>
-                </a:solidFill>
-                <a:latin typeface="Poppins" panose="00000500000000000000" pitchFamily="2" charset="0"/>
-                <a:cs typeface="Poppins" panose="00000500000000000000" pitchFamily="2" charset="0"/>
-              </a:rPr>
-              <a:t>Experimental Results  (Max 2 slide)</a:t>
-            </a:r>
-          </a:p>
-          <a:p>
-            <a:pPr algn="just">
-              <a:lnSpc>
-                <a:spcPct val="150000"/>
-              </a:lnSpc>
-            </a:pPr>
-            <a:endParaRPr lang="en-US" sz="2000" b="1" dirty="0">
-              <a:solidFill>
-                <a:schemeClr val="tx1">
-                  <a:lumMod val="95000"/>
-                  <a:lumOff val="5000"/>
-                </a:schemeClr>
-              </a:solidFill>
-              <a:latin typeface="Poppins" panose="00000500000000000000" pitchFamily="2" charset="0"/>
-              <a:cs typeface="Poppins" panose="00000500000000000000" pitchFamily="2" charset="0"/>
-            </a:endParaRPr>
-          </a:p>
-          <a:p>
-            <a:pPr marL="342900" indent="-342900" algn="just">
-              <a:lnSpc>
-                <a:spcPct val="150000"/>
-              </a:lnSpc>
-              <a:buFont typeface="Wingdings" panose="05000000000000000000" pitchFamily="2" charset="2"/>
-              <a:buChar char="v"/>
-            </a:pPr>
-            <a:endParaRPr lang="en-US" sz="2000" b="1" dirty="0">
-              <a:solidFill>
-                <a:schemeClr val="tx1">
-                  <a:lumMod val="95000"/>
-                  <a:lumOff val="5000"/>
-                </a:schemeClr>
-              </a:solidFill>
-              <a:latin typeface="Poppins" panose="00000500000000000000" pitchFamily="2" charset="0"/>
-              <a:cs typeface="Poppins" panose="00000500000000000000" pitchFamily="2" charset="0"/>
-            </a:endParaRPr>
-          </a:p>
-          <a:p>
-            <a:pPr algn="just">
-              <a:lnSpc>
-                <a:spcPct val="150000"/>
-              </a:lnSpc>
-            </a:pPr>
-            <a:endParaRPr lang="en-US" sz="2000" b="1" dirty="0">
-              <a:solidFill>
-                <a:schemeClr val="tx1">
-                  <a:lumMod val="95000"/>
-                  <a:lumOff val="5000"/>
-                </a:schemeClr>
-              </a:solidFill>
-              <a:latin typeface="Poppins" panose="00000500000000000000" pitchFamily="2" charset="0"/>
-              <a:cs typeface="Poppins" panose="00000500000000000000" pitchFamily="2" charset="0"/>
-            </a:endParaRPr>
-          </a:p>
-          <a:p>
-            <a:pPr algn="just">
-              <a:lnSpc>
-                <a:spcPct val="150000"/>
-              </a:lnSpc>
-            </a:pPr>
-            <a:endParaRPr lang="en-US" sz="2000" b="1" dirty="0">
-              <a:solidFill>
-                <a:schemeClr val="tx1">
-                  <a:lumMod val="95000"/>
-                  <a:lumOff val="5000"/>
-                </a:schemeClr>
-              </a:solidFill>
-              <a:latin typeface="Poppins" panose="00000500000000000000" pitchFamily="2" charset="0"/>
-              <a:cs typeface="Poppins" panose="00000500000000000000" pitchFamily="2" charset="0"/>
-            </a:endParaRPr>
-          </a:p>
-          <a:p>
-            <a:pPr marL="342900" indent="-342900" algn="just">
-              <a:lnSpc>
-                <a:spcPct val="150000"/>
-              </a:lnSpc>
-              <a:buFont typeface="Wingdings" panose="05000000000000000000" pitchFamily="2" charset="2"/>
-              <a:buChar char="v"/>
-            </a:pPr>
-            <a:endParaRPr lang="en-US" sz="2000" b="1" kern="100" dirty="0">
-              <a:solidFill>
-                <a:schemeClr val="tx1">
-                  <a:lumMod val="95000"/>
-                  <a:lumOff val="5000"/>
-                </a:schemeClr>
-              </a:solidFill>
-              <a:effectLst/>
-              <a:latin typeface="Poppins" panose="00000500000000000000" pitchFamily="2" charset="0"/>
-              <a:ea typeface="Calibri" panose="020F0502020204030204" pitchFamily="34" charset="0"/>
-              <a:cs typeface="Poppins" panose="00000500000000000000" pitchFamily="2" charset="0"/>
-            </a:endParaRPr>
-          </a:p>
-          <a:p>
-            <a:pPr algn="just">
-              <a:lnSpc>
-                <a:spcPct val="150000"/>
-              </a:lnSpc>
-            </a:pPr>
-            <a:endParaRPr lang="en-IN" sz="2000" kern="100" dirty="0">
-              <a:solidFill>
-                <a:schemeClr val="tx1">
-                  <a:lumMod val="95000"/>
-                  <a:lumOff val="5000"/>
-                </a:schemeClr>
-              </a:solidFill>
-              <a:effectLst/>
-              <a:latin typeface="Poppins" panose="00000500000000000000" pitchFamily="2" charset="0"/>
-              <a:ea typeface="Calibri" panose="020F0502020204030204" pitchFamily="34" charset="0"/>
-              <a:cs typeface="Poppins" panose="00000500000000000000" pitchFamily="2" charset="0"/>
-            </a:endParaRPr>
-          </a:p>
-          <a:p>
-            <a:pPr lvl="0" algn="just">
-              <a:lnSpc>
-                <a:spcPct val="107000"/>
-              </a:lnSpc>
-              <a:spcAft>
-                <a:spcPts val="800"/>
-              </a:spcAft>
-            </a:pPr>
-            <a:endParaRPr lang="en-IN" sz="1800" kern="100" dirty="0">
-              <a:solidFill>
-                <a:schemeClr val="tx1">
-                  <a:lumMod val="95000"/>
-                  <a:lumOff val="5000"/>
-                </a:schemeClr>
-              </a:solidFill>
-              <a:effectLst/>
-              <a:latin typeface="Calibri" panose="020F0502020204030204" pitchFamily="34" charset="0"/>
-              <a:ea typeface="Calibri" panose="020F0502020204030204" pitchFamily="34" charset="0"/>
-              <a:cs typeface="Times New Roman" panose="02020603050405020304" pitchFamily="18" charset="0"/>
-            </a:endParaRPr>
-          </a:p>
-          <a:p>
-            <a:pPr algn="just">
-              <a:lnSpc>
-                <a:spcPct val="150000"/>
-              </a:lnSpc>
-            </a:pPr>
-            <a:endParaRPr lang="en-US" b="1" dirty="0">
-              <a:solidFill>
-                <a:schemeClr val="tx1">
-                  <a:lumMod val="95000"/>
-                  <a:lumOff val="5000"/>
-                </a:schemeClr>
-              </a:solidFill>
-              <a:latin typeface="Poppins" pitchFamily="2" charset="77"/>
-              <a:cs typeface="Poppins" pitchFamily="2" charset="77"/>
-            </a:endParaRPr>
-          </a:p>
-          <a:p>
-            <a:pPr algn="just">
-              <a:lnSpc>
-                <a:spcPct val="150000"/>
-              </a:lnSpc>
-            </a:pPr>
-            <a:endParaRPr lang="en-US" b="1" dirty="0">
-              <a:solidFill>
-                <a:schemeClr val="tx1">
-                  <a:lumMod val="95000"/>
-                  <a:lumOff val="5000"/>
-                </a:schemeClr>
-              </a:solidFill>
-              <a:latin typeface="Poppins" pitchFamily="2" charset="77"/>
-              <a:cs typeface="Poppins" pitchFamily="2" charset="77"/>
-            </a:endParaRPr>
-          </a:p>
-        </p:txBody>
-      </p:sp>
       <p:pic>
         <p:nvPicPr>
           <p:cNvPr id="13" name="image1.png"/>
@@ -6292,7 +7002,443 @@
           </a:ln>
         </p:spPr>
       </p:pic>
+      <p:sp>
+        <p:nvSpPr>
+          <p:cNvPr id="3" name="TextBox 2">
+            <a:extLst>
+              <a:ext uri="{FF2B5EF4-FFF2-40B4-BE49-F238E27FC236}">
+                <a16:creationId xmlns:a16="http://schemas.microsoft.com/office/drawing/2014/main" id="{4DEE00A8-45AD-3DE0-7F23-4F0714FB7544}"/>
+              </a:ext>
+            </a:extLst>
+          </p:cNvPr>
+          <p:cNvSpPr txBox="1"/>
+          <p:nvPr/>
+        </p:nvSpPr>
+        <p:spPr>
+          <a:xfrm>
+            <a:off x="932469" y="1501969"/>
+            <a:ext cx="4711337" cy="461665"/>
+          </a:xfrm>
+          <a:prstGeom prst="rect">
+            <a:avLst/>
+          </a:prstGeom>
+          <a:noFill/>
+        </p:spPr>
+        <p:txBody>
+          <a:bodyPr wrap="square" rtlCol="0">
+            <a:spAutoFit/>
+          </a:bodyPr>
+          <a:lstStyle/>
+          <a:p>
+            <a:pPr algn="ctr"/>
+            <a:r>
+              <a:rPr lang="en-US" sz="2400" dirty="0">
+                <a:solidFill>
+                  <a:srgbClr val="161723"/>
+                </a:solidFill>
+                <a:highlight>
+                  <a:srgbClr val="FFFFFF"/>
+                </a:highlight>
+                <a:latin typeface="DM Serif Display" pitchFamily="2" charset="0"/>
+              </a:rPr>
+              <a:t>Model Development</a:t>
+            </a:r>
+          </a:p>
+        </p:txBody>
+      </p:sp>
+      <p:sp>
+        <p:nvSpPr>
+          <p:cNvPr id="5" name="TextBox 4">
+            <a:extLst>
+              <a:ext uri="{FF2B5EF4-FFF2-40B4-BE49-F238E27FC236}">
+                <a16:creationId xmlns:a16="http://schemas.microsoft.com/office/drawing/2014/main" id="{B7B9D6C2-6F3A-52CF-D756-BE77EC333F33}"/>
+              </a:ext>
+            </a:extLst>
+          </p:cNvPr>
+          <p:cNvSpPr txBox="1"/>
+          <p:nvPr/>
+        </p:nvSpPr>
+        <p:spPr>
+          <a:xfrm>
+            <a:off x="306105" y="2117311"/>
+            <a:ext cx="5964066" cy="4370427"/>
+          </a:xfrm>
+          <a:prstGeom prst="rect">
+            <a:avLst/>
+          </a:prstGeom>
+          <a:noFill/>
+        </p:spPr>
+        <p:txBody>
+          <a:bodyPr wrap="square">
+            <a:spAutoFit/>
+          </a:bodyPr>
+          <a:lstStyle/>
+          <a:p>
+            <a:r>
+              <a:rPr lang="en-US" sz="1600" b="1" spc="-5" dirty="0">
+                <a:latin typeface="Times New Roman" panose="02020603050405020304" pitchFamily="18" charset="0"/>
+                <a:ea typeface="SimSun" panose="02010600030101010101" pitchFamily="2" charset="-122"/>
+              </a:rPr>
+              <a:t>Artificial Neural Network (ANN): </a:t>
+            </a:r>
+            <a:r>
+              <a:rPr lang="en-US" sz="1600" spc="-5" dirty="0">
+                <a:latin typeface="Times New Roman" panose="02020603050405020304" pitchFamily="18" charset="0"/>
+                <a:ea typeface="SimSun" panose="02010600030101010101" pitchFamily="2" charset="-122"/>
+              </a:rPr>
+              <a:t>Captures non-linear relationships. Uses multiple dense layers with ReLU activation.</a:t>
+            </a:r>
+          </a:p>
+          <a:p>
+            <a:endParaRPr lang="en-US" sz="1600" spc="-5" dirty="0">
+              <a:latin typeface="Times New Roman" panose="02020603050405020304" pitchFamily="18" charset="0"/>
+              <a:ea typeface="SimSun" panose="02010600030101010101" pitchFamily="2" charset="-122"/>
+            </a:endParaRPr>
+          </a:p>
+          <a:p>
+            <a:r>
+              <a:rPr lang="en-US" sz="1600" b="1" spc="-5" dirty="0">
+                <a:latin typeface="Times New Roman" panose="02020603050405020304" pitchFamily="18" charset="0"/>
+                <a:ea typeface="SimSun" panose="02010600030101010101" pitchFamily="2" charset="-122"/>
+              </a:rPr>
+              <a:t>Long Short-Term Memory (LSTM): </a:t>
+            </a:r>
+            <a:r>
+              <a:rPr lang="en-US" sz="1600" spc="-5" dirty="0">
+                <a:latin typeface="Times New Roman" panose="02020603050405020304" pitchFamily="18" charset="0"/>
+                <a:ea typeface="SimSun" panose="02010600030101010101" pitchFamily="2" charset="-122"/>
+              </a:rPr>
+              <a:t>Models long-term dependencies in time series data.</a:t>
+            </a:r>
+          </a:p>
+          <a:p>
+            <a:endParaRPr lang="en-US" sz="1600" spc="-5" dirty="0">
+              <a:latin typeface="Times New Roman" panose="02020603050405020304" pitchFamily="18" charset="0"/>
+              <a:ea typeface="SimSun" panose="02010600030101010101" pitchFamily="2" charset="-122"/>
+            </a:endParaRPr>
+          </a:p>
+          <a:p>
+            <a:r>
+              <a:rPr lang="en-US" sz="1600" b="1" spc="-5" dirty="0">
+                <a:latin typeface="Times New Roman" panose="02020603050405020304" pitchFamily="18" charset="0"/>
+                <a:ea typeface="SimSun" panose="02010600030101010101" pitchFamily="2" charset="-122"/>
+              </a:rPr>
+              <a:t>Gated Recurrent Unit (GRU): </a:t>
+            </a:r>
+            <a:r>
+              <a:rPr lang="en-US" sz="1600" spc="-5" dirty="0">
+                <a:latin typeface="Times New Roman" panose="02020603050405020304" pitchFamily="18" charset="0"/>
+                <a:ea typeface="SimSun" panose="02010600030101010101" pitchFamily="2" charset="-122"/>
+              </a:rPr>
+              <a:t>A simpler and computationally efficient alternative to LSTM.</a:t>
+            </a:r>
+          </a:p>
+          <a:p>
+            <a:endParaRPr lang="en-US" sz="1600" spc="-5" dirty="0">
+              <a:latin typeface="Times New Roman" panose="02020603050405020304" pitchFamily="18" charset="0"/>
+              <a:ea typeface="SimSun" panose="02010600030101010101" pitchFamily="2" charset="-122"/>
+            </a:endParaRPr>
+          </a:p>
+          <a:p>
+            <a:r>
+              <a:rPr lang="en-US" sz="1600" b="1" spc="-5" dirty="0">
+                <a:latin typeface="Times New Roman" panose="02020603050405020304" pitchFamily="18" charset="0"/>
+                <a:ea typeface="SimSun" panose="02010600030101010101" pitchFamily="2" charset="-122"/>
+              </a:rPr>
+              <a:t>Gradient Boosting Machine (GBM) / XGBoost: </a:t>
+            </a:r>
+            <a:r>
+              <a:rPr lang="en-US" sz="1600" spc="-5" dirty="0">
+                <a:latin typeface="Times New Roman" panose="02020603050405020304" pitchFamily="18" charset="0"/>
+                <a:ea typeface="SimSun" panose="02010600030101010101" pitchFamily="2" charset="-122"/>
+              </a:rPr>
+              <a:t>Handles non-linearities and feature interactions effectively.</a:t>
+            </a:r>
+          </a:p>
+          <a:p>
+            <a:r>
+              <a:rPr lang="en-US" sz="1600" spc="-5" dirty="0">
+                <a:latin typeface="Times New Roman" panose="02020603050405020304" pitchFamily="18" charset="0"/>
+                <a:ea typeface="SimSun" panose="02010600030101010101" pitchFamily="2" charset="-122"/>
+              </a:rPr>
+              <a:t>Random Forest: Uses an ensemble of decision trees to improve predictive performance.</a:t>
+            </a:r>
+          </a:p>
+          <a:p>
+            <a:endParaRPr lang="en-US" sz="1600" spc="-5" dirty="0">
+              <a:latin typeface="Times New Roman" panose="02020603050405020304" pitchFamily="18" charset="0"/>
+              <a:ea typeface="SimSun" panose="02010600030101010101" pitchFamily="2" charset="-122"/>
+            </a:endParaRPr>
+          </a:p>
+          <a:p>
+            <a:r>
+              <a:rPr lang="en-US" sz="1600" b="1" spc="-5" dirty="0">
+                <a:latin typeface="Times New Roman" panose="02020603050405020304" pitchFamily="18" charset="0"/>
+                <a:ea typeface="SimSun" panose="02010600030101010101" pitchFamily="2" charset="-122"/>
+              </a:rPr>
+              <a:t>LSTM-GRU Ensemble Method with and without Twitter Sentiment Analysis: </a:t>
+            </a:r>
+            <a:r>
+              <a:rPr lang="en-US" sz="1600" spc="-5" dirty="0">
+                <a:latin typeface="Times New Roman" panose="02020603050405020304" pitchFamily="18" charset="0"/>
+                <a:ea typeface="SimSun" panose="02010600030101010101" pitchFamily="2" charset="-122"/>
+              </a:rPr>
+              <a:t>Combines predictions from all models using a weighted average approach for better accuracy.</a:t>
+            </a:r>
+          </a:p>
+        </p:txBody>
+      </p:sp>
+      <p:sp>
+        <p:nvSpPr>
+          <p:cNvPr id="6" name="TextBox 5">
+            <a:extLst>
+              <a:ext uri="{FF2B5EF4-FFF2-40B4-BE49-F238E27FC236}">
+                <a16:creationId xmlns:a16="http://schemas.microsoft.com/office/drawing/2014/main" id="{D7AC25B0-56EC-A04F-776D-89E6D4F8B060}"/>
+              </a:ext>
+            </a:extLst>
+          </p:cNvPr>
+          <p:cNvSpPr txBox="1"/>
+          <p:nvPr/>
+        </p:nvSpPr>
+        <p:spPr>
+          <a:xfrm>
+            <a:off x="3740331" y="493899"/>
+            <a:ext cx="4711337" cy="523220"/>
+          </a:xfrm>
+          <a:prstGeom prst="rect">
+            <a:avLst/>
+          </a:prstGeom>
+          <a:noFill/>
+        </p:spPr>
+        <p:txBody>
+          <a:bodyPr wrap="square" rtlCol="0">
+            <a:spAutoFit/>
+          </a:bodyPr>
+          <a:lstStyle/>
+          <a:p>
+            <a:pPr algn="just"/>
+            <a:r>
+              <a:rPr lang="en-US" sz="2800" dirty="0">
+                <a:solidFill>
+                  <a:srgbClr val="161723"/>
+                </a:solidFill>
+                <a:highlight>
+                  <a:srgbClr val="FFFFFF"/>
+                </a:highlight>
+                <a:latin typeface="DM Serif Display" pitchFamily="2" charset="0"/>
+              </a:rPr>
+              <a:t>Experimental methodology</a:t>
+            </a:r>
+          </a:p>
+        </p:txBody>
+      </p:sp>
+      <p:sp>
+        <p:nvSpPr>
+          <p:cNvPr id="7" name="TextBox 6">
+            <a:extLst>
+              <a:ext uri="{FF2B5EF4-FFF2-40B4-BE49-F238E27FC236}">
+                <a16:creationId xmlns:a16="http://schemas.microsoft.com/office/drawing/2014/main" id="{9CEAA7F9-102E-A75B-69D7-61CA0944B1DE}"/>
+              </a:ext>
+            </a:extLst>
+          </p:cNvPr>
+          <p:cNvSpPr txBox="1"/>
+          <p:nvPr/>
+        </p:nvSpPr>
+        <p:spPr>
+          <a:xfrm>
+            <a:off x="6601431" y="1461048"/>
+            <a:ext cx="4711337" cy="461665"/>
+          </a:xfrm>
+          <a:prstGeom prst="rect">
+            <a:avLst/>
+          </a:prstGeom>
+          <a:noFill/>
+        </p:spPr>
+        <p:txBody>
+          <a:bodyPr wrap="square" rtlCol="0">
+            <a:spAutoFit/>
+          </a:bodyPr>
+          <a:lstStyle/>
+          <a:p>
+            <a:pPr algn="ctr"/>
+            <a:r>
+              <a:rPr lang="en-US" sz="2400" dirty="0">
+                <a:solidFill>
+                  <a:srgbClr val="161723"/>
+                </a:solidFill>
+                <a:highlight>
+                  <a:srgbClr val="FFFFFF"/>
+                </a:highlight>
+                <a:latin typeface="DM Serif Display" pitchFamily="2" charset="0"/>
+              </a:rPr>
+              <a:t>Evaluation Metrics</a:t>
+            </a:r>
+          </a:p>
+        </p:txBody>
+      </p:sp>
+      <p:sp>
+        <p:nvSpPr>
+          <p:cNvPr id="10" name="TextBox 9">
+            <a:extLst>
+              <a:ext uri="{FF2B5EF4-FFF2-40B4-BE49-F238E27FC236}">
+                <a16:creationId xmlns:a16="http://schemas.microsoft.com/office/drawing/2014/main" id="{3AD75C19-4075-01AA-B3F1-373FCC694ED2}"/>
+              </a:ext>
+            </a:extLst>
+          </p:cNvPr>
+          <p:cNvSpPr txBox="1"/>
+          <p:nvPr/>
+        </p:nvSpPr>
+        <p:spPr>
+          <a:xfrm>
+            <a:off x="6605937" y="2126377"/>
+            <a:ext cx="5146447" cy="3816429"/>
+          </a:xfrm>
+          <a:prstGeom prst="rect">
+            <a:avLst/>
+          </a:prstGeom>
+          <a:noFill/>
+        </p:spPr>
+        <p:txBody>
+          <a:bodyPr wrap="square">
+            <a:spAutoFit/>
+          </a:bodyPr>
+          <a:lstStyle/>
+          <a:p>
+            <a:pPr marL="0" marR="0" algn="l">
+              <a:spcBef>
+                <a:spcPts val="0"/>
+              </a:spcBef>
+              <a:spcAft>
+                <a:spcPts val="0"/>
+              </a:spcAft>
+              <a:tabLst>
+                <a:tab pos="457200" algn="l"/>
+              </a:tabLst>
+            </a:pPr>
+            <a:r>
+              <a:rPr lang="en-US" sz="1600" b="1" spc="-5" dirty="0">
+                <a:latin typeface="Times New Roman" panose="02020603050405020304" pitchFamily="18" charset="0"/>
+                <a:ea typeface="SimSun" panose="02010600030101010101" pitchFamily="2" charset="-122"/>
+              </a:rPr>
+              <a:t>Root Mean Squared Error (RMSE): </a:t>
+            </a:r>
+            <a:r>
+              <a:rPr lang="en-US" sz="1600" spc="-5" dirty="0">
+                <a:latin typeface="Times New Roman" panose="02020603050405020304" pitchFamily="18" charset="0"/>
+                <a:ea typeface="SimSun" panose="02010600030101010101" pitchFamily="2" charset="-122"/>
+              </a:rPr>
+              <a:t>This metric measures the standard deviation of the residuals (prediction errors). It provides a measure of how well the model's predictions match the actual values.</a:t>
+            </a:r>
+          </a:p>
+          <a:p>
+            <a:pPr marL="0" marR="0" algn="l">
+              <a:spcBef>
+                <a:spcPts val="0"/>
+              </a:spcBef>
+              <a:spcAft>
+                <a:spcPts val="0"/>
+              </a:spcAft>
+              <a:tabLst>
+                <a:tab pos="457200" algn="l"/>
+              </a:tabLst>
+            </a:pPr>
+            <a:endParaRPr lang="en-US" sz="1600" spc="-5" dirty="0">
+              <a:latin typeface="Times New Roman" panose="02020603050405020304" pitchFamily="18" charset="0"/>
+              <a:ea typeface="SimSun" panose="02010600030101010101" pitchFamily="2" charset="-122"/>
+            </a:endParaRPr>
+          </a:p>
+          <a:p>
+            <a:pPr>
+              <a:tabLst>
+                <a:tab pos="457200" algn="l"/>
+              </a:tabLst>
+            </a:pPr>
+            <a:r>
+              <a:rPr lang="en-US" sz="1600" b="1" spc="-5" dirty="0">
+                <a:latin typeface="Times New Roman" panose="02020603050405020304" pitchFamily="18" charset="0"/>
+                <a:ea typeface="SimSun" panose="02010600030101010101" pitchFamily="2" charset="-122"/>
+              </a:rPr>
+              <a:t>Mean Absolute Percentage Error (MAPE): </a:t>
+            </a:r>
+            <a:r>
+              <a:rPr lang="en-US" sz="1600" spc="-5" dirty="0">
+                <a:latin typeface="Times New Roman" panose="02020603050405020304" pitchFamily="18" charset="0"/>
+                <a:ea typeface="SimSun" panose="02010600030101010101" pitchFamily="2" charset="-122"/>
+              </a:rPr>
+              <a:t>This metric measures the accuracy of the model's predictions as a percentage. It provides a normalized measure of prediction accuracy, allowing for comparison across different scales</a:t>
+            </a:r>
+            <a:r>
+              <a:rPr lang="en-IN" sz="1600" spc="-5" dirty="0">
+                <a:latin typeface="Times New Roman" panose="02020603050405020304" pitchFamily="18" charset="0"/>
+                <a:ea typeface="SimSun" panose="02010600030101010101" pitchFamily="2" charset="-122"/>
+              </a:rPr>
+              <a:t>.</a:t>
+            </a:r>
+          </a:p>
+          <a:p>
+            <a:pPr marL="0" marR="0" algn="l">
+              <a:spcBef>
+                <a:spcPts val="0"/>
+              </a:spcBef>
+              <a:spcAft>
+                <a:spcPts val="0"/>
+              </a:spcAft>
+              <a:tabLst>
+                <a:tab pos="457200" algn="l"/>
+              </a:tabLst>
+            </a:pPr>
+            <a:endParaRPr lang="en-US" sz="1600" spc="-5" dirty="0">
+              <a:latin typeface="Times New Roman" panose="02020603050405020304" pitchFamily="18" charset="0"/>
+              <a:ea typeface="SimSun" panose="02010600030101010101" pitchFamily="2" charset="-122"/>
+            </a:endParaRPr>
+          </a:p>
+          <a:p>
+            <a:pPr>
+              <a:tabLst>
+                <a:tab pos="457200" algn="l"/>
+              </a:tabLst>
+            </a:pPr>
+            <a:r>
+              <a:rPr lang="en-IN" sz="1600" b="1" spc="-5" dirty="0">
+                <a:latin typeface="Times New Roman" panose="02020603050405020304" pitchFamily="18" charset="0"/>
+                <a:ea typeface="SimSun" panose="02010600030101010101" pitchFamily="2" charset="-122"/>
+              </a:rPr>
+              <a:t>Comparison and Visualization: </a:t>
+            </a:r>
+            <a:r>
+              <a:rPr lang="en-IN" sz="1600" spc="-5" dirty="0">
+                <a:latin typeface="Times New Roman" panose="02020603050405020304" pitchFamily="18" charset="0"/>
+                <a:ea typeface="SimSun" panose="02010600030101010101" pitchFamily="2" charset="-122"/>
+              </a:rPr>
+              <a:t>The performance of the models was compared using RMSE and MAPE. Visualizations, including plots of the actual vs. predicted prices, were used to illustrate the models' performance.</a:t>
+            </a:r>
+          </a:p>
+          <a:p>
+            <a:pPr marL="0" marR="0" algn="l">
+              <a:spcBef>
+                <a:spcPts val="0"/>
+              </a:spcBef>
+              <a:spcAft>
+                <a:spcPts val="0"/>
+              </a:spcAft>
+              <a:tabLst>
+                <a:tab pos="457200" algn="l"/>
+              </a:tabLst>
+            </a:pPr>
+            <a:endParaRPr lang="en-IN" sz="1800" dirty="0">
+              <a:effectLst/>
+              <a:latin typeface="Times New Roman" panose="02020603050405020304" pitchFamily="18" charset="0"/>
+              <a:ea typeface="SimSun" panose="02010600030101010101" pitchFamily="2" charset="-122"/>
+            </a:endParaRPr>
+          </a:p>
+        </p:txBody>
+      </p:sp>
     </p:spTree>
+    <p:extLst>
+      <p:ext uri="{BB962C8B-B14F-4D97-AF65-F5344CB8AC3E}">
+        <p14:creationId xmlns:p14="http://schemas.microsoft.com/office/powerpoint/2010/main" val="961387453"/>
+      </p:ext>
+    </p:extLst>
   </p:cSld>
   <p:clrMapOvr>
     <a:masterClrMapping/>
@@ -6317,6 +7463,66 @@
           <a:chExt cx="0" cy="0"/>
         </a:xfrm>
       </p:grpSpPr>
+      <p:pic>
+        <p:nvPicPr>
+          <p:cNvPr id="3080" name="Picture 8">
+            <a:extLst>
+              <a:ext uri="{FF2B5EF4-FFF2-40B4-BE49-F238E27FC236}">
+                <a16:creationId xmlns:a16="http://schemas.microsoft.com/office/drawing/2014/main" id="{2CAC4BA1-DE03-BABD-A46D-7AD9CC16E124}"/>
+              </a:ext>
+            </a:extLst>
+          </p:cNvPr>
+          <p:cNvPicPr>
+            <a:picLocks noChangeAspect="1" noChangeArrowheads="1"/>
+          </p:cNvPicPr>
+          <p:nvPr/>
+        </p:nvPicPr>
+        <p:blipFill>
+          <a:blip r:embed="rId2" cstate="print">
+            <a:extLst>
+              <a:ext uri="{28A0092B-C50C-407E-A947-70E740481C1C}">
+                <a14:useLocalDpi xmlns:a14="http://schemas.microsoft.com/office/drawing/2010/main" val="0"/>
+              </a:ext>
+            </a:extLst>
+          </a:blip>
+          <a:srcRect/>
+          <a:stretch>
+            <a:fillRect/>
+          </a:stretch>
+        </p:blipFill>
+        <p:spPr bwMode="auto">
+          <a:xfrm>
+            <a:off x="5518114" y="1132253"/>
+            <a:ext cx="4811565" cy="2389026"/>
+          </a:xfrm>
+          <a:prstGeom prst="rect">
+            <a:avLst/>
+          </a:prstGeom>
+          <a:noFill/>
+          <a:ln>
+            <a:noFill/>
+          </a:ln>
+          <a:extLst>
+            <a:ext uri="{909E8E84-426E-40DD-AFC4-6F175D3DCCD1}">
+              <a14:hiddenFill xmlns:a14="http://schemas.microsoft.com/office/drawing/2010/main">
+                <a:solidFill>
+                  <a:srgbClr val="FFFFFF"/>
+                </a:solidFill>
+              </a14:hiddenFill>
+            </a:ext>
+            <a:ext uri="{91240B29-F687-4F45-9708-019B960494DF}">
+              <a14:hiddenLine xmlns:a14="http://schemas.microsoft.com/office/drawing/2010/main" w="9525">
+                <a:solidFill>
+                  <a:srgbClr val="000000"/>
+                </a:solidFill>
+                <a:miter lim="800000"/>
+                <a:headEnd/>
+                <a:tailEnd/>
+              </a14:hiddenLine>
+            </a:ext>
+          </a:extLst>
+        </p:spPr>
+      </p:pic>
       <p:sp>
         <p:nvSpPr>
           <p:cNvPr id="52" name="Title 6"/>
@@ -6364,215 +7570,6 @@
           </a:p>
         </p:txBody>
       </p:sp>
-      <p:sp>
-        <p:nvSpPr>
-          <p:cNvPr id="4" name="TextBox 3"/>
-          <p:cNvSpPr txBox="1"/>
-          <p:nvPr/>
-        </p:nvSpPr>
-        <p:spPr>
-          <a:xfrm>
-            <a:off x="399853" y="1456784"/>
-            <a:ext cx="11350872" cy="4645025"/>
-          </a:xfrm>
-          <a:prstGeom prst="rect">
-            <a:avLst/>
-          </a:prstGeom>
-          <a:noFill/>
-        </p:spPr>
-        <p:txBody>
-          <a:bodyPr wrap="square" rtlCol="0">
-            <a:spAutoFit/>
-          </a:bodyPr>
-          <a:lstStyle/>
-          <a:p>
-            <a:pPr algn="just">
-              <a:lnSpc>
-                <a:spcPct val="150000"/>
-              </a:lnSpc>
-            </a:pPr>
-            <a:r>
-              <a:rPr lang="en-US" sz="2400" b="1" dirty="0">
-                <a:solidFill>
-                  <a:schemeClr val="tx1">
-                    <a:lumMod val="95000"/>
-                    <a:lumOff val="5000"/>
-                  </a:schemeClr>
-                </a:solidFill>
-                <a:latin typeface="Poppins" panose="00000500000000000000" pitchFamily="2" charset="0"/>
-                <a:cs typeface="Poppins" panose="00000500000000000000" pitchFamily="2" charset="0"/>
-              </a:rPr>
-              <a:t>Draft paper Publications</a:t>
-            </a:r>
-          </a:p>
-          <a:p>
-            <a:pPr algn="just">
-              <a:lnSpc>
-                <a:spcPct val="150000"/>
-              </a:lnSpc>
-            </a:pPr>
-            <a:endParaRPr lang="en-US" sz="2000" b="1" dirty="0">
-              <a:solidFill>
-                <a:schemeClr val="tx1">
-                  <a:lumMod val="95000"/>
-                  <a:lumOff val="5000"/>
-                </a:schemeClr>
-              </a:solidFill>
-              <a:latin typeface="Poppins" panose="00000500000000000000" pitchFamily="2" charset="0"/>
-              <a:cs typeface="Poppins" panose="00000500000000000000" pitchFamily="2" charset="0"/>
-            </a:endParaRPr>
-          </a:p>
-          <a:p>
-            <a:pPr marL="342900" indent="-342900" algn="just">
-              <a:lnSpc>
-                <a:spcPct val="150000"/>
-              </a:lnSpc>
-              <a:buFont typeface="Wingdings" panose="05000000000000000000" pitchFamily="2" charset="2"/>
-              <a:buChar char="v"/>
-            </a:pPr>
-            <a:endParaRPr lang="en-US" sz="2000" b="1" dirty="0">
-              <a:solidFill>
-                <a:schemeClr val="tx1">
-                  <a:lumMod val="95000"/>
-                  <a:lumOff val="5000"/>
-                </a:schemeClr>
-              </a:solidFill>
-              <a:latin typeface="Poppins" panose="00000500000000000000" pitchFamily="2" charset="0"/>
-              <a:cs typeface="Poppins" panose="00000500000000000000" pitchFamily="2" charset="0"/>
-            </a:endParaRPr>
-          </a:p>
-          <a:p>
-            <a:pPr algn="just">
-              <a:lnSpc>
-                <a:spcPct val="150000"/>
-              </a:lnSpc>
-            </a:pPr>
-            <a:endParaRPr lang="en-US" sz="2000" b="1" dirty="0">
-              <a:solidFill>
-                <a:schemeClr val="tx1">
-                  <a:lumMod val="95000"/>
-                  <a:lumOff val="5000"/>
-                </a:schemeClr>
-              </a:solidFill>
-              <a:latin typeface="Poppins" panose="00000500000000000000" pitchFamily="2" charset="0"/>
-              <a:cs typeface="Poppins" panose="00000500000000000000" pitchFamily="2" charset="0"/>
-            </a:endParaRPr>
-          </a:p>
-          <a:p>
-            <a:pPr algn="just">
-              <a:lnSpc>
-                <a:spcPct val="150000"/>
-              </a:lnSpc>
-            </a:pPr>
-            <a:endParaRPr lang="en-US" sz="2000" b="1" dirty="0">
-              <a:solidFill>
-                <a:schemeClr val="tx1">
-                  <a:lumMod val="95000"/>
-                  <a:lumOff val="5000"/>
-                </a:schemeClr>
-              </a:solidFill>
-              <a:latin typeface="Poppins" panose="00000500000000000000" pitchFamily="2" charset="0"/>
-              <a:cs typeface="Poppins" panose="00000500000000000000" pitchFamily="2" charset="0"/>
-            </a:endParaRPr>
-          </a:p>
-          <a:p>
-            <a:pPr marL="342900" indent="-342900" algn="just">
-              <a:lnSpc>
-                <a:spcPct val="150000"/>
-              </a:lnSpc>
-              <a:buFont typeface="Wingdings" panose="05000000000000000000" pitchFamily="2" charset="2"/>
-              <a:buChar char="v"/>
-            </a:pPr>
-            <a:endParaRPr lang="en-US" sz="2000" b="1" kern="100" dirty="0">
-              <a:solidFill>
-                <a:schemeClr val="tx1">
-                  <a:lumMod val="95000"/>
-                  <a:lumOff val="5000"/>
-                </a:schemeClr>
-              </a:solidFill>
-              <a:effectLst/>
-              <a:latin typeface="Poppins" panose="00000500000000000000" pitchFamily="2" charset="0"/>
-              <a:ea typeface="Calibri" panose="020F0502020204030204" pitchFamily="34" charset="0"/>
-              <a:cs typeface="Poppins" panose="00000500000000000000" pitchFamily="2" charset="0"/>
-            </a:endParaRPr>
-          </a:p>
-          <a:p>
-            <a:pPr algn="just">
-              <a:lnSpc>
-                <a:spcPct val="150000"/>
-              </a:lnSpc>
-            </a:pPr>
-            <a:endParaRPr lang="en-IN" sz="2000" kern="100" dirty="0">
-              <a:solidFill>
-                <a:schemeClr val="tx1">
-                  <a:lumMod val="95000"/>
-                  <a:lumOff val="5000"/>
-                </a:schemeClr>
-              </a:solidFill>
-              <a:effectLst/>
-              <a:latin typeface="Poppins" panose="00000500000000000000" pitchFamily="2" charset="0"/>
-              <a:ea typeface="Calibri" panose="020F0502020204030204" pitchFamily="34" charset="0"/>
-              <a:cs typeface="Poppins" panose="00000500000000000000" pitchFamily="2" charset="0"/>
-            </a:endParaRPr>
-          </a:p>
-          <a:p>
-            <a:pPr lvl="0" algn="just">
-              <a:lnSpc>
-                <a:spcPct val="107000"/>
-              </a:lnSpc>
-              <a:spcAft>
-                <a:spcPts val="800"/>
-              </a:spcAft>
-            </a:pPr>
-            <a:endParaRPr lang="en-IN" sz="1800" kern="100" dirty="0">
-              <a:solidFill>
-                <a:schemeClr val="tx1">
-                  <a:lumMod val="95000"/>
-                  <a:lumOff val="5000"/>
-                </a:schemeClr>
-              </a:solidFill>
-              <a:effectLst/>
-              <a:latin typeface="Calibri" panose="020F0502020204030204" pitchFamily="34" charset="0"/>
-              <a:ea typeface="Calibri" panose="020F0502020204030204" pitchFamily="34" charset="0"/>
-              <a:cs typeface="Times New Roman" panose="02020603050405020304" pitchFamily="18" charset="0"/>
-            </a:endParaRPr>
-          </a:p>
-          <a:p>
-            <a:pPr algn="just">
-              <a:lnSpc>
-                <a:spcPct val="150000"/>
-              </a:lnSpc>
-            </a:pPr>
-            <a:endParaRPr lang="en-US" b="1" dirty="0">
-              <a:solidFill>
-                <a:schemeClr val="tx1">
-                  <a:lumMod val="95000"/>
-                  <a:lumOff val="5000"/>
-                </a:schemeClr>
-              </a:solidFill>
-              <a:latin typeface="Poppins" pitchFamily="2" charset="77"/>
-              <a:cs typeface="Poppins" pitchFamily="2" charset="77"/>
-            </a:endParaRPr>
-          </a:p>
-          <a:p>
-            <a:pPr algn="just">
-              <a:lnSpc>
-                <a:spcPct val="150000"/>
-              </a:lnSpc>
-            </a:pPr>
-            <a:endParaRPr lang="en-US" b="1" dirty="0">
-              <a:solidFill>
-                <a:schemeClr val="tx1">
-                  <a:lumMod val="95000"/>
-                  <a:lumOff val="5000"/>
-                </a:schemeClr>
-              </a:solidFill>
-              <a:latin typeface="Poppins" pitchFamily="2" charset="77"/>
-              <a:cs typeface="Poppins" pitchFamily="2" charset="77"/>
-            </a:endParaRPr>
-          </a:p>
-        </p:txBody>
-      </p:sp>
       <p:pic>
         <p:nvPicPr>
           <p:cNvPr id="13" name="image1.png"/>
@@ -6580,14 +7577,14 @@
           <p:nvPr/>
         </p:nvPicPr>
         <p:blipFill>
-          <a:blip r:embed="rId2" cstate="print"/>
+          <a:blip r:embed="rId3" cstate="print"/>
           <a:stretch>
             <a:fillRect/>
           </a:stretch>
         </p:blipFill>
         <p:spPr>
           <a:xfrm>
-            <a:off x="0" y="170688"/>
+            <a:off x="193908" y="200718"/>
             <a:ext cx="841248" cy="976923"/>
           </a:xfrm>
           <a:prstGeom prst="rect">
@@ -6603,7 +7600,7 @@
           <p:nvPr/>
         </p:nvPicPr>
         <p:blipFill>
-          <a:blip r:embed="rId3"/>
+          <a:blip r:embed="rId4"/>
           <a:srcRect/>
           <a:stretch>
             <a:fillRect/>
@@ -6611,7 +7608,7 @@
         </p:blipFill>
         <p:spPr bwMode="auto">
           <a:xfrm>
-            <a:off x="11312768" y="0"/>
+            <a:off x="11118860" y="203203"/>
             <a:ext cx="879232" cy="1025768"/>
           </a:xfrm>
           <a:prstGeom prst="rect">
@@ -6626,10 +7623,451 @@
           </a:ln>
         </p:spPr>
       </p:pic>
+      <p:sp>
+        <p:nvSpPr>
+          <p:cNvPr id="2" name="TextBox 1">
+            <a:extLst>
+              <a:ext uri="{FF2B5EF4-FFF2-40B4-BE49-F238E27FC236}">
+                <a16:creationId xmlns:a16="http://schemas.microsoft.com/office/drawing/2014/main" id="{A5EBF6BA-3E5E-79FD-A7E8-806B21827E57}"/>
+              </a:ext>
+            </a:extLst>
+          </p:cNvPr>
+          <p:cNvSpPr txBox="1"/>
+          <p:nvPr/>
+        </p:nvSpPr>
+        <p:spPr>
+          <a:xfrm>
+            <a:off x="3165360" y="454477"/>
+            <a:ext cx="5699966" cy="523220"/>
+          </a:xfrm>
+          <a:prstGeom prst="rect">
+            <a:avLst/>
+          </a:prstGeom>
+          <a:noFill/>
+        </p:spPr>
+        <p:txBody>
+          <a:bodyPr wrap="square" rtlCol="0">
+            <a:spAutoFit/>
+          </a:bodyPr>
+          <a:lstStyle/>
+          <a:p>
+            <a:pPr algn="just"/>
+            <a:r>
+              <a:rPr lang="en-US" sz="2800" dirty="0">
+                <a:solidFill>
+                  <a:srgbClr val="161723"/>
+                </a:solidFill>
+                <a:highlight>
+                  <a:srgbClr val="FFFFFF"/>
+                </a:highlight>
+                <a:latin typeface="DM Serif Display" pitchFamily="2" charset="0"/>
+              </a:rPr>
+              <a:t>Working Prototype of the Problem</a:t>
+            </a:r>
+          </a:p>
+        </p:txBody>
+      </p:sp>
+      <p:pic>
+        <p:nvPicPr>
+          <p:cNvPr id="9" name="Picture 8">
+            <a:extLst>
+              <a:ext uri="{FF2B5EF4-FFF2-40B4-BE49-F238E27FC236}">
+                <a16:creationId xmlns:a16="http://schemas.microsoft.com/office/drawing/2014/main" id="{7621619F-39E3-6324-D926-894D2903FC90}"/>
+              </a:ext>
+            </a:extLst>
+          </p:cNvPr>
+          <p:cNvPicPr>
+            <a:picLocks noChangeAspect="1"/>
+          </p:cNvPicPr>
+          <p:nvPr/>
+        </p:nvPicPr>
+        <p:blipFill rotWithShape="1">
+          <a:blip r:embed="rId5"/>
+          <a:srcRect r="41808"/>
+          <a:stretch/>
+        </p:blipFill>
+        <p:spPr>
+          <a:xfrm>
+            <a:off x="6639664" y="4664279"/>
+            <a:ext cx="4238755" cy="1574411"/>
+          </a:xfrm>
+          <a:prstGeom prst="rect">
+            <a:avLst/>
+          </a:prstGeom>
+        </p:spPr>
+      </p:pic>
+      <p:pic>
+        <p:nvPicPr>
+          <p:cNvPr id="3077" name="Picture 5">
+            <a:extLst>
+              <a:ext uri="{FF2B5EF4-FFF2-40B4-BE49-F238E27FC236}">
+                <a16:creationId xmlns:a16="http://schemas.microsoft.com/office/drawing/2014/main" id="{16F4AE1C-D898-019F-12BE-AD7EC817C098}"/>
+              </a:ext>
+            </a:extLst>
+          </p:cNvPr>
+          <p:cNvPicPr>
+            <a:picLocks noChangeAspect="1" noChangeArrowheads="1"/>
+          </p:cNvPicPr>
+          <p:nvPr/>
+        </p:nvPicPr>
+        <p:blipFill>
+          <a:blip r:embed="rId6">
+            <a:extLst>
+              <a:ext uri="{28A0092B-C50C-407E-A947-70E740481C1C}">
+                <a14:useLocalDpi xmlns:a14="http://schemas.microsoft.com/office/drawing/2010/main" val="0"/>
+              </a:ext>
+            </a:extLst>
+          </a:blip>
+          <a:srcRect l="1068"/>
+          <a:stretch>
+            <a:fillRect/>
+          </a:stretch>
+        </p:blipFill>
+        <p:spPr bwMode="auto">
+          <a:xfrm>
+            <a:off x="422083" y="1343718"/>
+            <a:ext cx="4747145" cy="1897872"/>
+          </a:xfrm>
+          <a:prstGeom prst="rect">
+            <a:avLst/>
+          </a:prstGeom>
+          <a:noFill/>
+          <a:ln>
+            <a:noFill/>
+          </a:ln>
+          <a:extLst>
+            <a:ext uri="{909E8E84-426E-40DD-AFC4-6F175D3DCCD1}">
+              <a14:hiddenFill xmlns:a14="http://schemas.microsoft.com/office/drawing/2010/main">
+                <a:solidFill>
+                  <a:srgbClr val="FFFFFF"/>
+                </a:solidFill>
+              </a14:hiddenFill>
+            </a:ext>
+            <a:ext uri="{91240B29-F687-4F45-9708-019B960494DF}">
+              <a14:hiddenLine xmlns:a14="http://schemas.microsoft.com/office/drawing/2010/main" w="9525">
+                <a:solidFill>
+                  <a:srgbClr val="000000"/>
+                </a:solidFill>
+                <a:miter lim="800000"/>
+                <a:headEnd/>
+                <a:tailEnd/>
+              </a14:hiddenLine>
+            </a:ext>
+          </a:extLst>
+        </p:spPr>
+      </p:pic>
+      <p:pic>
+        <p:nvPicPr>
+          <p:cNvPr id="3079" name="Picture 7">
+            <a:extLst>
+              <a:ext uri="{FF2B5EF4-FFF2-40B4-BE49-F238E27FC236}">
+                <a16:creationId xmlns:a16="http://schemas.microsoft.com/office/drawing/2014/main" id="{FB07C9B9-83B1-9AF0-01E2-F7CBA97BDEB8}"/>
+              </a:ext>
+            </a:extLst>
+          </p:cNvPr>
+          <p:cNvPicPr>
+            <a:picLocks noChangeAspect="1" noChangeArrowheads="1"/>
+          </p:cNvPicPr>
+          <p:nvPr/>
+        </p:nvPicPr>
+        <p:blipFill>
+          <a:blip r:embed="rId7" cstate="print">
+            <a:extLst>
+              <a:ext uri="{28A0092B-C50C-407E-A947-70E740481C1C}">
+                <a14:useLocalDpi xmlns:a14="http://schemas.microsoft.com/office/drawing/2010/main" val="0"/>
+              </a:ext>
+            </a:extLst>
+          </a:blip>
+          <a:srcRect/>
+          <a:stretch>
+            <a:fillRect/>
+          </a:stretch>
+        </p:blipFill>
+        <p:spPr bwMode="auto">
+          <a:xfrm>
+            <a:off x="6026989" y="1466296"/>
+            <a:ext cx="4609477" cy="2377301"/>
+          </a:xfrm>
+          <a:prstGeom prst="rect">
+            <a:avLst/>
+          </a:prstGeom>
+          <a:noFill/>
+          <a:ln>
+            <a:noFill/>
+          </a:ln>
+          <a:extLst>
+            <a:ext uri="{909E8E84-426E-40DD-AFC4-6F175D3DCCD1}">
+              <a14:hiddenFill xmlns:a14="http://schemas.microsoft.com/office/drawing/2010/main">
+                <a:solidFill>
+                  <a:srgbClr val="FFFFFF"/>
+                </a:solidFill>
+              </a14:hiddenFill>
+            </a:ext>
+            <a:ext uri="{91240B29-F687-4F45-9708-019B960494DF}">
+              <a14:hiddenLine xmlns:a14="http://schemas.microsoft.com/office/drawing/2010/main" w="9525">
+                <a:solidFill>
+                  <a:srgbClr val="000000"/>
+                </a:solidFill>
+                <a:miter lim="800000"/>
+                <a:headEnd/>
+                <a:tailEnd/>
+              </a14:hiddenLine>
+            </a:ext>
+          </a:extLst>
+        </p:spPr>
+      </p:pic>
+      <p:pic>
+        <p:nvPicPr>
+          <p:cNvPr id="3076" name="Picture 4">
+            <a:extLst>
+              <a:ext uri="{FF2B5EF4-FFF2-40B4-BE49-F238E27FC236}">
+                <a16:creationId xmlns:a16="http://schemas.microsoft.com/office/drawing/2014/main" id="{8AD6C791-8B48-B8BF-8B8B-58EE50140757}"/>
+              </a:ext>
+            </a:extLst>
+          </p:cNvPr>
+          <p:cNvPicPr>
+            <a:picLocks noChangeAspect="1" noChangeArrowheads="1"/>
+          </p:cNvPicPr>
+          <p:nvPr/>
+        </p:nvPicPr>
+        <p:blipFill>
+          <a:blip r:embed="rId8">
+            <a:extLst>
+              <a:ext uri="{28A0092B-C50C-407E-A947-70E740481C1C}">
+                <a14:useLocalDpi xmlns:a14="http://schemas.microsoft.com/office/drawing/2010/main" val="0"/>
+              </a:ext>
+            </a:extLst>
+          </a:blip>
+          <a:srcRect/>
+          <a:stretch>
+            <a:fillRect/>
+          </a:stretch>
+        </p:blipFill>
+        <p:spPr bwMode="auto">
+          <a:xfrm>
+            <a:off x="6697721" y="1921637"/>
+            <a:ext cx="4484325" cy="2256003"/>
+          </a:xfrm>
+          <a:prstGeom prst="rect">
+            <a:avLst/>
+          </a:prstGeom>
+          <a:noFill/>
+          <a:ln>
+            <a:noFill/>
+          </a:ln>
+          <a:extLst>
+            <a:ext uri="{909E8E84-426E-40DD-AFC4-6F175D3DCCD1}">
+              <a14:hiddenFill xmlns:a14="http://schemas.microsoft.com/office/drawing/2010/main">
+                <a:solidFill>
+                  <a:srgbClr val="FFFFFF"/>
+                </a:solidFill>
+              </a14:hiddenFill>
+            </a:ext>
+            <a:ext uri="{91240B29-F687-4F45-9708-019B960494DF}">
+              <a14:hiddenLine xmlns:a14="http://schemas.microsoft.com/office/drawing/2010/main" w="9525">
+                <a:solidFill>
+                  <a:srgbClr val="000000"/>
+                </a:solidFill>
+                <a:miter lim="800000"/>
+                <a:headEnd/>
+                <a:tailEnd/>
+              </a14:hiddenLine>
+            </a:ext>
+          </a:extLst>
+        </p:spPr>
+      </p:pic>
+      <p:sp>
+        <p:nvSpPr>
+          <p:cNvPr id="11" name="TextBox 10">
+            <a:extLst>
+              <a:ext uri="{FF2B5EF4-FFF2-40B4-BE49-F238E27FC236}">
+                <a16:creationId xmlns:a16="http://schemas.microsoft.com/office/drawing/2014/main" id="{B4C913BA-0449-9811-CF27-377B57FCCE04}"/>
+              </a:ext>
+            </a:extLst>
+          </p:cNvPr>
+          <p:cNvSpPr txBox="1"/>
+          <p:nvPr/>
+        </p:nvSpPr>
+        <p:spPr>
+          <a:xfrm>
+            <a:off x="1225219" y="3194450"/>
+            <a:ext cx="2850577" cy="338554"/>
+          </a:xfrm>
+          <a:prstGeom prst="rect">
+            <a:avLst/>
+          </a:prstGeom>
+          <a:noFill/>
+        </p:spPr>
+        <p:txBody>
+          <a:bodyPr wrap="square">
+            <a:spAutoFit/>
+          </a:bodyPr>
+          <a:lstStyle/>
+          <a:p>
+            <a:r>
+              <a:rPr lang="en-US" sz="1600" dirty="0">
+                <a:effectLst/>
+                <a:latin typeface="Times New Roman" panose="02020603050405020304" pitchFamily="18" charset="0"/>
+                <a:ea typeface="SimSun" panose="02010600030101010101" pitchFamily="2" charset="-122"/>
+              </a:rPr>
+              <a:t>Bitcoin Historical Prices Dataset</a:t>
+            </a:r>
+            <a:endParaRPr lang="en-IN" sz="1600" dirty="0"/>
+          </a:p>
+        </p:txBody>
+      </p:sp>
+      <p:pic>
+        <p:nvPicPr>
+          <p:cNvPr id="19" name="Picture 18">
+            <a:extLst>
+              <a:ext uri="{FF2B5EF4-FFF2-40B4-BE49-F238E27FC236}">
+                <a16:creationId xmlns:a16="http://schemas.microsoft.com/office/drawing/2014/main" id="{9B245A7C-BBEC-AD91-2497-5ADDFDBCC823}"/>
+              </a:ext>
+            </a:extLst>
+          </p:cNvPr>
+          <p:cNvPicPr>
+            <a:picLocks noChangeAspect="1"/>
+          </p:cNvPicPr>
+          <p:nvPr/>
+        </p:nvPicPr>
+        <p:blipFill>
+          <a:blip r:embed="rId9"/>
+          <a:stretch>
+            <a:fillRect/>
+          </a:stretch>
+        </p:blipFill>
+        <p:spPr>
+          <a:xfrm>
+            <a:off x="372217" y="3879281"/>
+            <a:ext cx="5273694" cy="1983974"/>
+          </a:xfrm>
+          <a:prstGeom prst="rect">
+            <a:avLst/>
+          </a:prstGeom>
+        </p:spPr>
+      </p:pic>
+      <p:sp>
+        <p:nvSpPr>
+          <p:cNvPr id="20" name="TextBox 19">
+            <a:extLst>
+              <a:ext uri="{FF2B5EF4-FFF2-40B4-BE49-F238E27FC236}">
+                <a16:creationId xmlns:a16="http://schemas.microsoft.com/office/drawing/2014/main" id="{AC3D13D7-9A68-E829-C89F-4D950B9C229A}"/>
+              </a:ext>
+            </a:extLst>
+          </p:cNvPr>
+          <p:cNvSpPr txBox="1"/>
+          <p:nvPr/>
+        </p:nvSpPr>
+        <p:spPr>
+          <a:xfrm>
+            <a:off x="1953478" y="5824185"/>
+            <a:ext cx="2111171" cy="338554"/>
+          </a:xfrm>
+          <a:prstGeom prst="rect">
+            <a:avLst/>
+          </a:prstGeom>
+          <a:noFill/>
+        </p:spPr>
+        <p:txBody>
+          <a:bodyPr wrap="square">
+            <a:spAutoFit/>
+          </a:bodyPr>
+          <a:lstStyle/>
+          <a:p>
+            <a:r>
+              <a:rPr lang="en-US" sz="1600" dirty="0">
+                <a:effectLst/>
+                <a:latin typeface="Times New Roman" panose="02020603050405020304" pitchFamily="18" charset="0"/>
+                <a:ea typeface="SimSun" panose="02010600030101010101" pitchFamily="2" charset="-122"/>
+              </a:rPr>
+              <a:t>Bitcoin Tweets Dataset</a:t>
+            </a:r>
+            <a:endParaRPr lang="en-IN" sz="1600" dirty="0"/>
+          </a:p>
+        </p:txBody>
+      </p:sp>
+      <p:sp>
+        <p:nvSpPr>
+          <p:cNvPr id="21" name="TextBox 20">
+            <a:extLst>
+              <a:ext uri="{FF2B5EF4-FFF2-40B4-BE49-F238E27FC236}">
+                <a16:creationId xmlns:a16="http://schemas.microsoft.com/office/drawing/2014/main" id="{FE5C919C-B9B8-213E-E83E-2F8C61FC4CD7}"/>
+              </a:ext>
+            </a:extLst>
+          </p:cNvPr>
+          <p:cNvSpPr txBox="1"/>
+          <p:nvPr/>
+        </p:nvSpPr>
+        <p:spPr>
+          <a:xfrm>
+            <a:off x="6976620" y="4213945"/>
+            <a:ext cx="2710214" cy="338554"/>
+          </a:xfrm>
+          <a:prstGeom prst="rect">
+            <a:avLst/>
+          </a:prstGeom>
+          <a:noFill/>
+        </p:spPr>
+        <p:txBody>
+          <a:bodyPr wrap="square">
+            <a:spAutoFit/>
+          </a:bodyPr>
+          <a:lstStyle/>
+          <a:p>
+            <a:r>
+              <a:rPr lang="en-US" sz="1600" dirty="0">
+                <a:latin typeface="Times New Roman" panose="02020603050405020304" pitchFamily="18" charset="0"/>
+                <a:ea typeface="SimSun" panose="02010600030101010101" pitchFamily="2" charset="-122"/>
+              </a:rPr>
+              <a:t>Training vs Test vs Predictions</a:t>
+            </a:r>
+            <a:endParaRPr lang="en-IN" sz="1600" dirty="0"/>
+          </a:p>
+        </p:txBody>
+      </p:sp>
+      <p:sp>
+        <p:nvSpPr>
+          <p:cNvPr id="22" name="TextBox 21">
+            <a:extLst>
+              <a:ext uri="{FF2B5EF4-FFF2-40B4-BE49-F238E27FC236}">
+                <a16:creationId xmlns:a16="http://schemas.microsoft.com/office/drawing/2014/main" id="{AC7ADBB4-8EBB-5ED3-86E4-AE751A854AD7}"/>
+              </a:ext>
+            </a:extLst>
+          </p:cNvPr>
+          <p:cNvSpPr txBox="1"/>
+          <p:nvPr/>
+        </p:nvSpPr>
+        <p:spPr>
+          <a:xfrm>
+            <a:off x="7857509" y="6238690"/>
+            <a:ext cx="1803064" cy="338554"/>
+          </a:xfrm>
+          <a:prstGeom prst="rect">
+            <a:avLst/>
+          </a:prstGeom>
+          <a:noFill/>
+        </p:spPr>
+        <p:txBody>
+          <a:bodyPr wrap="square">
+            <a:spAutoFit/>
+          </a:bodyPr>
+          <a:lstStyle/>
+          <a:p>
+            <a:r>
+              <a:rPr lang="en-US" sz="1600" dirty="0">
+                <a:latin typeface="Times New Roman" panose="02020603050405020304" pitchFamily="18" charset="0"/>
+                <a:ea typeface="SimSun" panose="02010600030101010101" pitchFamily="2" charset="-122"/>
+              </a:rPr>
+              <a:t>Evaluation Metrics</a:t>
+            </a:r>
+            <a:endParaRPr lang="en-IN" sz="1600" dirty="0"/>
+          </a:p>
+        </p:txBody>
+      </p:sp>
     </p:spTree>
     <p:extLst>
       <p:ext uri="{BB962C8B-B14F-4D97-AF65-F5344CB8AC3E}">
-        <p14:creationId xmlns:p14="http://schemas.microsoft.com/office/powerpoint/2010/main" val="961387453"/>
+        <p14:creationId xmlns:p14="http://schemas.microsoft.com/office/powerpoint/2010/main" val="2674255700"/>
       </p:ext>
     </p:extLst>
   </p:cSld>
@@ -6703,215 +8141,6 @@
           </a:p>
         </p:txBody>
       </p:sp>
-      <p:sp>
-        <p:nvSpPr>
-          <p:cNvPr id="4" name="TextBox 3"/>
-          <p:cNvSpPr txBox="1"/>
-          <p:nvPr/>
-        </p:nvSpPr>
-        <p:spPr>
-          <a:xfrm>
-            <a:off x="399853" y="1456784"/>
-            <a:ext cx="11350872" cy="4645025"/>
-          </a:xfrm>
-          <a:prstGeom prst="rect">
-            <a:avLst/>
-          </a:prstGeom>
-          <a:noFill/>
-        </p:spPr>
-        <p:txBody>
-          <a:bodyPr wrap="square" rtlCol="0">
-            <a:spAutoFit/>
-          </a:bodyPr>
-          <a:lstStyle/>
-          <a:p>
-            <a:pPr algn="just">
-              <a:lnSpc>
-                <a:spcPct val="150000"/>
-              </a:lnSpc>
-            </a:pPr>
-            <a:r>
-              <a:rPr lang="en-US" sz="2400" b="1" dirty="0">
-                <a:solidFill>
-                  <a:schemeClr val="tx1">
-                    <a:lumMod val="95000"/>
-                    <a:lumOff val="5000"/>
-                  </a:schemeClr>
-                </a:solidFill>
-                <a:latin typeface="Poppins" panose="00000500000000000000" pitchFamily="2" charset="0"/>
-                <a:cs typeface="Poppins" panose="00000500000000000000" pitchFamily="2" charset="0"/>
-              </a:rPr>
-              <a:t>References</a:t>
-            </a:r>
-          </a:p>
-          <a:p>
-            <a:pPr algn="just">
-              <a:lnSpc>
-                <a:spcPct val="150000"/>
-              </a:lnSpc>
-            </a:pPr>
-            <a:endParaRPr lang="en-US" sz="2000" b="1" dirty="0">
-              <a:solidFill>
-                <a:schemeClr val="tx1">
-                  <a:lumMod val="95000"/>
-                  <a:lumOff val="5000"/>
-                </a:schemeClr>
-              </a:solidFill>
-              <a:latin typeface="Poppins" panose="00000500000000000000" pitchFamily="2" charset="0"/>
-              <a:cs typeface="Poppins" panose="00000500000000000000" pitchFamily="2" charset="0"/>
-            </a:endParaRPr>
-          </a:p>
-          <a:p>
-            <a:pPr marL="342900" indent="-342900" algn="just">
-              <a:lnSpc>
-                <a:spcPct val="150000"/>
-              </a:lnSpc>
-              <a:buFont typeface="Wingdings" panose="05000000000000000000" pitchFamily="2" charset="2"/>
-              <a:buChar char="v"/>
-            </a:pPr>
-            <a:endParaRPr lang="en-US" sz="2000" b="1" dirty="0">
-              <a:solidFill>
-                <a:schemeClr val="tx1">
-                  <a:lumMod val="95000"/>
-                  <a:lumOff val="5000"/>
-                </a:schemeClr>
-              </a:solidFill>
-              <a:latin typeface="Poppins" panose="00000500000000000000" pitchFamily="2" charset="0"/>
-              <a:cs typeface="Poppins" panose="00000500000000000000" pitchFamily="2" charset="0"/>
-            </a:endParaRPr>
-          </a:p>
-          <a:p>
-            <a:pPr algn="just">
-              <a:lnSpc>
-                <a:spcPct val="150000"/>
-              </a:lnSpc>
-            </a:pPr>
-            <a:endParaRPr lang="en-US" sz="2000" b="1" dirty="0">
-              <a:solidFill>
-                <a:schemeClr val="tx1">
-                  <a:lumMod val="95000"/>
-                  <a:lumOff val="5000"/>
-                </a:schemeClr>
-              </a:solidFill>
-              <a:latin typeface="Poppins" panose="00000500000000000000" pitchFamily="2" charset="0"/>
-              <a:cs typeface="Poppins" panose="00000500000000000000" pitchFamily="2" charset="0"/>
-            </a:endParaRPr>
-          </a:p>
-          <a:p>
-            <a:pPr algn="just">
-              <a:lnSpc>
-                <a:spcPct val="150000"/>
-              </a:lnSpc>
-            </a:pPr>
-            <a:endParaRPr lang="en-US" sz="2000" b="1" dirty="0">
-              <a:solidFill>
-                <a:schemeClr val="tx1">
-                  <a:lumMod val="95000"/>
-                  <a:lumOff val="5000"/>
-                </a:schemeClr>
-              </a:solidFill>
-              <a:latin typeface="Poppins" panose="00000500000000000000" pitchFamily="2" charset="0"/>
-              <a:cs typeface="Poppins" panose="00000500000000000000" pitchFamily="2" charset="0"/>
-            </a:endParaRPr>
-          </a:p>
-          <a:p>
-            <a:pPr marL="342900" indent="-342900" algn="just">
-              <a:lnSpc>
-                <a:spcPct val="150000"/>
-              </a:lnSpc>
-              <a:buFont typeface="Wingdings" panose="05000000000000000000" pitchFamily="2" charset="2"/>
-              <a:buChar char="v"/>
-            </a:pPr>
-            <a:endParaRPr lang="en-US" sz="2000" b="1" kern="100" dirty="0">
-              <a:solidFill>
-                <a:schemeClr val="tx1">
-                  <a:lumMod val="95000"/>
-                  <a:lumOff val="5000"/>
-                </a:schemeClr>
-              </a:solidFill>
-              <a:effectLst/>
-              <a:latin typeface="Poppins" panose="00000500000000000000" pitchFamily="2" charset="0"/>
-              <a:ea typeface="Calibri" panose="020F0502020204030204" pitchFamily="34" charset="0"/>
-              <a:cs typeface="Poppins" panose="00000500000000000000" pitchFamily="2" charset="0"/>
-            </a:endParaRPr>
-          </a:p>
-          <a:p>
-            <a:pPr algn="just">
-              <a:lnSpc>
-                <a:spcPct val="150000"/>
-              </a:lnSpc>
-            </a:pPr>
-            <a:endParaRPr lang="en-IN" sz="2000" kern="100" dirty="0">
-              <a:solidFill>
-                <a:schemeClr val="tx1">
-                  <a:lumMod val="95000"/>
-                  <a:lumOff val="5000"/>
-                </a:schemeClr>
-              </a:solidFill>
-              <a:effectLst/>
-              <a:latin typeface="Poppins" panose="00000500000000000000" pitchFamily="2" charset="0"/>
-              <a:ea typeface="Calibri" panose="020F0502020204030204" pitchFamily="34" charset="0"/>
-              <a:cs typeface="Poppins" panose="00000500000000000000" pitchFamily="2" charset="0"/>
-            </a:endParaRPr>
-          </a:p>
-          <a:p>
-            <a:pPr lvl="0" algn="just">
-              <a:lnSpc>
-                <a:spcPct val="107000"/>
-              </a:lnSpc>
-              <a:spcAft>
-                <a:spcPts val="800"/>
-              </a:spcAft>
-            </a:pPr>
-            <a:endParaRPr lang="en-IN" sz="1800" kern="100" dirty="0">
-              <a:solidFill>
-                <a:schemeClr val="tx1">
-                  <a:lumMod val="95000"/>
-                  <a:lumOff val="5000"/>
-                </a:schemeClr>
-              </a:solidFill>
-              <a:effectLst/>
-              <a:latin typeface="Calibri" panose="020F0502020204030204" pitchFamily="34" charset="0"/>
-              <a:ea typeface="Calibri" panose="020F0502020204030204" pitchFamily="34" charset="0"/>
-              <a:cs typeface="Times New Roman" panose="02020603050405020304" pitchFamily="18" charset="0"/>
-            </a:endParaRPr>
-          </a:p>
-          <a:p>
-            <a:pPr algn="just">
-              <a:lnSpc>
-                <a:spcPct val="150000"/>
-              </a:lnSpc>
-            </a:pPr>
-            <a:endParaRPr lang="en-US" b="1" dirty="0">
-              <a:solidFill>
-                <a:schemeClr val="tx1">
-                  <a:lumMod val="95000"/>
-                  <a:lumOff val="5000"/>
-                </a:schemeClr>
-              </a:solidFill>
-              <a:latin typeface="Poppins" pitchFamily="2" charset="77"/>
-              <a:cs typeface="Poppins" pitchFamily="2" charset="77"/>
-            </a:endParaRPr>
-          </a:p>
-          <a:p>
-            <a:pPr algn="just">
-              <a:lnSpc>
-                <a:spcPct val="150000"/>
-              </a:lnSpc>
-            </a:pPr>
-            <a:endParaRPr lang="en-US" b="1" dirty="0">
-              <a:solidFill>
-                <a:schemeClr val="tx1">
-                  <a:lumMod val="95000"/>
-                  <a:lumOff val="5000"/>
-                </a:schemeClr>
-              </a:solidFill>
-              <a:latin typeface="Poppins" pitchFamily="2" charset="77"/>
-              <a:cs typeface="Poppins" pitchFamily="2" charset="77"/>
-            </a:endParaRPr>
-          </a:p>
-        </p:txBody>
-      </p:sp>
       <p:pic>
         <p:nvPicPr>
           <p:cNvPr id="13" name="image1.png"/>
@@ -6965,12 +8194,163 @@
           </a:ln>
         </p:spPr>
       </p:pic>
+      <p:sp>
+        <p:nvSpPr>
+          <p:cNvPr id="3" name="TextBox 2">
+            <a:extLst>
+              <a:ext uri="{FF2B5EF4-FFF2-40B4-BE49-F238E27FC236}">
+                <a16:creationId xmlns:a16="http://schemas.microsoft.com/office/drawing/2014/main" id="{AC51CC9D-455A-9899-CC5F-78B71DFCAC01}"/>
+              </a:ext>
+            </a:extLst>
+          </p:cNvPr>
+          <p:cNvSpPr txBox="1"/>
+          <p:nvPr/>
+        </p:nvSpPr>
+        <p:spPr>
+          <a:xfrm>
+            <a:off x="3740330" y="453002"/>
+            <a:ext cx="4711337" cy="523220"/>
+          </a:xfrm>
+          <a:prstGeom prst="rect">
+            <a:avLst/>
+          </a:prstGeom>
+          <a:noFill/>
+        </p:spPr>
+        <p:txBody>
+          <a:bodyPr wrap="square" rtlCol="0">
+            <a:spAutoFit/>
+          </a:bodyPr>
+          <a:lstStyle/>
+          <a:p>
+            <a:pPr algn="ctr"/>
+            <a:r>
+              <a:rPr lang="en-US" sz="2800" dirty="0">
+                <a:solidFill>
+                  <a:srgbClr val="161723"/>
+                </a:solidFill>
+                <a:highlight>
+                  <a:srgbClr val="FFFFFF"/>
+                </a:highlight>
+                <a:latin typeface="DM Serif Display" pitchFamily="2" charset="0"/>
+              </a:rPr>
+              <a:t>Experimental Results</a:t>
+            </a:r>
+          </a:p>
+        </p:txBody>
+      </p:sp>
+      <p:pic>
+        <p:nvPicPr>
+          <p:cNvPr id="6" name="Picture 5">
+            <a:extLst>
+              <a:ext uri="{FF2B5EF4-FFF2-40B4-BE49-F238E27FC236}">
+                <a16:creationId xmlns:a16="http://schemas.microsoft.com/office/drawing/2014/main" id="{2FFB1191-F8E2-E6EC-88BE-FEFB6EBD809D}"/>
+              </a:ext>
+            </a:extLst>
+          </p:cNvPr>
+          <p:cNvPicPr>
+            <a:picLocks noChangeAspect="1"/>
+          </p:cNvPicPr>
+          <p:nvPr/>
+        </p:nvPicPr>
+        <p:blipFill>
+          <a:blip r:embed="rId4"/>
+          <a:stretch>
+            <a:fillRect/>
+          </a:stretch>
+        </p:blipFill>
+        <p:spPr>
+          <a:xfrm>
+            <a:off x="1197348" y="1439971"/>
+            <a:ext cx="9657967" cy="3780925"/>
+          </a:xfrm>
+          <a:prstGeom prst="rect">
+            <a:avLst/>
+          </a:prstGeom>
+        </p:spPr>
+      </p:pic>
+      <p:pic>
+        <p:nvPicPr>
+          <p:cNvPr id="8" name="Picture 7">
+            <a:extLst>
+              <a:ext uri="{FF2B5EF4-FFF2-40B4-BE49-F238E27FC236}">
+                <a16:creationId xmlns:a16="http://schemas.microsoft.com/office/drawing/2014/main" id="{33713105-CA6C-C1FD-3DFD-8BF20AC9ECE8}"/>
+              </a:ext>
+            </a:extLst>
+          </p:cNvPr>
+          <p:cNvPicPr>
+            <a:picLocks noChangeAspect="1"/>
+          </p:cNvPicPr>
+          <p:nvPr/>
+        </p:nvPicPr>
+        <p:blipFill>
+          <a:blip r:embed="rId5"/>
+          <a:stretch>
+            <a:fillRect/>
+          </a:stretch>
+        </p:blipFill>
+        <p:spPr>
+          <a:xfrm>
+            <a:off x="1197348" y="5171291"/>
+            <a:ext cx="9658917" cy="976923"/>
+          </a:xfrm>
+          <a:prstGeom prst="rect">
+            <a:avLst/>
+          </a:prstGeom>
+        </p:spPr>
+      </p:pic>
+      <p:sp>
+        <p:nvSpPr>
+          <p:cNvPr id="10" name="TextBox 9">
+            <a:extLst>
+              <a:ext uri="{FF2B5EF4-FFF2-40B4-BE49-F238E27FC236}">
+                <a16:creationId xmlns:a16="http://schemas.microsoft.com/office/drawing/2014/main" id="{4ABFBF21-EA02-7BA5-FCBA-C2CC37DF1348}"/>
+              </a:ext>
+            </a:extLst>
+          </p:cNvPr>
+          <p:cNvSpPr txBox="1"/>
+          <p:nvPr/>
+        </p:nvSpPr>
+        <p:spPr>
+          <a:xfrm>
+            <a:off x="4367429" y="6174302"/>
+            <a:ext cx="6487886" cy="307777"/>
+          </a:xfrm>
+          <a:prstGeom prst="rect">
+            <a:avLst/>
+          </a:prstGeom>
+          <a:noFill/>
+        </p:spPr>
+        <p:txBody>
+          <a:bodyPr wrap="square">
+            <a:spAutoFit/>
+          </a:bodyPr>
+          <a:lstStyle/>
+          <a:p>
+            <a:pPr marL="0" marR="0" algn="r">
+              <a:spcBef>
+                <a:spcPts val="0"/>
+              </a:spcBef>
+              <a:spcAft>
+                <a:spcPts val="0"/>
+              </a:spcAft>
+            </a:pPr>
+            <a:r>
+              <a:rPr lang="en-US" sz="1400" dirty="0">
+                <a:effectLst/>
+                <a:latin typeface="Times New Roman" panose="02020603050405020304" pitchFamily="18" charset="0"/>
+                <a:ea typeface="SimSun" panose="02010600030101010101" pitchFamily="2" charset="-122"/>
+              </a:rPr>
+              <a:t>*Evaluation metrics for predicted bitcoin prices</a:t>
+            </a:r>
+            <a:endParaRPr lang="en-IN" sz="4800" dirty="0">
+              <a:effectLst/>
+              <a:latin typeface="Times New Roman" panose="02020603050405020304" pitchFamily="18" charset="0"/>
+              <a:ea typeface="SimSun" panose="02010600030101010101" pitchFamily="2" charset="-122"/>
+            </a:endParaRPr>
+          </a:p>
+        </p:txBody>
+      </p:sp>
     </p:spTree>
-    <p:extLst>
-      <p:ext uri="{BB962C8B-B14F-4D97-AF65-F5344CB8AC3E}">
-        <p14:creationId xmlns:p14="http://schemas.microsoft.com/office/powerpoint/2010/main" val="961387453"/>
-      </p:ext>
-    </p:extLst>
   </p:cSld>
   <p:clrMapOvr>
     <a:masterClrMapping/>

--- a/docs/Rapid.pptx
+++ b/docs/Rapid.pptx
@@ -221,7 +221,7 @@
             <a:fld id="{10D9A069-C8CE-470D-8C3F-50F4F7270C2E}" type="datetimeFigureOut">
               <a:rPr lang="en-IN" smtClean="0"/>
               <a:pPr/>
-              <a:t>13-07-2024</a:t>
+              <a:t>14-07-2024</a:t>
             </a:fld>
             <a:endParaRPr lang="en-IN"/>
           </a:p>
@@ -674,7 +674,7 @@
                 </a:solidFill>
               </a:rPr>
               <a:pPr/>
-              <a:t>13-07-2024</a:t>
+              <a:t>14-07-2024</a:t>
             </a:fld>
             <a:endParaRPr lang="en-IN">
               <a:solidFill>
@@ -952,7 +952,7 @@
                 </a:solidFill>
               </a:rPr>
               <a:pPr/>
-              <a:t>13-07-2024</a:t>
+              <a:t>14-07-2024</a:t>
             </a:fld>
             <a:endParaRPr lang="en-IN">
               <a:solidFill>
@@ -1158,7 +1158,7 @@
                 </a:solidFill>
               </a:rPr>
               <a:pPr/>
-              <a:t>13-07-2024</a:t>
+              <a:t>14-07-2024</a:t>
             </a:fld>
             <a:endParaRPr lang="en-IN">
               <a:solidFill>
@@ -1303,7 +1303,7 @@
                 </a:solidFill>
               </a:rPr>
               <a:pPr/>
-              <a:t>13-07-2024</a:t>
+              <a:t>14-07-2024</a:t>
             </a:fld>
             <a:endParaRPr lang="en-IN">
               <a:solidFill>
@@ -1447,7 +1447,7 @@
                 </a:solidFill>
               </a:rPr>
               <a:pPr/>
-              <a:t>13-07-2024</a:t>
+              <a:t>14-07-2024</a:t>
             </a:fld>
             <a:endParaRPr lang="en-IN">
               <a:solidFill>
@@ -1642,7 +1642,7 @@
                 </a:solidFill>
               </a:rPr>
               <a:pPr/>
-              <a:t>13-07-2024</a:t>
+              <a:t>14-07-2024</a:t>
             </a:fld>
             <a:endParaRPr lang="en-IN">
               <a:solidFill>
@@ -1861,7 +1861,7 @@
                 </a:solidFill>
               </a:rPr>
               <a:pPr/>
-              <a:t>13-07-2024</a:t>
+              <a:t>14-07-2024</a:t>
             </a:fld>
             <a:endParaRPr lang="en-IN">
               <a:solidFill>
@@ -2118,7 +2118,7 @@
                 </a:solidFill>
               </a:rPr>
               <a:pPr/>
-              <a:t>13-07-2024</a:t>
+              <a:t>14-07-2024</a:t>
             </a:fld>
             <a:endParaRPr lang="en-IN">
               <a:solidFill>
@@ -2510,7 +2510,7 @@
                 </a:solidFill>
               </a:rPr>
               <a:pPr/>
-              <a:t>13-07-2024</a:t>
+              <a:t>14-07-2024</a:t>
             </a:fld>
             <a:endParaRPr lang="en-IN">
               <a:solidFill>
@@ -2655,7 +2655,7 @@
                 </a:solidFill>
               </a:rPr>
               <a:pPr/>
-              <a:t>13-07-2024</a:t>
+              <a:t>14-07-2024</a:t>
             </a:fld>
             <a:endParaRPr lang="en-IN">
               <a:solidFill>
@@ -2778,7 +2778,7 @@
                 </a:solidFill>
               </a:rPr>
               <a:pPr/>
-              <a:t>13-07-2024</a:t>
+              <a:t>14-07-2024</a:t>
             </a:fld>
             <a:endParaRPr lang="en-IN">
               <a:solidFill>
@@ -3081,7 +3081,7 @@
                 </a:solidFill>
               </a:rPr>
               <a:pPr/>
-              <a:t>13-07-2024</a:t>
+              <a:t>14-07-2024</a:t>
             </a:fld>
             <a:endParaRPr lang="en-IN">
               <a:solidFill>
@@ -3390,7 +3390,7 @@
                 </a:solidFill>
               </a:rPr>
               <a:pPr/>
-              <a:t>13-07-2024</a:t>
+              <a:t>14-07-2024</a:t>
             </a:fld>
             <a:endParaRPr lang="en-IN">
               <a:solidFill>
@@ -3692,7 +3692,7 @@
                 </a:solidFill>
               </a:rPr>
               <a:pPr/>
-              <a:t>13-07-2024</a:t>
+              <a:t>14-07-2024</a:t>
             </a:fld>
             <a:endParaRPr lang="en-IN">
               <a:solidFill>
@@ -5288,7 +5288,7 @@
         </p:blipFill>
         <p:spPr>
           <a:xfrm>
-            <a:off x="2909443" y="1305688"/>
+            <a:off x="2909442" y="1218970"/>
             <a:ext cx="6373114" cy="5039428"/>
           </a:xfrm>
           <a:prstGeom prst="rect">
@@ -5646,7 +5646,7 @@
         </p:nvSpPr>
         <p:spPr>
           <a:xfrm>
-            <a:off x="1239904" y="107078"/>
+            <a:off x="1724564" y="132958"/>
             <a:ext cx="8742871" cy="3877985"/>
           </a:xfrm>
           <a:prstGeom prst="rect">
@@ -5700,7 +5700,13 @@
             </a:r>
             <a:r>
               <a:rPr lang="en-US" dirty="0"/>
-              <a:t>: Cryptocurrencies are digital or virtual currencies that use cryptography for security. Bitcoin, Ethereum, and other cryptocurrencies have gained significant attention and value in the financial markets.</a:t>
+              <a:t>: Cryptocurrencies are digital or virtual </a:t>
+            </a:r>
+          </a:p>
+          <a:p>
+            <a:r>
+              <a:rPr lang="en-US" dirty="0"/>
+              <a:t>currencies that use cryptography for security. Bitcoin, Ethereum, and other cryptocurrencies have gained significant attention and value in the financial markets.</a:t>
             </a:r>
           </a:p>
           <a:p>
@@ -6159,8 +6165,8 @@
         </p:nvSpPr>
         <p:spPr>
           <a:xfrm>
-            <a:off x="2248589" y="997786"/>
-            <a:ext cx="8316686" cy="523220"/>
+            <a:off x="2641323" y="709515"/>
+            <a:ext cx="7111071" cy="523220"/>
           </a:xfrm>
           <a:prstGeom prst="rect">
             <a:avLst/>
@@ -6211,7 +6217,7 @@
         </p:nvSpPr>
         <p:spPr>
           <a:xfrm>
-            <a:off x="1105589" y="1778138"/>
+            <a:off x="1105587" y="1462073"/>
             <a:ext cx="10182541" cy="400110"/>
           </a:xfrm>
           <a:prstGeom prst="rect">
@@ -6255,7 +6261,7 @@
         </p:nvSpPr>
         <p:spPr>
           <a:xfrm>
-            <a:off x="814835" y="2592113"/>
+            <a:off x="895514" y="2402332"/>
             <a:ext cx="10602685" cy="3416320"/>
           </a:xfrm>
           <a:prstGeom prst="rect">
@@ -6496,10 +6502,10 @@
       </p:sp>
       <p:pic>
         <p:nvPicPr>
-          <p:cNvPr id="10" name="Picture 9">
+          <p:cNvPr id="4" name="Picture 3">
             <a:extLst>
               <a:ext uri="{FF2B5EF4-FFF2-40B4-BE49-F238E27FC236}">
-                <a16:creationId xmlns:a16="http://schemas.microsoft.com/office/drawing/2014/main" id="{A747D625-3D3C-6D0A-C1D2-671E960DFF99}"/>
+                <a16:creationId xmlns:a16="http://schemas.microsoft.com/office/drawing/2014/main" id="{7644020B-CAD7-F46E-0EE8-6C6833D48750}"/>
               </a:ext>
             </a:extLst>
           </p:cNvPr>
@@ -6516,8 +6522,8 @@
         </p:blipFill>
         <p:spPr>
           <a:xfrm>
-            <a:off x="247649" y="1800673"/>
-            <a:ext cx="11696700" cy="4476750"/>
+            <a:off x="431321" y="1852265"/>
+            <a:ext cx="11329358" cy="4445808"/>
           </a:xfrm>
           <a:prstGeom prst="rect">
             <a:avLst/>
@@ -7016,7 +7022,7 @@
         </p:nvSpPr>
         <p:spPr>
           <a:xfrm>
-            <a:off x="932469" y="1501969"/>
+            <a:off x="879234" y="1060100"/>
             <a:ext cx="4711337" cy="461665"/>
           </a:xfrm>
           <a:prstGeom prst="rect">
@@ -7060,8 +7066,8 @@
         </p:nvSpPr>
         <p:spPr>
           <a:xfrm>
-            <a:off x="306105" y="2117311"/>
-            <a:ext cx="5964066" cy="4370427"/>
+            <a:off x="420624" y="1521764"/>
+            <a:ext cx="5964066" cy="5262979"/>
           </a:xfrm>
           <a:prstGeom prst="rect">
             <a:avLst/>
@@ -7131,6 +7137,28 @@
                 <a:ea typeface="SimSun" panose="02010600030101010101" pitchFamily="2" charset="-122"/>
               </a:rPr>
               <a:t>A simpler and computationally efficient alternative to LSTM.</a:t>
+            </a:r>
+          </a:p>
+          <a:p>
+            <a:endParaRPr lang="en-US" sz="1600" spc="-5" dirty="0">
+              <a:latin typeface="Times New Roman" panose="02020603050405020304" pitchFamily="18" charset="0"/>
+              <a:ea typeface="SimSun" panose="02010600030101010101" pitchFamily="2" charset="-122"/>
+            </a:endParaRPr>
+          </a:p>
+          <a:p>
+            <a:r>
+              <a:rPr lang="en-US" sz="1600" b="1" spc="-5" dirty="0">
+                <a:latin typeface="Times New Roman" panose="02020603050405020304" pitchFamily="18" charset="0"/>
+                <a:ea typeface="SimSun" panose="02010600030101010101" pitchFamily="2" charset="-122"/>
+              </a:rPr>
+              <a:t>Random Forest Model: </a:t>
+            </a:r>
+            <a:r>
+              <a:rPr lang="en-US" sz="1600" spc="-5" dirty="0">
+                <a:latin typeface="Times New Roman" panose="02020603050405020304" pitchFamily="18" charset="0"/>
+                <a:ea typeface="SimSun" panose="02010600030101010101" pitchFamily="2" charset="-122"/>
+              </a:rPr>
+              <a:t>Random Forest is an ensemble learning method that constructs multiple decision trees during training and outputs the average prediction of individual trees</a:t>
             </a:r>
           </a:p>
           <a:p>
@@ -7202,7 +7230,7 @@
         </p:nvSpPr>
         <p:spPr>
           <a:xfrm>
-            <a:off x="3740331" y="493899"/>
+            <a:off x="3740331" y="353860"/>
             <a:ext cx="4711337" cy="523220"/>
           </a:xfrm>
           <a:prstGeom prst="rect">
@@ -7246,7 +7274,7 @@
         </p:nvSpPr>
         <p:spPr>
           <a:xfrm>
-            <a:off x="6601431" y="1461048"/>
+            <a:off x="6601431" y="1060099"/>
             <a:ext cx="4711337" cy="461665"/>
           </a:xfrm>
           <a:prstGeom prst="rect">
@@ -7290,7 +7318,7 @@
         </p:nvSpPr>
         <p:spPr>
           <a:xfrm>
-            <a:off x="6605937" y="2126377"/>
+            <a:off x="6605937" y="1981472"/>
             <a:ext cx="5146447" cy="3816429"/>
           </a:xfrm>
           <a:prstGeom prst="rect">
@@ -7425,7 +7453,7 @@
                 <a:tab pos="457200" algn="l"/>
               </a:tabLst>
             </a:pPr>
-            <a:endParaRPr lang="en-IN" sz="1800" dirty="0">
+            <a:endParaRPr lang="en-IN" dirty="0">
               <a:effectLst/>
               <a:latin typeface="Times New Roman" panose="02020603050405020304" pitchFamily="18" charset="0"/>
               <a:ea typeface="SimSun" panose="02010600030101010101" pitchFamily="2" charset="-122"/>
@@ -7890,7 +7918,7 @@
         </p:nvSpPr>
         <p:spPr>
           <a:xfrm>
-            <a:off x="1225219" y="3194450"/>
+            <a:off x="1583774" y="3192449"/>
             <a:ext cx="2850577" cy="338554"/>
           </a:xfrm>
           <a:prstGeom prst="rect">
@@ -8000,7 +8028,7 @@
         </p:nvSpPr>
         <p:spPr>
           <a:xfrm>
-            <a:off x="6976620" y="4213945"/>
+            <a:off x="7403934" y="4156448"/>
             <a:ext cx="2710214" cy="338554"/>
           </a:xfrm>
           <a:prstGeom prst="rect">

--- a/docs/Rapid.pptx
+++ b/docs/Rapid.pptx
@@ -5,7 +5,7 @@
     <p:sldMasterId id="2147483648" r:id="rId1"/>
   </p:sldMasterIdLst>
   <p:notesMasterIdLst>
-    <p:notesMasterId r:id="rId15"/>
+    <p:notesMasterId r:id="rId16"/>
   </p:notesMasterIdLst>
   <p:sldIdLst>
     <p:sldId id="269" r:id="rId2"/>
@@ -16,11 +16,12 @@
     <p:sldId id="495" r:id="rId7"/>
     <p:sldId id="494" r:id="rId8"/>
     <p:sldId id="501" r:id="rId9"/>
-    <p:sldId id="485" r:id="rId10"/>
-    <p:sldId id="502" r:id="rId11"/>
-    <p:sldId id="497" r:id="rId12"/>
-    <p:sldId id="496" r:id="rId13"/>
-    <p:sldId id="466" r:id="rId14"/>
+    <p:sldId id="503" r:id="rId10"/>
+    <p:sldId id="485" r:id="rId11"/>
+    <p:sldId id="502" r:id="rId12"/>
+    <p:sldId id="497" r:id="rId13"/>
+    <p:sldId id="496" r:id="rId14"/>
+    <p:sldId id="466" r:id="rId15"/>
   </p:sldIdLst>
   <p:sldSz cx="12192000" cy="6858000"/>
   <p:notesSz cx="6858000" cy="9144000"/>
@@ -221,7 +222,7 @@
             <a:fld id="{10D9A069-C8CE-470D-8C3F-50F4F7270C2E}" type="datetimeFigureOut">
               <a:rPr lang="en-IN" smtClean="0"/>
               <a:pPr/>
-              <a:t>14-07-2024</a:t>
+              <a:t>19-07-2024</a:t>
             </a:fld>
             <a:endParaRPr lang="en-IN"/>
           </a:p>
@@ -674,7 +675,7 @@
                 </a:solidFill>
               </a:rPr>
               <a:pPr/>
-              <a:t>14-07-2024</a:t>
+              <a:t>19-07-2024</a:t>
             </a:fld>
             <a:endParaRPr lang="en-IN">
               <a:solidFill>
@@ -952,7 +953,7 @@
                 </a:solidFill>
               </a:rPr>
               <a:pPr/>
-              <a:t>14-07-2024</a:t>
+              <a:t>19-07-2024</a:t>
             </a:fld>
             <a:endParaRPr lang="en-IN">
               <a:solidFill>
@@ -1158,7 +1159,7 @@
                 </a:solidFill>
               </a:rPr>
               <a:pPr/>
-              <a:t>14-07-2024</a:t>
+              <a:t>19-07-2024</a:t>
             </a:fld>
             <a:endParaRPr lang="en-IN">
               <a:solidFill>
@@ -1303,7 +1304,7 @@
                 </a:solidFill>
               </a:rPr>
               <a:pPr/>
-              <a:t>14-07-2024</a:t>
+              <a:t>19-07-2024</a:t>
             </a:fld>
             <a:endParaRPr lang="en-IN">
               <a:solidFill>
@@ -1447,7 +1448,7 @@
                 </a:solidFill>
               </a:rPr>
               <a:pPr/>
-              <a:t>14-07-2024</a:t>
+              <a:t>19-07-2024</a:t>
             </a:fld>
             <a:endParaRPr lang="en-IN">
               <a:solidFill>
@@ -1642,7 +1643,7 @@
                 </a:solidFill>
               </a:rPr>
               <a:pPr/>
-              <a:t>14-07-2024</a:t>
+              <a:t>19-07-2024</a:t>
             </a:fld>
             <a:endParaRPr lang="en-IN">
               <a:solidFill>
@@ -1861,7 +1862,7 @@
                 </a:solidFill>
               </a:rPr>
               <a:pPr/>
-              <a:t>14-07-2024</a:t>
+              <a:t>19-07-2024</a:t>
             </a:fld>
             <a:endParaRPr lang="en-IN">
               <a:solidFill>
@@ -2118,7 +2119,7 @@
                 </a:solidFill>
               </a:rPr>
               <a:pPr/>
-              <a:t>14-07-2024</a:t>
+              <a:t>19-07-2024</a:t>
             </a:fld>
             <a:endParaRPr lang="en-IN">
               <a:solidFill>
@@ -2510,7 +2511,7 @@
                 </a:solidFill>
               </a:rPr>
               <a:pPr/>
-              <a:t>14-07-2024</a:t>
+              <a:t>19-07-2024</a:t>
             </a:fld>
             <a:endParaRPr lang="en-IN">
               <a:solidFill>
@@ -2655,7 +2656,7 @@
                 </a:solidFill>
               </a:rPr>
               <a:pPr/>
-              <a:t>14-07-2024</a:t>
+              <a:t>19-07-2024</a:t>
             </a:fld>
             <a:endParaRPr lang="en-IN">
               <a:solidFill>
@@ -2778,7 +2779,7 @@
                 </a:solidFill>
               </a:rPr>
               <a:pPr/>
-              <a:t>14-07-2024</a:t>
+              <a:t>19-07-2024</a:t>
             </a:fld>
             <a:endParaRPr lang="en-IN">
               <a:solidFill>
@@ -3081,7 +3082,7 @@
                 </a:solidFill>
               </a:rPr>
               <a:pPr/>
-              <a:t>14-07-2024</a:t>
+              <a:t>19-07-2024</a:t>
             </a:fld>
             <a:endParaRPr lang="en-IN">
               <a:solidFill>
@@ -3390,7 +3391,7 @@
                 </a:solidFill>
               </a:rPr>
               <a:pPr/>
-              <a:t>14-07-2024</a:t>
+              <a:t>19-07-2024</a:t>
             </a:fld>
             <a:endParaRPr lang="en-IN">
               <a:solidFill>
@@ -3692,7 +3693,7 @@
                 </a:solidFill>
               </a:rPr>
               <a:pPr/>
-              <a:t>14-07-2024</a:t>
+              <a:t>19-07-2024</a:t>
             </a:fld>
             <a:endParaRPr lang="en-IN">
               <a:solidFill>
@@ -4874,10 +4875,10 @@
       </p:sp>
       <p:pic>
         <p:nvPicPr>
-          <p:cNvPr id="4" name="Picture 3">
+          <p:cNvPr id="6" name="Picture 5">
             <a:extLst>
               <a:ext uri="{FF2B5EF4-FFF2-40B4-BE49-F238E27FC236}">
-                <a16:creationId xmlns:a16="http://schemas.microsoft.com/office/drawing/2014/main" id="{404AE9C1-B77E-0375-494E-2D24AF615579}"/>
+                <a16:creationId xmlns:a16="http://schemas.microsoft.com/office/drawing/2014/main" id="{2FFB1191-F8E2-E6EC-88BE-FEFB6EBD809D}"/>
               </a:ext>
             </a:extLst>
           </p:cNvPr>
@@ -4894,8 +4895,8 @@
         </p:blipFill>
         <p:spPr>
           <a:xfrm>
-            <a:off x="1105988" y="1158358"/>
-            <a:ext cx="4571397" cy="5246640"/>
+            <a:off x="1197348" y="1439971"/>
+            <a:ext cx="9657967" cy="3780925"/>
           </a:xfrm>
           <a:prstGeom prst="rect">
             <a:avLst/>
@@ -4904,10 +4905,10 @@
       </p:pic>
       <p:pic>
         <p:nvPicPr>
-          <p:cNvPr id="7" name="Picture 6">
+          <p:cNvPr id="8" name="Picture 7">
             <a:extLst>
               <a:ext uri="{FF2B5EF4-FFF2-40B4-BE49-F238E27FC236}">
-                <a16:creationId xmlns:a16="http://schemas.microsoft.com/office/drawing/2014/main" id="{BDF2C398-CABB-FE99-AC29-5F836FD2AC24}"/>
+                <a16:creationId xmlns:a16="http://schemas.microsoft.com/office/drawing/2014/main" id="{33713105-CA6C-C1FD-3DFD-8BF20AC9ECE8}"/>
               </a:ext>
             </a:extLst>
           </p:cNvPr>
@@ -4924,20 +4925,67 @@
         </p:blipFill>
         <p:spPr>
           <a:xfrm>
-            <a:off x="6419124" y="1149341"/>
-            <a:ext cx="4370796" cy="5264673"/>
+            <a:off x="1197348" y="5171291"/>
+            <a:ext cx="9658917" cy="976923"/>
           </a:xfrm>
           <a:prstGeom prst="rect">
             <a:avLst/>
           </a:prstGeom>
         </p:spPr>
       </p:pic>
+      <p:sp>
+        <p:nvSpPr>
+          <p:cNvPr id="10" name="TextBox 9">
+            <a:extLst>
+              <a:ext uri="{FF2B5EF4-FFF2-40B4-BE49-F238E27FC236}">
+                <a16:creationId xmlns:a16="http://schemas.microsoft.com/office/drawing/2014/main" id="{4ABFBF21-EA02-7BA5-FCBA-C2CC37DF1348}"/>
+              </a:ext>
+            </a:extLst>
+          </p:cNvPr>
+          <p:cNvSpPr txBox="1"/>
+          <p:nvPr/>
+        </p:nvSpPr>
+        <p:spPr>
+          <a:xfrm>
+            <a:off x="4367429" y="6174302"/>
+            <a:ext cx="6487886" cy="307777"/>
+          </a:xfrm>
+          <a:prstGeom prst="rect">
+            <a:avLst/>
+          </a:prstGeom>
+          <a:noFill/>
+        </p:spPr>
+        <p:txBody>
+          <a:bodyPr wrap="square">
+            <a:spAutoFit/>
+          </a:bodyPr>
+          <a:lstStyle/>
+          <a:p>
+            <a:pPr marL="0" marR="0" algn="r">
+              <a:spcBef>
+                <a:spcPts val="0"/>
+              </a:spcBef>
+              <a:spcAft>
+                <a:spcPts val="0"/>
+              </a:spcAft>
+            </a:pPr>
+            <a:r>
+              <a:rPr lang="en-US" sz="1400" dirty="0">
+                <a:effectLst/>
+                <a:latin typeface="Times New Roman" panose="02020603050405020304" pitchFamily="18" charset="0"/>
+                <a:ea typeface="SimSun" panose="02010600030101010101" pitchFamily="2" charset="-122"/>
+              </a:rPr>
+              <a:t>*Evaluation metrics for predicted bitcoin prices</a:t>
+            </a:r>
+            <a:endParaRPr lang="en-IN" sz="4800" dirty="0">
+              <a:effectLst/>
+              <a:latin typeface="Times New Roman" panose="02020603050405020304" pitchFamily="18" charset="0"/>
+              <a:ea typeface="SimSun" panose="02010600030101010101" pitchFamily="2" charset="-122"/>
+            </a:endParaRPr>
+          </a:p>
+        </p:txBody>
+      </p:sp>
     </p:spTree>
-    <p:extLst>
-      <p:ext uri="{BB962C8B-B14F-4D97-AF65-F5344CB8AC3E}">
-        <p14:creationId xmlns:p14="http://schemas.microsoft.com/office/powerpoint/2010/main" val="1369322916"/>
-      </p:ext>
-    </p:extLst>
   </p:cSld>
   <p:clrMapOvr>
     <a:masterClrMapping/>
@@ -5023,7 +5071,7 @@
         </p:blipFill>
         <p:spPr>
           <a:xfrm>
-            <a:off x="352305" y="267729"/>
+            <a:off x="0" y="170688"/>
             <a:ext cx="841248" cy="976923"/>
           </a:xfrm>
           <a:prstGeom prst="rect">
@@ -5047,7 +5095,7 @@
         </p:blipFill>
         <p:spPr bwMode="auto">
           <a:xfrm>
-            <a:off x="10871493" y="324950"/>
+            <a:off x="11312768" y="0"/>
             <a:ext cx="879232" cy="1025768"/>
           </a:xfrm>
           <a:prstGeom prst="rect">
@@ -5064,10 +5112,10 @@
       </p:pic>
       <p:sp>
         <p:nvSpPr>
-          <p:cNvPr id="2" name="TextBox 1">
+          <p:cNvPr id="3" name="TextBox 2">
             <a:extLst>
               <a:ext uri="{FF2B5EF4-FFF2-40B4-BE49-F238E27FC236}">
-                <a16:creationId xmlns:a16="http://schemas.microsoft.com/office/drawing/2014/main" id="{F1033FDF-FF26-FA2C-1F38-5DEEA6433723}"/>
+                <a16:creationId xmlns:a16="http://schemas.microsoft.com/office/drawing/2014/main" id="{AC51CC9D-455A-9899-CC5F-78B71DFCAC01}"/>
               </a:ext>
             </a:extLst>
           </p:cNvPr>
@@ -5076,7 +5124,7 @@
         </p:nvSpPr>
         <p:spPr>
           <a:xfrm>
-            <a:off x="3676854" y="494580"/>
+            <a:off x="3740330" y="453002"/>
             <a:ext cx="4711337" cy="523220"/>
           </a:xfrm>
           <a:prstGeom prst="rect">
@@ -5101,17 +5149,17 @@
                 </a:highlight>
                 <a:latin typeface="DM Serif Display" pitchFamily="2" charset="0"/>
               </a:rPr>
-              <a:t>Draft Paper Publications</a:t>
+              <a:t>Experimental Results</a:t>
             </a:r>
           </a:p>
         </p:txBody>
       </p:sp>
       <p:pic>
         <p:nvPicPr>
-          <p:cNvPr id="5" name="Picture 4">
+          <p:cNvPr id="4" name="Picture 3">
             <a:extLst>
               <a:ext uri="{FF2B5EF4-FFF2-40B4-BE49-F238E27FC236}">
-                <a16:creationId xmlns:a16="http://schemas.microsoft.com/office/drawing/2014/main" id="{8796834C-197B-4C63-242B-D4B1A0D612F3}"/>
+                <a16:creationId xmlns:a16="http://schemas.microsoft.com/office/drawing/2014/main" id="{404AE9C1-B77E-0375-494E-2D24AF615579}"/>
               </a:ext>
             </a:extLst>
           </p:cNvPr>
@@ -5128,8 +5176,38 @@
         </p:blipFill>
         <p:spPr>
           <a:xfrm>
-            <a:off x="1193553" y="1410729"/>
-            <a:ext cx="9344297" cy="4859307"/>
+            <a:off x="1105988" y="1158358"/>
+            <a:ext cx="4571397" cy="5246640"/>
+          </a:xfrm>
+          <a:prstGeom prst="rect">
+            <a:avLst/>
+          </a:prstGeom>
+        </p:spPr>
+      </p:pic>
+      <p:pic>
+        <p:nvPicPr>
+          <p:cNvPr id="7" name="Picture 6">
+            <a:extLst>
+              <a:ext uri="{FF2B5EF4-FFF2-40B4-BE49-F238E27FC236}">
+                <a16:creationId xmlns:a16="http://schemas.microsoft.com/office/drawing/2014/main" id="{BDF2C398-CABB-FE99-AC29-5F836FD2AC24}"/>
+              </a:ext>
+            </a:extLst>
+          </p:cNvPr>
+          <p:cNvPicPr>
+            <a:picLocks noChangeAspect="1"/>
+          </p:cNvPicPr>
+          <p:nvPr/>
+        </p:nvPicPr>
+        <p:blipFill>
+          <a:blip r:embed="rId5"/>
+          <a:stretch>
+            <a:fillRect/>
+          </a:stretch>
+        </p:blipFill>
+        <p:spPr>
+          <a:xfrm>
+            <a:off x="6419124" y="1149341"/>
+            <a:ext cx="4370796" cy="5264673"/>
           </a:xfrm>
           <a:prstGeom prst="rect">
             <a:avLst/>
@@ -5139,7 +5217,7 @@
     </p:spTree>
     <p:extLst>
       <p:ext uri="{BB962C8B-B14F-4D97-AF65-F5344CB8AC3E}">
-        <p14:creationId xmlns:p14="http://schemas.microsoft.com/office/powerpoint/2010/main" val="961387453"/>
+        <p14:creationId xmlns:p14="http://schemas.microsoft.com/office/powerpoint/2010/main" val="1369322916"/>
       </p:ext>
     </p:extLst>
   </p:cSld>
@@ -5227,6 +5305,210 @@
         </p:blipFill>
         <p:spPr>
           <a:xfrm>
+            <a:off x="352305" y="267729"/>
+            <a:ext cx="841248" cy="976923"/>
+          </a:xfrm>
+          <a:prstGeom prst="rect">
+            <a:avLst/>
+          </a:prstGeom>
+          <a:noFill/>
+        </p:spPr>
+      </p:pic>
+      <p:pic>
+        <p:nvPicPr>
+          <p:cNvPr id="14" name="Picture 13"/>
+          <p:cNvPicPr/>
+          <p:nvPr/>
+        </p:nvPicPr>
+        <p:blipFill>
+          <a:blip r:embed="rId3"/>
+          <a:srcRect/>
+          <a:stretch>
+            <a:fillRect/>
+          </a:stretch>
+        </p:blipFill>
+        <p:spPr bwMode="auto">
+          <a:xfrm>
+            <a:off x="10871493" y="324950"/>
+            <a:ext cx="879232" cy="1025768"/>
+          </a:xfrm>
+          <a:prstGeom prst="rect">
+            <a:avLst/>
+          </a:prstGeom>
+          <a:noFill/>
+          <a:ln w="9525">
+            <a:noFill/>
+            <a:miter lim="800000"/>
+            <a:headEnd/>
+            <a:tailEnd/>
+          </a:ln>
+        </p:spPr>
+      </p:pic>
+      <p:sp>
+        <p:nvSpPr>
+          <p:cNvPr id="2" name="TextBox 1">
+            <a:extLst>
+              <a:ext uri="{FF2B5EF4-FFF2-40B4-BE49-F238E27FC236}">
+                <a16:creationId xmlns:a16="http://schemas.microsoft.com/office/drawing/2014/main" id="{F1033FDF-FF26-FA2C-1F38-5DEEA6433723}"/>
+              </a:ext>
+            </a:extLst>
+          </p:cNvPr>
+          <p:cNvSpPr txBox="1"/>
+          <p:nvPr/>
+        </p:nvSpPr>
+        <p:spPr>
+          <a:xfrm>
+            <a:off x="3676854" y="494580"/>
+            <a:ext cx="4711337" cy="523220"/>
+          </a:xfrm>
+          <a:prstGeom prst="rect">
+            <a:avLst/>
+          </a:prstGeom>
+          <a:noFill/>
+        </p:spPr>
+        <p:txBody>
+          <a:bodyPr wrap="square" rtlCol="0">
+            <a:spAutoFit/>
+          </a:bodyPr>
+          <a:lstStyle/>
+          <a:p>
+            <a:pPr algn="ctr"/>
+            <a:r>
+              <a:rPr lang="en-US" sz="2800" dirty="0">
+                <a:solidFill>
+                  <a:srgbClr val="161723"/>
+                </a:solidFill>
+                <a:highlight>
+                  <a:srgbClr val="FFFFFF"/>
+                </a:highlight>
+                <a:latin typeface="DM Serif Display" pitchFamily="2" charset="0"/>
+              </a:rPr>
+              <a:t>Draft Paper Publications</a:t>
+            </a:r>
+          </a:p>
+        </p:txBody>
+      </p:sp>
+      <p:pic>
+        <p:nvPicPr>
+          <p:cNvPr id="5" name="Picture 4">
+            <a:extLst>
+              <a:ext uri="{FF2B5EF4-FFF2-40B4-BE49-F238E27FC236}">
+                <a16:creationId xmlns:a16="http://schemas.microsoft.com/office/drawing/2014/main" id="{8796834C-197B-4C63-242B-D4B1A0D612F3}"/>
+              </a:ext>
+            </a:extLst>
+          </p:cNvPr>
+          <p:cNvPicPr>
+            <a:picLocks noChangeAspect="1"/>
+          </p:cNvPicPr>
+          <p:nvPr/>
+        </p:nvPicPr>
+        <p:blipFill>
+          <a:blip r:embed="rId4"/>
+          <a:stretch>
+            <a:fillRect/>
+          </a:stretch>
+        </p:blipFill>
+        <p:spPr>
+          <a:xfrm>
+            <a:off x="1193553" y="1410729"/>
+            <a:ext cx="9344297" cy="4859307"/>
+          </a:xfrm>
+          <a:prstGeom prst="rect">
+            <a:avLst/>
+          </a:prstGeom>
+        </p:spPr>
+      </p:pic>
+    </p:spTree>
+    <p:extLst>
+      <p:ext uri="{BB962C8B-B14F-4D97-AF65-F5344CB8AC3E}">
+        <p14:creationId xmlns:p14="http://schemas.microsoft.com/office/powerpoint/2010/main" val="961387453"/>
+      </p:ext>
+    </p:extLst>
+  </p:cSld>
+  <p:clrMapOvr>
+    <a:masterClrMapping/>
+  </p:clrMapOvr>
+</p:sld>
+</file>
+
+<file path=ppt/slides/slide13.xml><?xml version="1.0" encoding="utf-8"?>
+<p:sld xmlns:a="http://schemas.openxmlformats.org/drawingml/2006/main" xmlns:r="http://schemas.openxmlformats.org/officeDocument/2006/relationships" xmlns:p="http://schemas.openxmlformats.org/presentationml/2006/main">
+  <p:cSld>
+    <p:spTree>
+      <p:nvGrpSpPr>
+        <p:cNvPr id="1" name=""/>
+        <p:cNvGrpSpPr/>
+        <p:nvPr/>
+      </p:nvGrpSpPr>
+      <p:grpSpPr>
+        <a:xfrm>
+          <a:off x="0" y="0"/>
+          <a:ext cx="0" cy="0"/>
+          <a:chOff x="0" y="0"/>
+          <a:chExt cx="0" cy="0"/>
+        </a:xfrm>
+      </p:grpSpPr>
+      <p:sp>
+        <p:nvSpPr>
+          <p:cNvPr id="52" name="Title 6"/>
+          <p:cNvSpPr txBox="1"/>
+          <p:nvPr/>
+        </p:nvSpPr>
+        <p:spPr>
+          <a:xfrm>
+            <a:off x="772929" y="-10747"/>
+            <a:ext cx="12192000" cy="1143000"/>
+          </a:xfrm>
+          <a:prstGeom prst="rect">
+            <a:avLst/>
+          </a:prstGeom>
+        </p:spPr>
+        <p:txBody>
+          <a:bodyPr vert="horz" lIns="121920" tIns="60960" rIns="121920" bIns="60960" rtlCol="0" anchor="ctr">
+            <a:noAutofit/>
+          </a:bodyPr>
+          <a:lstStyle/>
+          <a:p>
+            <a:pPr algn="ctr">
+              <a:spcBef>
+                <a:spcPct val="0"/>
+              </a:spcBef>
+            </a:pPr>
+            <a:r>
+              <a:rPr lang="en-IN" sz="3200" b="1" dirty="0">
+                <a:solidFill>
+                  <a:srgbClr val="C00000"/>
+                </a:solidFill>
+                <a:latin typeface="Segoe UI" panose="020B0502040204020203" pitchFamily="34" charset="0"/>
+                <a:cs typeface="Segoe UI" panose="020B0502040204020203" pitchFamily="34" charset="0"/>
+              </a:rPr>
+              <a:t> </a:t>
+            </a:r>
+            <a:endParaRPr lang="en-IN" sz="3200" b="1" dirty="0">
+              <a:solidFill>
+                <a:srgbClr val="C00000"/>
+              </a:solidFill>
+              <a:latin typeface="Segoe UI" panose="020B0502040204020203" pitchFamily="34" charset="0"/>
+              <a:ea typeface="+mj-ea"/>
+              <a:cs typeface="Segoe UI" panose="020B0502040204020203" pitchFamily="34" charset="0"/>
+            </a:endParaRPr>
+          </a:p>
+        </p:txBody>
+      </p:sp>
+      <p:pic>
+        <p:nvPicPr>
+          <p:cNvPr id="13" name="image1.png"/>
+          <p:cNvPicPr preferRelativeResize="0"/>
+          <p:nvPr/>
+        </p:nvPicPr>
+        <p:blipFill>
+          <a:blip r:embed="rId2" cstate="print"/>
+          <a:stretch>
+            <a:fillRect/>
+          </a:stretch>
+        </p:blipFill>
+        <p:spPr>
+          <a:xfrm>
             <a:off x="269965" y="242047"/>
             <a:ext cx="841248" cy="976923"/>
           </a:xfrm>
@@ -5353,7 +5635,7 @@
 </p:sld>
 </file>
 
-<file path=ppt/slides/slide13.xml><?xml version="1.0" encoding="utf-8"?>
+<file path=ppt/slides/slide14.xml><?xml version="1.0" encoding="utf-8"?>
 <p:sld xmlns:a="http://schemas.openxmlformats.org/drawingml/2006/main" xmlns:r="http://schemas.openxmlformats.org/officeDocument/2006/relationships" xmlns:p="http://schemas.openxmlformats.org/presentationml/2006/main">
   <p:cSld>
     <p:spTree>
@@ -7491,66 +7773,6 @@
           <a:chExt cx="0" cy="0"/>
         </a:xfrm>
       </p:grpSpPr>
-      <p:pic>
-        <p:nvPicPr>
-          <p:cNvPr id="3080" name="Picture 8">
-            <a:extLst>
-              <a:ext uri="{FF2B5EF4-FFF2-40B4-BE49-F238E27FC236}">
-                <a16:creationId xmlns:a16="http://schemas.microsoft.com/office/drawing/2014/main" id="{2CAC4BA1-DE03-BABD-A46D-7AD9CC16E124}"/>
-              </a:ext>
-            </a:extLst>
-          </p:cNvPr>
-          <p:cNvPicPr>
-            <a:picLocks noChangeAspect="1" noChangeArrowheads="1"/>
-          </p:cNvPicPr>
-          <p:nvPr/>
-        </p:nvPicPr>
-        <p:blipFill>
-          <a:blip r:embed="rId2" cstate="print">
-            <a:extLst>
-              <a:ext uri="{28A0092B-C50C-407E-A947-70E740481C1C}">
-                <a14:useLocalDpi xmlns:a14="http://schemas.microsoft.com/office/drawing/2010/main" val="0"/>
-              </a:ext>
-            </a:extLst>
-          </a:blip>
-          <a:srcRect/>
-          <a:stretch>
-            <a:fillRect/>
-          </a:stretch>
-        </p:blipFill>
-        <p:spPr bwMode="auto">
-          <a:xfrm>
-            <a:off x="5518114" y="1132253"/>
-            <a:ext cx="4811565" cy="2389026"/>
-          </a:xfrm>
-          <a:prstGeom prst="rect">
-            <a:avLst/>
-          </a:prstGeom>
-          <a:noFill/>
-          <a:ln>
-            <a:noFill/>
-          </a:ln>
-          <a:extLst>
-            <a:ext uri="{909E8E84-426E-40DD-AFC4-6F175D3DCCD1}">
-              <a14:hiddenFill xmlns:a14="http://schemas.microsoft.com/office/drawing/2010/main">
-                <a:solidFill>
-                  <a:srgbClr val="FFFFFF"/>
-                </a:solidFill>
-              </a14:hiddenFill>
-            </a:ext>
-            <a:ext uri="{91240B29-F687-4F45-9708-019B960494DF}">
-              <a14:hiddenLine xmlns:a14="http://schemas.microsoft.com/office/drawing/2010/main" w="9525">
-                <a:solidFill>
-                  <a:srgbClr val="000000"/>
-                </a:solidFill>
-                <a:miter lim="800000"/>
-                <a:headEnd/>
-                <a:tailEnd/>
-              </a14:hiddenLine>
-            </a:ext>
-          </a:extLst>
-        </p:spPr>
-      </p:pic>
       <p:sp>
         <p:nvSpPr>
           <p:cNvPr id="52" name="Title 6"/>
@@ -7605,7 +7827,7 @@
           <p:nvPr/>
         </p:nvPicPr>
         <p:blipFill>
-          <a:blip r:embed="rId3" cstate="print"/>
+          <a:blip r:embed="rId2" cstate="print"/>
           <a:stretch>
             <a:fillRect/>
           </a:stretch>
@@ -7628,7 +7850,7 @@
           <p:nvPr/>
         </p:nvPicPr>
         <p:blipFill>
-          <a:blip r:embed="rId4"/>
+          <a:blip r:embed="rId3"/>
           <a:srcRect/>
           <a:stretch>
             <a:fillRect/>
@@ -7697,10 +7919,40 @@
       </p:sp>
       <p:pic>
         <p:nvPicPr>
-          <p:cNvPr id="9" name="Picture 8">
+          <p:cNvPr id="4" name="Picture 3">
             <a:extLst>
               <a:ext uri="{FF2B5EF4-FFF2-40B4-BE49-F238E27FC236}">
-                <a16:creationId xmlns:a16="http://schemas.microsoft.com/office/drawing/2014/main" id="{7621619F-39E3-6324-D926-894D2903FC90}"/>
+                <a16:creationId xmlns:a16="http://schemas.microsoft.com/office/drawing/2014/main" id="{AD42AA92-600A-FAD8-0A9A-F1CA40A07B6A}"/>
+              </a:ext>
+            </a:extLst>
+          </p:cNvPr>
+          <p:cNvPicPr>
+            <a:picLocks noChangeAspect="1"/>
+          </p:cNvPicPr>
+          <p:nvPr/>
+        </p:nvPicPr>
+        <p:blipFill>
+          <a:blip r:embed="rId4"/>
+          <a:stretch>
+            <a:fillRect/>
+          </a:stretch>
+        </p:blipFill>
+        <p:spPr>
+          <a:xfrm>
+            <a:off x="433377" y="2252379"/>
+            <a:ext cx="5027143" cy="2527808"/>
+          </a:xfrm>
+          <a:prstGeom prst="rect">
+            <a:avLst/>
+          </a:prstGeom>
+        </p:spPr>
+      </p:pic>
+      <p:pic>
+        <p:nvPicPr>
+          <p:cNvPr id="6" name="Picture 5">
+            <a:extLst>
+              <a:ext uri="{FF2B5EF4-FFF2-40B4-BE49-F238E27FC236}">
+                <a16:creationId xmlns:a16="http://schemas.microsoft.com/office/drawing/2014/main" id="{220A0989-A511-7573-D061-08B553797719}"/>
               </a:ext>
             </a:extLst>
           </p:cNvPr>
@@ -7711,205 +7963,25 @@
         </p:nvPicPr>
         <p:blipFill rotWithShape="1">
           <a:blip r:embed="rId5"/>
-          <a:srcRect r="41808"/>
+          <a:srcRect r="22440"/>
           <a:stretch/>
         </p:blipFill>
         <p:spPr>
           <a:xfrm>
-            <a:off x="6639664" y="4664279"/>
-            <a:ext cx="4238755" cy="1574411"/>
+            <a:off x="5998565" y="2029069"/>
+            <a:ext cx="5559911" cy="2974427"/>
           </a:xfrm>
           <a:prstGeom prst="rect">
             <a:avLst/>
           </a:prstGeom>
         </p:spPr>
       </p:pic>
-      <p:pic>
-        <p:nvPicPr>
-          <p:cNvPr id="3077" name="Picture 5">
+      <p:sp>
+        <p:nvSpPr>
+          <p:cNvPr id="10" name="TextBox 9">
             <a:extLst>
               <a:ext uri="{FF2B5EF4-FFF2-40B4-BE49-F238E27FC236}">
-                <a16:creationId xmlns:a16="http://schemas.microsoft.com/office/drawing/2014/main" id="{16F4AE1C-D898-019F-12BE-AD7EC817C098}"/>
-              </a:ext>
-            </a:extLst>
-          </p:cNvPr>
-          <p:cNvPicPr>
-            <a:picLocks noChangeAspect="1" noChangeArrowheads="1"/>
-          </p:cNvPicPr>
-          <p:nvPr/>
-        </p:nvPicPr>
-        <p:blipFill>
-          <a:blip r:embed="rId6">
-            <a:extLst>
-              <a:ext uri="{28A0092B-C50C-407E-A947-70E740481C1C}">
-                <a14:useLocalDpi xmlns:a14="http://schemas.microsoft.com/office/drawing/2010/main" val="0"/>
-              </a:ext>
-            </a:extLst>
-          </a:blip>
-          <a:srcRect l="1068"/>
-          <a:stretch>
-            <a:fillRect/>
-          </a:stretch>
-        </p:blipFill>
-        <p:spPr bwMode="auto">
-          <a:xfrm>
-            <a:off x="422083" y="1343718"/>
-            <a:ext cx="4747145" cy="1897872"/>
-          </a:xfrm>
-          <a:prstGeom prst="rect">
-            <a:avLst/>
-          </a:prstGeom>
-          <a:noFill/>
-          <a:ln>
-            <a:noFill/>
-          </a:ln>
-          <a:extLst>
-            <a:ext uri="{909E8E84-426E-40DD-AFC4-6F175D3DCCD1}">
-              <a14:hiddenFill xmlns:a14="http://schemas.microsoft.com/office/drawing/2010/main">
-                <a:solidFill>
-                  <a:srgbClr val="FFFFFF"/>
-                </a:solidFill>
-              </a14:hiddenFill>
-            </a:ext>
-            <a:ext uri="{91240B29-F687-4F45-9708-019B960494DF}">
-              <a14:hiddenLine xmlns:a14="http://schemas.microsoft.com/office/drawing/2010/main" w="9525">
-                <a:solidFill>
-                  <a:srgbClr val="000000"/>
-                </a:solidFill>
-                <a:miter lim="800000"/>
-                <a:headEnd/>
-                <a:tailEnd/>
-              </a14:hiddenLine>
-            </a:ext>
-          </a:extLst>
-        </p:spPr>
-      </p:pic>
-      <p:pic>
-        <p:nvPicPr>
-          <p:cNvPr id="3079" name="Picture 7">
-            <a:extLst>
-              <a:ext uri="{FF2B5EF4-FFF2-40B4-BE49-F238E27FC236}">
-                <a16:creationId xmlns:a16="http://schemas.microsoft.com/office/drawing/2014/main" id="{FB07C9B9-83B1-9AF0-01E2-F7CBA97BDEB8}"/>
-              </a:ext>
-            </a:extLst>
-          </p:cNvPr>
-          <p:cNvPicPr>
-            <a:picLocks noChangeAspect="1" noChangeArrowheads="1"/>
-          </p:cNvPicPr>
-          <p:nvPr/>
-        </p:nvPicPr>
-        <p:blipFill>
-          <a:blip r:embed="rId7" cstate="print">
-            <a:extLst>
-              <a:ext uri="{28A0092B-C50C-407E-A947-70E740481C1C}">
-                <a14:useLocalDpi xmlns:a14="http://schemas.microsoft.com/office/drawing/2010/main" val="0"/>
-              </a:ext>
-            </a:extLst>
-          </a:blip>
-          <a:srcRect/>
-          <a:stretch>
-            <a:fillRect/>
-          </a:stretch>
-        </p:blipFill>
-        <p:spPr bwMode="auto">
-          <a:xfrm>
-            <a:off x="6026989" y="1466296"/>
-            <a:ext cx="4609477" cy="2377301"/>
-          </a:xfrm>
-          <a:prstGeom prst="rect">
-            <a:avLst/>
-          </a:prstGeom>
-          <a:noFill/>
-          <a:ln>
-            <a:noFill/>
-          </a:ln>
-          <a:extLst>
-            <a:ext uri="{909E8E84-426E-40DD-AFC4-6F175D3DCCD1}">
-              <a14:hiddenFill xmlns:a14="http://schemas.microsoft.com/office/drawing/2010/main">
-                <a:solidFill>
-                  <a:srgbClr val="FFFFFF"/>
-                </a:solidFill>
-              </a14:hiddenFill>
-            </a:ext>
-            <a:ext uri="{91240B29-F687-4F45-9708-019B960494DF}">
-              <a14:hiddenLine xmlns:a14="http://schemas.microsoft.com/office/drawing/2010/main" w="9525">
-                <a:solidFill>
-                  <a:srgbClr val="000000"/>
-                </a:solidFill>
-                <a:miter lim="800000"/>
-                <a:headEnd/>
-                <a:tailEnd/>
-              </a14:hiddenLine>
-            </a:ext>
-          </a:extLst>
-        </p:spPr>
-      </p:pic>
-      <p:pic>
-        <p:nvPicPr>
-          <p:cNvPr id="3076" name="Picture 4">
-            <a:extLst>
-              <a:ext uri="{FF2B5EF4-FFF2-40B4-BE49-F238E27FC236}">
-                <a16:creationId xmlns:a16="http://schemas.microsoft.com/office/drawing/2014/main" id="{8AD6C791-8B48-B8BF-8B8B-58EE50140757}"/>
-              </a:ext>
-            </a:extLst>
-          </p:cNvPr>
-          <p:cNvPicPr>
-            <a:picLocks noChangeAspect="1" noChangeArrowheads="1"/>
-          </p:cNvPicPr>
-          <p:nvPr/>
-        </p:nvPicPr>
-        <p:blipFill>
-          <a:blip r:embed="rId8">
-            <a:extLst>
-              <a:ext uri="{28A0092B-C50C-407E-A947-70E740481C1C}">
-                <a14:useLocalDpi xmlns:a14="http://schemas.microsoft.com/office/drawing/2010/main" val="0"/>
-              </a:ext>
-            </a:extLst>
-          </a:blip>
-          <a:srcRect/>
-          <a:stretch>
-            <a:fillRect/>
-          </a:stretch>
-        </p:blipFill>
-        <p:spPr bwMode="auto">
-          <a:xfrm>
-            <a:off x="6697721" y="1921637"/>
-            <a:ext cx="4484325" cy="2256003"/>
-          </a:xfrm>
-          <a:prstGeom prst="rect">
-            <a:avLst/>
-          </a:prstGeom>
-          <a:noFill/>
-          <a:ln>
-            <a:noFill/>
-          </a:ln>
-          <a:extLst>
-            <a:ext uri="{909E8E84-426E-40DD-AFC4-6F175D3DCCD1}">
-              <a14:hiddenFill xmlns:a14="http://schemas.microsoft.com/office/drawing/2010/main">
-                <a:solidFill>
-                  <a:srgbClr val="FFFFFF"/>
-                </a:solidFill>
-              </a14:hiddenFill>
-            </a:ext>
-            <a:ext uri="{91240B29-F687-4F45-9708-019B960494DF}">
-              <a14:hiddenLine xmlns:a14="http://schemas.microsoft.com/office/drawing/2010/main" w="9525">
-                <a:solidFill>
-                  <a:srgbClr val="000000"/>
-                </a:solidFill>
-                <a:miter lim="800000"/>
-                <a:headEnd/>
-                <a:tailEnd/>
-              </a14:hiddenLine>
-            </a:ext>
-          </a:extLst>
-        </p:spPr>
-      </p:pic>
-      <p:sp>
-        <p:nvSpPr>
-          <p:cNvPr id="11" name="TextBox 10">
-            <a:extLst>
-              <a:ext uri="{FF2B5EF4-FFF2-40B4-BE49-F238E27FC236}">
-                <a16:creationId xmlns:a16="http://schemas.microsoft.com/office/drawing/2014/main" id="{B4C913BA-0449-9811-CF27-377B57FCCE04}"/>
+                <a16:creationId xmlns:a16="http://schemas.microsoft.com/office/drawing/2014/main" id="{0E6F465E-D474-90D4-F99C-1B9E41F61A72}"/>
               </a:ext>
             </a:extLst>
           </p:cNvPr>
@@ -7918,8 +7990,8 @@
         </p:nvSpPr>
         <p:spPr>
           <a:xfrm>
-            <a:off x="1583774" y="3192449"/>
-            <a:ext cx="2850577" cy="338554"/>
+            <a:off x="1880308" y="4680330"/>
+            <a:ext cx="2133280" cy="646331"/>
           </a:xfrm>
           <a:prstGeom prst="rect">
             <a:avLst/>
@@ -7932,54 +8004,28 @@
           </a:bodyPr>
           <a:lstStyle/>
           <a:p>
-            <a:r>
-              <a:rPr lang="en-US" sz="1600" dirty="0">
-                <a:effectLst/>
+            <a:endParaRPr lang="en-US" spc="-5" dirty="0">
+              <a:latin typeface="Times New Roman" panose="02020603050405020304" pitchFamily="18" charset="0"/>
+              <a:ea typeface="SimSun" panose="02010600030101010101" pitchFamily="2" charset="-122"/>
+            </a:endParaRPr>
+          </a:p>
+          <a:p>
+            <a:r>
+              <a:rPr lang="en-IN" spc="-5" dirty="0">
                 <a:latin typeface="Times New Roman" panose="02020603050405020304" pitchFamily="18" charset="0"/>
                 <a:ea typeface="SimSun" panose="02010600030101010101" pitchFamily="2" charset="-122"/>
               </a:rPr>
-              <a:t>Bitcoin Historical Prices Dataset</a:t>
-            </a:r>
-            <a:endParaRPr lang="en-IN" sz="1600" dirty="0"/>
-          </a:p>
-        </p:txBody>
-      </p:sp>
-      <p:pic>
-        <p:nvPicPr>
-          <p:cNvPr id="19" name="Picture 18">
+              <a:t>Website Homepage</a:t>
+            </a:r>
+          </a:p>
+        </p:txBody>
+      </p:sp>
+      <p:sp>
+        <p:nvSpPr>
+          <p:cNvPr id="15" name="TextBox 14">
             <a:extLst>
               <a:ext uri="{FF2B5EF4-FFF2-40B4-BE49-F238E27FC236}">
-                <a16:creationId xmlns:a16="http://schemas.microsoft.com/office/drawing/2014/main" id="{9B245A7C-BBEC-AD91-2497-5ADDFDBCC823}"/>
-              </a:ext>
-            </a:extLst>
-          </p:cNvPr>
-          <p:cNvPicPr>
-            <a:picLocks noChangeAspect="1"/>
-          </p:cNvPicPr>
-          <p:nvPr/>
-        </p:nvPicPr>
-        <p:blipFill>
-          <a:blip r:embed="rId9"/>
-          <a:stretch>
-            <a:fillRect/>
-          </a:stretch>
-        </p:blipFill>
-        <p:spPr>
-          <a:xfrm>
-            <a:off x="372217" y="3879281"/>
-            <a:ext cx="5273694" cy="1983974"/>
-          </a:xfrm>
-          <a:prstGeom prst="rect">
-            <a:avLst/>
-          </a:prstGeom>
-        </p:spPr>
-      </p:pic>
-      <p:sp>
-        <p:nvSpPr>
-          <p:cNvPr id="20" name="TextBox 19">
-            <a:extLst>
-              <a:ext uri="{FF2B5EF4-FFF2-40B4-BE49-F238E27FC236}">
-                <a16:creationId xmlns:a16="http://schemas.microsoft.com/office/drawing/2014/main" id="{AC3D13D7-9A68-E829-C89F-4D950B9C229A}"/>
+                <a16:creationId xmlns:a16="http://schemas.microsoft.com/office/drawing/2014/main" id="{3BE44CEA-A06A-BC71-4497-851C07E65114}"/>
               </a:ext>
             </a:extLst>
           </p:cNvPr>
@@ -7988,8 +8034,8 @@
         </p:nvSpPr>
         <p:spPr>
           <a:xfrm>
-            <a:off x="1953478" y="5824185"/>
-            <a:ext cx="2111171" cy="338554"/>
+            <a:off x="7303447" y="5112154"/>
+            <a:ext cx="3272538" cy="923330"/>
           </a:xfrm>
           <a:prstGeom prst="rect">
             <a:avLst/>
@@ -8002,93 +8048,14 @@
           </a:bodyPr>
           <a:lstStyle/>
           <a:p>
-            <a:r>
-              <a:rPr lang="en-US" sz="1600" dirty="0">
-                <a:effectLst/>
+            <a:pPr algn="ctr"/>
+            <a:r>
+              <a:rPr lang="en-US" spc="-5" dirty="0">
                 <a:latin typeface="Times New Roman" panose="02020603050405020304" pitchFamily="18" charset="0"/>
                 <a:ea typeface="SimSun" panose="02010600030101010101" pitchFamily="2" charset="-122"/>
               </a:rPr>
-              <a:t>Bitcoin Tweets Dataset</a:t>
-            </a:r>
-            <a:endParaRPr lang="en-IN" sz="1600" dirty="0"/>
-          </a:p>
-        </p:txBody>
-      </p:sp>
-      <p:sp>
-        <p:nvSpPr>
-          <p:cNvPr id="21" name="TextBox 20">
-            <a:extLst>
-              <a:ext uri="{FF2B5EF4-FFF2-40B4-BE49-F238E27FC236}">
-                <a16:creationId xmlns:a16="http://schemas.microsoft.com/office/drawing/2014/main" id="{FE5C919C-B9B8-213E-E83E-2F8C61FC4CD7}"/>
-              </a:ext>
-            </a:extLst>
-          </p:cNvPr>
-          <p:cNvSpPr txBox="1"/>
-          <p:nvPr/>
-        </p:nvSpPr>
-        <p:spPr>
-          <a:xfrm>
-            <a:off x="7403934" y="4156448"/>
-            <a:ext cx="2710214" cy="338554"/>
-          </a:xfrm>
-          <a:prstGeom prst="rect">
-            <a:avLst/>
-          </a:prstGeom>
-          <a:noFill/>
-        </p:spPr>
-        <p:txBody>
-          <a:bodyPr wrap="square">
-            <a:spAutoFit/>
-          </a:bodyPr>
-          <a:lstStyle/>
-          <a:p>
-            <a:r>
-              <a:rPr lang="en-US" sz="1600" dirty="0">
-                <a:latin typeface="Times New Roman" panose="02020603050405020304" pitchFamily="18" charset="0"/>
-                <a:ea typeface="SimSun" panose="02010600030101010101" pitchFamily="2" charset="-122"/>
-              </a:rPr>
-              <a:t>Training vs Test vs Predictions</a:t>
-            </a:r>
-            <a:endParaRPr lang="en-IN" sz="1600" dirty="0"/>
-          </a:p>
-        </p:txBody>
-      </p:sp>
-      <p:sp>
-        <p:nvSpPr>
-          <p:cNvPr id="22" name="TextBox 21">
-            <a:extLst>
-              <a:ext uri="{FF2B5EF4-FFF2-40B4-BE49-F238E27FC236}">
-                <a16:creationId xmlns:a16="http://schemas.microsoft.com/office/drawing/2014/main" id="{AC7ADBB4-8EBB-5ED3-86E4-AE751A854AD7}"/>
-              </a:ext>
-            </a:extLst>
-          </p:cNvPr>
-          <p:cNvSpPr txBox="1"/>
-          <p:nvPr/>
-        </p:nvSpPr>
-        <p:spPr>
-          <a:xfrm>
-            <a:off x="7857509" y="6238690"/>
-            <a:ext cx="1803064" cy="338554"/>
-          </a:xfrm>
-          <a:prstGeom prst="rect">
-            <a:avLst/>
-          </a:prstGeom>
-          <a:noFill/>
-        </p:spPr>
-        <p:txBody>
-          <a:bodyPr wrap="square">
-            <a:spAutoFit/>
-          </a:bodyPr>
-          <a:lstStyle/>
-          <a:p>
-            <a:r>
-              <a:rPr lang="en-US" sz="1600" dirty="0">
-                <a:latin typeface="Times New Roman" panose="02020603050405020304" pitchFamily="18" charset="0"/>
-                <a:ea typeface="SimSun" panose="02010600030101010101" pitchFamily="2" charset="-122"/>
-              </a:rPr>
-              <a:t>Evaluation Metrics</a:t>
-            </a:r>
-            <a:endParaRPr lang="en-IN" sz="1600" dirty="0"/>
+              <a:t>Price Prediction page: Choice of Cryptocurrency, ML model and Price data upload</a:t>
+            </a:r>
           </a:p>
         </p:txBody>
       </p:sp>
@@ -8183,7 +8150,7 @@
         </p:blipFill>
         <p:spPr>
           <a:xfrm>
-            <a:off x="0" y="170688"/>
+            <a:off x="193908" y="200718"/>
             <a:ext cx="841248" cy="976923"/>
           </a:xfrm>
           <a:prstGeom prst="rect">
@@ -8207,7 +8174,7 @@
         </p:blipFill>
         <p:spPr bwMode="auto">
           <a:xfrm>
-            <a:off x="11312768" y="0"/>
+            <a:off x="11118860" y="203203"/>
             <a:ext cx="879232" cy="1025768"/>
           </a:xfrm>
           <a:prstGeom prst="rect">
@@ -8224,10 +8191,10 @@
       </p:pic>
       <p:sp>
         <p:nvSpPr>
-          <p:cNvPr id="3" name="TextBox 2">
+          <p:cNvPr id="2" name="TextBox 1">
             <a:extLst>
               <a:ext uri="{FF2B5EF4-FFF2-40B4-BE49-F238E27FC236}">
-                <a16:creationId xmlns:a16="http://schemas.microsoft.com/office/drawing/2014/main" id="{AC51CC9D-455A-9899-CC5F-78B71DFCAC01}"/>
+                <a16:creationId xmlns:a16="http://schemas.microsoft.com/office/drawing/2014/main" id="{A5EBF6BA-3E5E-79FD-A7E8-806B21827E57}"/>
               </a:ext>
             </a:extLst>
           </p:cNvPr>
@@ -8236,8 +8203,8 @@
         </p:nvSpPr>
         <p:spPr>
           <a:xfrm>
-            <a:off x="3740330" y="453002"/>
-            <a:ext cx="4711337" cy="523220"/>
+            <a:off x="3165359" y="319411"/>
+            <a:ext cx="5699966" cy="523220"/>
           </a:xfrm>
           <a:prstGeom prst="rect">
             <a:avLst/>
@@ -8250,7 +8217,7 @@
           </a:bodyPr>
           <a:lstStyle/>
           <a:p>
-            <a:pPr algn="ctr"/>
+            <a:pPr algn="just"/>
             <a:r>
               <a:rPr lang="en-US" sz="2800" dirty="0">
                 <a:solidFill>
@@ -8261,17 +8228,17 @@
                 </a:highlight>
                 <a:latin typeface="DM Serif Display" pitchFamily="2" charset="0"/>
               </a:rPr>
-              <a:t>Experimental Results</a:t>
+              <a:t>Working Prototype of the Problem</a:t>
             </a:r>
           </a:p>
         </p:txBody>
       </p:sp>
       <p:pic>
         <p:nvPicPr>
-          <p:cNvPr id="6" name="Picture 5">
+          <p:cNvPr id="8" name="Picture 7">
             <a:extLst>
               <a:ext uri="{FF2B5EF4-FFF2-40B4-BE49-F238E27FC236}">
-                <a16:creationId xmlns:a16="http://schemas.microsoft.com/office/drawing/2014/main" id="{2FFB1191-F8E2-E6EC-88BE-FEFB6EBD809D}"/>
+                <a16:creationId xmlns:a16="http://schemas.microsoft.com/office/drawing/2014/main" id="{5F6BB9D9-0E86-12C4-0C8D-A9E09538DE96}"/>
               </a:ext>
             </a:extLst>
           </p:cNvPr>
@@ -8288,50 +8255,20 @@
         </p:blipFill>
         <p:spPr>
           <a:xfrm>
-            <a:off x="1197348" y="1439971"/>
-            <a:ext cx="9657967" cy="3780925"/>
+            <a:off x="2173704" y="1044199"/>
+            <a:ext cx="7683277" cy="4646371"/>
           </a:xfrm>
           <a:prstGeom prst="rect">
             <a:avLst/>
           </a:prstGeom>
         </p:spPr>
       </p:pic>
-      <p:pic>
-        <p:nvPicPr>
-          <p:cNvPr id="8" name="Picture 7">
+      <p:sp>
+        <p:nvSpPr>
+          <p:cNvPr id="3" name="TextBox 2">
             <a:extLst>
               <a:ext uri="{FF2B5EF4-FFF2-40B4-BE49-F238E27FC236}">
-                <a16:creationId xmlns:a16="http://schemas.microsoft.com/office/drawing/2014/main" id="{33713105-CA6C-C1FD-3DFD-8BF20AC9ECE8}"/>
-              </a:ext>
-            </a:extLst>
-          </p:cNvPr>
-          <p:cNvPicPr>
-            <a:picLocks noChangeAspect="1"/>
-          </p:cNvPicPr>
-          <p:nvPr/>
-        </p:nvPicPr>
-        <p:blipFill>
-          <a:blip r:embed="rId5"/>
-          <a:stretch>
-            <a:fillRect/>
-          </a:stretch>
-        </p:blipFill>
-        <p:spPr>
-          <a:xfrm>
-            <a:off x="1197348" y="5171291"/>
-            <a:ext cx="9658917" cy="976923"/>
-          </a:xfrm>
-          <a:prstGeom prst="rect">
-            <a:avLst/>
-          </a:prstGeom>
-        </p:spPr>
-      </p:pic>
-      <p:sp>
-        <p:nvSpPr>
-          <p:cNvPr id="10" name="TextBox 9">
-            <a:extLst>
-              <a:ext uri="{FF2B5EF4-FFF2-40B4-BE49-F238E27FC236}">
-                <a16:creationId xmlns:a16="http://schemas.microsoft.com/office/drawing/2014/main" id="{4ABFBF21-EA02-7BA5-FCBA-C2CC37DF1348}"/>
+                <a16:creationId xmlns:a16="http://schemas.microsoft.com/office/drawing/2014/main" id="{60CD8445-EC56-212D-7F0C-BD2A2E7026BC}"/>
               </a:ext>
             </a:extLst>
           </p:cNvPr>
@@ -8340,8 +8277,8 @@
         </p:nvSpPr>
         <p:spPr>
           <a:xfrm>
-            <a:off x="4367429" y="6174302"/>
-            <a:ext cx="6487886" cy="307777"/>
+            <a:off x="4000654" y="5813801"/>
+            <a:ext cx="4190692" cy="646331"/>
           </a:xfrm>
           <a:prstGeom prst="rect">
             <a:avLst/>
@@ -8354,24 +8291,25 @@
           </a:bodyPr>
           <a:lstStyle/>
           <a:p>
-            <a:pPr marL="0" marR="0" algn="r">
-              <a:spcBef>
-                <a:spcPts val="0"/>
-              </a:spcBef>
-              <a:spcAft>
-                <a:spcPts val="0"/>
-              </a:spcAft>
-            </a:pPr>
-            <a:r>
-              <a:rPr lang="en-US" sz="1400" dirty="0">
-                <a:effectLst/>
+            <a:pPr algn="ctr"/>
+            <a:r>
+              <a:rPr lang="en-US" spc="-5" dirty="0">
                 <a:latin typeface="Times New Roman" panose="02020603050405020304" pitchFamily="18" charset="0"/>
                 <a:ea typeface="SimSun" panose="02010600030101010101" pitchFamily="2" charset="-122"/>
               </a:rPr>
-              <a:t>*Evaluation metrics for predicted bitcoin prices</a:t>
-            </a:r>
-            <a:endParaRPr lang="en-IN" sz="4800" dirty="0">
-              <a:effectLst/>
+              <a:t>Price Prediction Results</a:t>
+            </a:r>
+          </a:p>
+          <a:p>
+            <a:pPr algn="ctr"/>
+            <a:r>
+              <a:rPr lang="en-US" spc="-5" dirty="0">
+                <a:latin typeface="Times New Roman" panose="02020603050405020304" pitchFamily="18" charset="0"/>
+                <a:ea typeface="SimSun" panose="02010600030101010101" pitchFamily="2" charset="-122"/>
+              </a:rPr>
+              <a:t>Actual Test data vs Prediction data</a:t>
+            </a:r>
+            <a:endParaRPr lang="en-IN" spc="-5" dirty="0">
               <a:latin typeface="Times New Roman" panose="02020603050405020304" pitchFamily="18" charset="0"/>
               <a:ea typeface="SimSun" panose="02010600030101010101" pitchFamily="2" charset="-122"/>
             </a:endParaRPr>
@@ -8379,6 +8317,11 @@
         </p:txBody>
       </p:sp>
     </p:spTree>
+    <p:extLst>
+      <p:ext uri="{BB962C8B-B14F-4D97-AF65-F5344CB8AC3E}">
+        <p14:creationId xmlns:p14="http://schemas.microsoft.com/office/powerpoint/2010/main" val="2823778589"/>
+      </p:ext>
+    </p:extLst>
   </p:cSld>
   <p:clrMapOvr>
     <a:masterClrMapping/>
